--- a/PIA/Resumen/ResumenReporte.pptx
+++ b/PIA/Resumen/ResumenReporte.pptx
@@ -14075,7 +14075,7 @@
           <a:p>
             <a:fld id="{E840ED76-C218-42D5-9C15-0538AB2C44DC}" type="datetimeFigureOut">
               <a:rPr lang="es-MX" smtClean="0"/>
-              <a:t>11/05/2022</a:t>
+              <a:t>20/05/2022</a:t>
             </a:fld>
             <a:endParaRPr lang="es-MX"/>
           </a:p>
@@ -14245,7 +14245,7 @@
           <a:p>
             <a:fld id="{E840ED76-C218-42D5-9C15-0538AB2C44DC}" type="datetimeFigureOut">
               <a:rPr lang="es-MX" smtClean="0"/>
-              <a:t>11/05/2022</a:t>
+              <a:t>20/05/2022</a:t>
             </a:fld>
             <a:endParaRPr lang="es-MX"/>
           </a:p>
@@ -14425,7 +14425,7 @@
           <a:p>
             <a:fld id="{E840ED76-C218-42D5-9C15-0538AB2C44DC}" type="datetimeFigureOut">
               <a:rPr lang="es-MX" smtClean="0"/>
-              <a:t>11/05/2022</a:t>
+              <a:t>20/05/2022</a:t>
             </a:fld>
             <a:endParaRPr lang="es-MX"/>
           </a:p>
@@ -14595,7 +14595,7 @@
           <a:p>
             <a:fld id="{E840ED76-C218-42D5-9C15-0538AB2C44DC}" type="datetimeFigureOut">
               <a:rPr lang="es-MX" smtClean="0"/>
-              <a:t>11/05/2022</a:t>
+              <a:t>20/05/2022</a:t>
             </a:fld>
             <a:endParaRPr lang="es-MX"/>
           </a:p>
@@ -14841,7 +14841,7 @@
           <a:p>
             <a:fld id="{E840ED76-C218-42D5-9C15-0538AB2C44DC}" type="datetimeFigureOut">
               <a:rPr lang="es-MX" smtClean="0"/>
-              <a:t>11/05/2022</a:t>
+              <a:t>20/05/2022</a:t>
             </a:fld>
             <a:endParaRPr lang="es-MX"/>
           </a:p>
@@ -15073,7 +15073,7 @@
           <a:p>
             <a:fld id="{E840ED76-C218-42D5-9C15-0538AB2C44DC}" type="datetimeFigureOut">
               <a:rPr lang="es-MX" smtClean="0"/>
-              <a:t>11/05/2022</a:t>
+              <a:t>20/05/2022</a:t>
             </a:fld>
             <a:endParaRPr lang="es-MX"/>
           </a:p>
@@ -15440,7 +15440,7 @@
           <a:p>
             <a:fld id="{E840ED76-C218-42D5-9C15-0538AB2C44DC}" type="datetimeFigureOut">
               <a:rPr lang="es-MX" smtClean="0"/>
-              <a:t>11/05/2022</a:t>
+              <a:t>20/05/2022</a:t>
             </a:fld>
             <a:endParaRPr lang="es-MX"/>
           </a:p>
@@ -15558,7 +15558,7 @@
           <a:p>
             <a:fld id="{E840ED76-C218-42D5-9C15-0538AB2C44DC}" type="datetimeFigureOut">
               <a:rPr lang="es-MX" smtClean="0"/>
-              <a:t>11/05/2022</a:t>
+              <a:t>20/05/2022</a:t>
             </a:fld>
             <a:endParaRPr lang="es-MX"/>
           </a:p>
@@ -15653,7 +15653,7 @@
           <a:p>
             <a:fld id="{E840ED76-C218-42D5-9C15-0538AB2C44DC}" type="datetimeFigureOut">
               <a:rPr lang="es-MX" smtClean="0"/>
-              <a:t>11/05/2022</a:t>
+              <a:t>20/05/2022</a:t>
             </a:fld>
             <a:endParaRPr lang="es-MX"/>
           </a:p>
@@ -15930,7 +15930,7 @@
           <a:p>
             <a:fld id="{E840ED76-C218-42D5-9C15-0538AB2C44DC}" type="datetimeFigureOut">
               <a:rPr lang="es-MX" smtClean="0"/>
-              <a:t>11/05/2022</a:t>
+              <a:t>20/05/2022</a:t>
             </a:fld>
             <a:endParaRPr lang="es-MX"/>
           </a:p>
@@ -16187,7 +16187,7 @@
           <a:p>
             <a:fld id="{E840ED76-C218-42D5-9C15-0538AB2C44DC}" type="datetimeFigureOut">
               <a:rPr lang="es-MX" smtClean="0"/>
-              <a:t>11/05/2022</a:t>
+              <a:t>20/05/2022</a:t>
             </a:fld>
             <a:endParaRPr lang="es-MX"/>
           </a:p>
@@ -16403,7 +16403,7 @@
           <a:p>
             <a:fld id="{E840ED76-C218-42D5-9C15-0538AB2C44DC}" type="datetimeFigureOut">
               <a:rPr lang="es-MX" smtClean="0"/>
-              <a:t>11/05/2022</a:t>
+              <a:t>20/05/2022</a:t>
             </a:fld>
             <a:endParaRPr lang="es-MX"/>
           </a:p>
@@ -24828,7 +24828,7 @@
           <p:nvPr>
             <p:extLst>
               <p:ext uri="{D42A27DB-BD31-4B8C-83A1-F6EECF244321}">
-                <p14:modId xmlns:p14="http://schemas.microsoft.com/office/powerpoint/2010/main" val="208117376"/>
+                <p14:modId xmlns:p14="http://schemas.microsoft.com/office/powerpoint/2010/main" val="3110843260"/>
               </p:ext>
             </p:extLst>
           </p:nvPr>
@@ -25231,7 +25231,7 @@
                           <a:effectLst/>
                           <a:latin typeface="Consolas" panose="020B0609020204030204" pitchFamily="49" charset="0"/>
                         </a:rPr>
-                        <a:t>0.0460024</a:t>
+                        <a:t>0.0001013</a:t>
                       </a:r>
                       <a:endParaRPr lang="es-MX" sz="2400" dirty="0">
                         <a:effectLst/>
@@ -25301,7 +25301,7 @@
                           <a:effectLst/>
                           <a:latin typeface="Consolas" panose="020B0609020204030204" pitchFamily="49" charset="0"/>
                         </a:rPr>
-                        <a:t>3025</a:t>
+                        <a:t>40</a:t>
                       </a:r>
                       <a:endParaRPr lang="es-MX" sz="2400" dirty="0">
                         <a:effectLst/>
@@ -25371,7 +25371,7 @@
                           <a:effectLst/>
                           <a:latin typeface="Consolas" panose="020B0609020204030204" pitchFamily="49" charset="0"/>
                         </a:rPr>
-                        <a:t>1010</a:t>
+                        <a:t>13.46</a:t>
                       </a:r>
                       <a:endParaRPr lang="es-MX" sz="2400" dirty="0">
                         <a:effectLst/>
@@ -25518,7 +25518,7 @@
                           <a:effectLst/>
                           <a:latin typeface="Consolas" panose="020B0609020204030204" pitchFamily="49" charset="0"/>
                         </a:rPr>
-                        <a:t>7.9012742</a:t>
+                        <a:t>0.105350</a:t>
                       </a:r>
                       <a:endParaRPr lang="es-MX" sz="2400" dirty="0">
                         <a:effectLst/>
@@ -25588,7 +25588,7 @@
                           <a:effectLst/>
                           <a:latin typeface="Consolas" panose="020B0609020204030204" pitchFamily="49" charset="0"/>
                         </a:rPr>
-                        <a:t>2510*</a:t>
+                        <a:t>33.4666</a:t>
                       </a:r>
                       <a:endParaRPr lang="es-MX" sz="2400" dirty="0">
                         <a:effectLst/>
@@ -25658,7 +25658,7 @@
                           <a:effectLst/>
                           <a:latin typeface="Consolas" panose="020B0609020204030204" pitchFamily="49" charset="0"/>
                         </a:rPr>
-                        <a:t>215</a:t>
+                        <a:t>2.86</a:t>
                       </a:r>
                       <a:endParaRPr lang="es-MX" sz="2400" dirty="0">
                         <a:effectLst/>
@@ -25805,7 +25805,7 @@
                           <a:effectLst/>
                           <a:latin typeface="Consolas" panose="020B0609020204030204" pitchFamily="49" charset="0"/>
                         </a:rPr>
-                        <a:t>13,752.209</a:t>
+                        <a:t>183.3627</a:t>
                       </a:r>
                       <a:endParaRPr lang="es-MX" sz="2400" dirty="0">
                         <a:effectLst/>
@@ -25875,7 +25875,7 @@
                           <a:effectLst/>
                           <a:latin typeface="Consolas" panose="020B0609020204030204" pitchFamily="49" charset="0"/>
                         </a:rPr>
-                        <a:t>8488</a:t>
+                        <a:t>113.17</a:t>
                       </a:r>
                       <a:endParaRPr lang="es-MX" sz="2400" dirty="0">
                         <a:effectLst/>
@@ -25945,7 +25945,7 @@
                           <a:effectLst/>
                           <a:latin typeface="Consolas" panose="020B0609020204030204" pitchFamily="49" charset="0"/>
                         </a:rPr>
-                        <a:t>612</a:t>
+                        <a:t>8.16</a:t>
                       </a:r>
                       <a:endParaRPr lang="es-MX" sz="2400" dirty="0">
                         <a:effectLst/>
@@ -26081,7 +26081,7 @@
         </p:nvSpPr>
         <p:spPr>
           <a:xfrm>
-            <a:off x="1260248" y="5577624"/>
+            <a:off x="1260247" y="5577995"/>
             <a:ext cx="9671503" cy="375231"/>
           </a:xfrm>
           <a:prstGeom prst="rect">
@@ -26110,7 +26110,7 @@
                 <a:ea typeface="Calibri" panose="020F0502020204030204" pitchFamily="34" charset="0"/>
                 <a:cs typeface="Times New Roman" panose="02020603050405020304" pitchFamily="18" charset="0"/>
               </a:rPr>
-              <a:t>Tabla 20. Sumatoria de cada parámetro en cada tipo de instancia</a:t>
+              <a:t>Tabla 20. promedio de cada parámetro en cada tipo de instancia</a:t>
             </a:r>
             <a:endParaRPr lang="es-MX" sz="2400" dirty="0">
               <a:effectLst/>
@@ -27389,7 +27389,7 @@
             </a:endParaRPr>
           </a:p>
           <a:p>
-            <a:pPr marL="342900" lvl="0" indent="-342900">
+            <a:pPr marL="342900" indent="-342900">
               <a:lnSpc>
                 <a:spcPct val="107000"/>
               </a:lnSpc>
@@ -27406,85 +27406,7 @@
                 <a:ea typeface="Calibri" panose="020F0502020204030204" pitchFamily="34" charset="0"/>
                 <a:cs typeface="Times New Roman" panose="02020603050405020304" pitchFamily="18" charset="0"/>
               </a:rPr>
-              <a:t>En primer lugar, el </a:t>
-            </a:r>
-            <a:r>
-              <a:rPr lang="es-MX" sz="1800" dirty="0">
-                <a:solidFill>
-                  <a:srgbClr val="C586C0"/>
-                </a:solidFill>
-                <a:effectLst/>
-                <a:latin typeface="Consolas" panose="020B0609020204030204" pitchFamily="49" charset="0"/>
-                <a:ea typeface="Calibri" panose="020F0502020204030204" pitchFamily="34" charset="0"/>
-                <a:cs typeface="Times New Roman" panose="02020603050405020304" pitchFamily="18" charset="0"/>
-              </a:rPr>
-              <a:t>algoritmo BVPM</a:t>
-            </a:r>
-            <a:r>
-              <a:rPr lang="es-MX" sz="1800" dirty="0">
-                <a:solidFill>
-                  <a:srgbClr val="DCDCAA"/>
-                </a:solidFill>
-                <a:effectLst/>
-                <a:latin typeface="Consolas" panose="020B0609020204030204" pitchFamily="49" charset="0"/>
-                <a:ea typeface="Calibri" panose="020F0502020204030204" pitchFamily="34" charset="0"/>
-                <a:cs typeface="Times New Roman" panose="02020603050405020304" pitchFamily="18" charset="0"/>
-              </a:rPr>
-              <a:t>, fue el </a:t>
-            </a:r>
-            <a:r>
-              <a:rPr lang="es-MX" sz="1800" dirty="0">
-                <a:solidFill>
-                  <a:srgbClr val="539DDA"/>
-                </a:solidFill>
-                <a:effectLst/>
-                <a:latin typeface="Consolas" panose="020B0609020204030204" pitchFamily="49" charset="0"/>
-                <a:ea typeface="Calibri" panose="020F0502020204030204" pitchFamily="34" charset="0"/>
-                <a:cs typeface="Times New Roman" panose="02020603050405020304" pitchFamily="18" charset="0"/>
-              </a:rPr>
-              <a:t>mejor dando el menor tiempo de cómputo, las menores soluciones, pero con una cantidad de nodos elevada</a:t>
-            </a:r>
-            <a:r>
-              <a:rPr lang="es-MX" sz="1800" dirty="0">
-                <a:solidFill>
-                  <a:srgbClr val="DCDCAA"/>
-                </a:solidFill>
-                <a:effectLst/>
-                <a:latin typeface="Consolas" panose="020B0609020204030204" pitchFamily="49" charset="0"/>
-                <a:ea typeface="Calibri" panose="020F0502020204030204" pitchFamily="34" charset="0"/>
-                <a:cs typeface="Times New Roman" panose="02020603050405020304" pitchFamily="18" charset="0"/>
-              </a:rPr>
-              <a:t>.</a:t>
-            </a:r>
-            <a:endParaRPr lang="es-MX" sz="1800" dirty="0">
-              <a:solidFill>
-                <a:srgbClr val="DCDCAA"/>
-              </a:solidFill>
-              <a:effectLst/>
-              <a:latin typeface="Calibri" panose="020F0502020204030204" pitchFamily="34" charset="0"/>
-              <a:ea typeface="Calibri" panose="020F0502020204030204" pitchFamily="34" charset="0"/>
-              <a:cs typeface="Times New Roman" panose="02020603050405020304" pitchFamily="18" charset="0"/>
-            </a:endParaRPr>
-          </a:p>
-          <a:p>
-            <a:pPr marL="342900" lvl="0" indent="-342900">
-              <a:lnSpc>
-                <a:spcPct val="107000"/>
-              </a:lnSpc>
-              <a:buFont typeface="Wingdings" panose="05000000000000000000" pitchFamily="2" charset="2"/>
-              <a:buChar char=""/>
-            </a:pPr>
-            <a:r>
-              <a:rPr lang="es-MX" sz="1800" dirty="0">
-                <a:solidFill>
-                  <a:srgbClr val="DCDCAA"/>
-                </a:solidFill>
-                <a:effectLst/>
-                <a:latin typeface="Consolas" panose="020B0609020204030204" pitchFamily="49" charset="0"/>
-                <a:ea typeface="Calibri" panose="020F0502020204030204" pitchFamily="34" charset="0"/>
-                <a:cs typeface="Times New Roman" panose="02020603050405020304" pitchFamily="18" charset="0"/>
-              </a:rPr>
-              <a:t>En segundo lugar, quedo el </a:t>
+              <a:t>En primer lugar, quedo el </a:t>
             </a:r>
             <a:r>
               <a:rPr lang="es-MX" sz="1800" dirty="0">
@@ -27520,7 +27442,76 @@
                 <a:ea typeface="Calibri" panose="020F0502020204030204" pitchFamily="34" charset="0"/>
                 <a:cs typeface="Times New Roman" panose="02020603050405020304" pitchFamily="18" charset="0"/>
               </a:rPr>
-              <a:t>un tiempo bueno, con soluciones aceptables y con muy pocos nodos</a:t>
+              <a:t>un tiempo bueno, con soluciones bajas y con muy pocos nodos</a:t>
+            </a:r>
+            <a:r>
+              <a:rPr lang="es-MX" sz="1800" dirty="0">
+                <a:solidFill>
+                  <a:srgbClr val="DCDCAA"/>
+                </a:solidFill>
+                <a:effectLst/>
+                <a:latin typeface="Consolas" panose="020B0609020204030204" pitchFamily="49" charset="0"/>
+                <a:ea typeface="Calibri" panose="020F0502020204030204" pitchFamily="34" charset="0"/>
+                <a:cs typeface="Times New Roman" panose="02020603050405020304" pitchFamily="18" charset="0"/>
+              </a:rPr>
+              <a:t>.</a:t>
+            </a:r>
+          </a:p>
+          <a:p>
+            <a:pPr marL="342900" lvl="0" indent="-342900">
+              <a:lnSpc>
+                <a:spcPct val="107000"/>
+              </a:lnSpc>
+              <a:buFont typeface="Wingdings" panose="05000000000000000000" pitchFamily="2" charset="2"/>
+              <a:buChar char=""/>
+            </a:pPr>
+            <a:r>
+              <a:rPr lang="es-MX" sz="1800" dirty="0">
+                <a:solidFill>
+                  <a:srgbClr val="DCDCAA"/>
+                </a:solidFill>
+                <a:effectLst/>
+                <a:latin typeface="Consolas" panose="020B0609020204030204" pitchFamily="49" charset="0"/>
+                <a:ea typeface="Calibri" panose="020F0502020204030204" pitchFamily="34" charset="0"/>
+                <a:cs typeface="Times New Roman" panose="02020603050405020304" pitchFamily="18" charset="0"/>
+              </a:rPr>
+              <a:t>En segundo lugar, el </a:t>
+            </a:r>
+            <a:r>
+              <a:rPr lang="es-MX" sz="1800" dirty="0">
+                <a:solidFill>
+                  <a:srgbClr val="C586C0"/>
+                </a:solidFill>
+                <a:effectLst/>
+                <a:latin typeface="Consolas" panose="020B0609020204030204" pitchFamily="49" charset="0"/>
+                <a:ea typeface="Calibri" panose="020F0502020204030204" pitchFamily="34" charset="0"/>
+                <a:cs typeface="Times New Roman" panose="02020603050405020304" pitchFamily="18" charset="0"/>
+              </a:rPr>
+              <a:t>algoritmo BVPM</a:t>
+            </a:r>
+            <a:r>
+              <a:rPr lang="es-MX" sz="1800" dirty="0">
+                <a:solidFill>
+                  <a:srgbClr val="DCDCAA"/>
+                </a:solidFill>
+                <a:effectLst/>
+                <a:latin typeface="Consolas" panose="020B0609020204030204" pitchFamily="49" charset="0"/>
+                <a:ea typeface="Calibri" panose="020F0502020204030204" pitchFamily="34" charset="0"/>
+                <a:cs typeface="Times New Roman" panose="02020603050405020304" pitchFamily="18" charset="0"/>
+              </a:rPr>
+              <a:t>, </a:t>
+            </a:r>
+            <a:r>
+              <a:rPr lang="es-MX" sz="1800" dirty="0">
+                <a:solidFill>
+                  <a:srgbClr val="539DDA"/>
+                </a:solidFill>
+                <a:effectLst/>
+                <a:latin typeface="Consolas" panose="020B0609020204030204" pitchFamily="49" charset="0"/>
+                <a:ea typeface="Calibri" panose="020F0502020204030204" pitchFamily="34" charset="0"/>
+                <a:cs typeface="Times New Roman" panose="02020603050405020304" pitchFamily="18" charset="0"/>
+              </a:rPr>
+              <a:t>dando el menor tiempo de cómputo, las menores aceptables, pero con una cantidad de nodos elevada</a:t>
             </a:r>
             <a:r>
               <a:rPr lang="es-MX" sz="1800" dirty="0">
@@ -27803,7 +27794,7 @@
         </p:nvSpPr>
         <p:spPr>
           <a:xfrm>
-            <a:off x="2848935" y="1408568"/>
+            <a:off x="1101888" y="2637651"/>
             <a:ext cx="1117614" cy="461665"/>
           </a:xfrm>
           <a:prstGeom prst="rect">
@@ -28006,7 +27997,7 @@
         </p:nvSpPr>
         <p:spPr>
           <a:xfrm>
-            <a:off x="1156039" y="2707775"/>
+            <a:off x="2993206" y="1560776"/>
             <a:ext cx="809837" cy="461665"/>
           </a:xfrm>
           <a:prstGeom prst="rect">
@@ -30622,8 +30613,8 @@
         </p:nvSpPr>
         <p:spPr>
           <a:xfrm>
-            <a:off x="4673413" y="737141"/>
-            <a:ext cx="6656125" cy="5383718"/>
+            <a:off x="4812640" y="2323207"/>
+            <a:ext cx="6656125" cy="2428165"/>
           </a:xfrm>
           <a:prstGeom prst="rect">
             <a:avLst/>
@@ -30645,7 +30636,7 @@
               </a:spcAft>
             </a:pPr>
             <a:r>
-              <a:rPr lang="es-MX" sz="1200" dirty="0">
+              <a:rPr lang="es-MX" sz="2800" dirty="0">
                 <a:effectLst/>
                 <a:latin typeface="Consolas" panose="020B0609020204030204" pitchFamily="49" charset="0"/>
                 <a:ea typeface="Calibri" panose="020F0502020204030204" pitchFamily="34" charset="0"/>
@@ -30655,7 +30646,7 @@
             </a:r>
           </a:p>
           <a:p>
-            <a:pPr>
+            <a:pPr algn="just">
               <a:lnSpc>
                 <a:spcPct val="107000"/>
               </a:lnSpc>
@@ -30664,71 +30655,23 @@
               </a:spcAft>
             </a:pPr>
             <a:r>
-              <a:rPr lang="es-MX" sz="1200" dirty="0">
-                <a:solidFill>
-                  <a:srgbClr val="C586C0"/>
-                </a:solidFill>
+              <a:rPr lang="es-MX" sz="1800" dirty="0">
                 <a:effectLst/>
                 <a:latin typeface="Consolas" panose="020B0609020204030204" pitchFamily="49" charset="0"/>
                 <a:ea typeface="Calibri" panose="020F0502020204030204" pitchFamily="34" charset="0"/>
                 <a:cs typeface="Times New Roman" panose="02020603050405020304" pitchFamily="18" charset="0"/>
               </a:rPr>
-              <a:t>Mientras</a:t>
+              <a:t>Mientras no encuentre al nodo final, visito los hijos del nodo inicial, al terminar visito los hijos del primer hijo del nodo inicial, al terminar visito los hijos del segundo hijo del nodo inicial, así sucesivamente hasta encontrar al nodo final.</a:t>
             </a:r>
-            <a:r>
-              <a:rPr lang="es-MX" sz="1200" dirty="0">
-                <a:effectLst/>
-                <a:latin typeface="Consolas" panose="020B0609020204030204" pitchFamily="49" charset="0"/>
-                <a:ea typeface="Calibri" panose="020F0502020204030204" pitchFamily="34" charset="0"/>
-                <a:cs typeface="Times New Roman" panose="02020603050405020304" pitchFamily="18" charset="0"/>
-              </a:rPr>
-              <a:t> </a:t>
-            </a:r>
-            <a:r>
-              <a:rPr lang="es-MX" sz="1200" dirty="0" err="1">
-                <a:solidFill>
-                  <a:srgbClr val="CF9178"/>
-                </a:solidFill>
-                <a:effectLst/>
-                <a:latin typeface="Consolas" panose="020B0609020204030204" pitchFamily="49" charset="0"/>
-                <a:ea typeface="Calibri" panose="020F0502020204030204" pitchFamily="34" charset="0"/>
-                <a:cs typeface="Times New Roman" panose="02020603050405020304" pitchFamily="18" charset="0"/>
-              </a:rPr>
-              <a:t>nodoFinal</a:t>
-            </a:r>
-            <a:r>
-              <a:rPr lang="es-MX" sz="1200" dirty="0">
-                <a:effectLst/>
-                <a:latin typeface="Consolas" panose="020B0609020204030204" pitchFamily="49" charset="0"/>
-                <a:ea typeface="Calibri" panose="020F0502020204030204" pitchFamily="34" charset="0"/>
-                <a:cs typeface="Times New Roman" panose="02020603050405020304" pitchFamily="18" charset="0"/>
-              </a:rPr>
-              <a:t> ¡= </a:t>
-            </a:r>
-            <a:r>
-              <a:rPr lang="es-MX" sz="1200" dirty="0" err="1">
-                <a:solidFill>
-                  <a:srgbClr val="CF9178"/>
-                </a:solidFill>
-                <a:effectLst/>
-                <a:latin typeface="Consolas" panose="020B0609020204030204" pitchFamily="49" charset="0"/>
-                <a:ea typeface="Calibri" panose="020F0502020204030204" pitchFamily="34" charset="0"/>
-                <a:cs typeface="Times New Roman" panose="02020603050405020304" pitchFamily="18" charset="0"/>
-              </a:rPr>
-              <a:t>nodoActual</a:t>
-            </a:r>
-            <a:endParaRPr lang="es-MX" sz="1200" dirty="0">
-              <a:solidFill>
-                <a:srgbClr val="CF9178"/>
-              </a:solidFill>
+            <a:endParaRPr lang="es-MX" sz="1800" dirty="0">
               <a:effectLst/>
-              <a:latin typeface="Consolas" panose="020B0609020204030204" pitchFamily="49" charset="0"/>
+              <a:latin typeface="Calibri" panose="020F0502020204030204" pitchFamily="34" charset="0"/>
               <a:ea typeface="Calibri" panose="020F0502020204030204" pitchFamily="34" charset="0"/>
               <a:cs typeface="Times New Roman" panose="02020603050405020304" pitchFamily="18" charset="0"/>
             </a:endParaRPr>
           </a:p>
           <a:p>
-            <a:pPr>
+            <a:pPr algn="ctr">
               <a:lnSpc>
                 <a:spcPct val="107000"/>
               </a:lnSpc>
@@ -30736,1210 +30679,7 @@
                 <a:spcPts val="800"/>
               </a:spcAft>
             </a:pPr>
-            <a:r>
-              <a:rPr lang="es-MX" sz="1200" dirty="0">
-                <a:effectLst/>
-                <a:latin typeface="Consolas" panose="020B0609020204030204" pitchFamily="49" charset="0"/>
-                <a:ea typeface="Calibri" panose="020F0502020204030204" pitchFamily="34" charset="0"/>
-                <a:cs typeface="Times New Roman" panose="02020603050405020304" pitchFamily="18" charset="0"/>
-              </a:rPr>
-              <a:t>	</a:t>
-            </a:r>
-            <a:r>
-              <a:rPr lang="es-MX" sz="1200" dirty="0">
-                <a:solidFill>
-                  <a:srgbClr val="C586C0"/>
-                </a:solidFill>
-                <a:effectLst/>
-                <a:latin typeface="Consolas" panose="020B0609020204030204" pitchFamily="49" charset="0"/>
-                <a:ea typeface="Calibri" panose="020F0502020204030204" pitchFamily="34" charset="0"/>
-                <a:cs typeface="Times New Roman" panose="02020603050405020304" pitchFamily="18" charset="0"/>
-              </a:rPr>
-              <a:t>Para cada </a:t>
-            </a:r>
-            <a:r>
-              <a:rPr lang="es-MX" sz="1200" dirty="0">
-                <a:effectLst/>
-                <a:latin typeface="Consolas" panose="020B0609020204030204" pitchFamily="49" charset="0"/>
-                <a:ea typeface="Calibri" panose="020F0502020204030204" pitchFamily="34" charset="0"/>
-                <a:cs typeface="Times New Roman" panose="02020603050405020304" pitchFamily="18" charset="0"/>
-              </a:rPr>
-              <a:t>i en rango ( longitud </a:t>
-            </a:r>
-            <a:r>
-              <a:rPr lang="es-MX" sz="1200" dirty="0">
-                <a:solidFill>
-                  <a:srgbClr val="CF9178"/>
-                </a:solidFill>
-                <a:effectLst/>
-                <a:latin typeface="Consolas" panose="020B0609020204030204" pitchFamily="49" charset="0"/>
-                <a:ea typeface="Calibri" panose="020F0502020204030204" pitchFamily="34" charset="0"/>
-                <a:cs typeface="Times New Roman" panose="02020603050405020304" pitchFamily="18" charset="0"/>
-              </a:rPr>
-              <a:t>grafo [</a:t>
-            </a:r>
-            <a:r>
-              <a:rPr lang="es-MX" sz="1200" dirty="0" err="1">
-                <a:solidFill>
-                  <a:srgbClr val="CF9178"/>
-                </a:solidFill>
-                <a:effectLst/>
-                <a:latin typeface="Consolas" panose="020B0609020204030204" pitchFamily="49" charset="0"/>
-                <a:ea typeface="Calibri" panose="020F0502020204030204" pitchFamily="34" charset="0"/>
-                <a:cs typeface="Times New Roman" panose="02020603050405020304" pitchFamily="18" charset="0"/>
-              </a:rPr>
-              <a:t>nodoActual</a:t>
-            </a:r>
-            <a:r>
-              <a:rPr lang="es-MX" sz="1200" dirty="0">
-                <a:solidFill>
-                  <a:srgbClr val="CF9178"/>
-                </a:solidFill>
-                <a:effectLst/>
-                <a:latin typeface="Consolas" panose="020B0609020204030204" pitchFamily="49" charset="0"/>
-                <a:ea typeface="Calibri" panose="020F0502020204030204" pitchFamily="34" charset="0"/>
-                <a:cs typeface="Times New Roman" panose="02020603050405020304" pitchFamily="18" charset="0"/>
-              </a:rPr>
-              <a:t>] </a:t>
-            </a:r>
-            <a:r>
-              <a:rPr lang="es-MX" sz="1200" dirty="0">
-                <a:effectLst/>
-                <a:latin typeface="Consolas" panose="020B0609020204030204" pitchFamily="49" charset="0"/>
-                <a:ea typeface="Calibri" panose="020F0502020204030204" pitchFamily="34" charset="0"/>
-                <a:cs typeface="Times New Roman" panose="02020603050405020304" pitchFamily="18" charset="0"/>
-              </a:rPr>
-              <a:t>) :</a:t>
-            </a:r>
-          </a:p>
-          <a:p>
-            <a:pPr>
-              <a:lnSpc>
-                <a:spcPct val="107000"/>
-              </a:lnSpc>
-              <a:spcAft>
-                <a:spcPts val="800"/>
-              </a:spcAft>
-            </a:pPr>
-            <a:r>
-              <a:rPr lang="es-MX" sz="1200" dirty="0">
-                <a:effectLst/>
-                <a:latin typeface="Consolas" panose="020B0609020204030204" pitchFamily="49" charset="0"/>
-                <a:ea typeface="Calibri" panose="020F0502020204030204" pitchFamily="34" charset="0"/>
-                <a:cs typeface="Times New Roman" panose="02020603050405020304" pitchFamily="18" charset="0"/>
-              </a:rPr>
-              <a:t>		</a:t>
-            </a:r>
-            <a:r>
-              <a:rPr lang="es-MX" sz="1200" dirty="0">
-                <a:solidFill>
-                  <a:srgbClr val="C586C0"/>
-                </a:solidFill>
-                <a:effectLst/>
-                <a:latin typeface="Consolas" panose="020B0609020204030204" pitchFamily="49" charset="0"/>
-                <a:ea typeface="Calibri" panose="020F0502020204030204" pitchFamily="34" charset="0"/>
-                <a:cs typeface="Times New Roman" panose="02020603050405020304" pitchFamily="18" charset="0"/>
-              </a:rPr>
-              <a:t>Si</a:t>
-            </a:r>
-            <a:r>
-              <a:rPr lang="es-MX" sz="1200" dirty="0">
-                <a:effectLst/>
-                <a:latin typeface="Consolas" panose="020B0609020204030204" pitchFamily="49" charset="0"/>
-                <a:ea typeface="Calibri" panose="020F0502020204030204" pitchFamily="34" charset="0"/>
-                <a:cs typeface="Times New Roman" panose="02020603050405020304" pitchFamily="18" charset="0"/>
-              </a:rPr>
-              <a:t> </a:t>
-            </a:r>
-            <a:r>
-              <a:rPr lang="es-MX" sz="1200" dirty="0">
-                <a:solidFill>
-                  <a:srgbClr val="CF9178"/>
-                </a:solidFill>
-                <a:effectLst/>
-                <a:latin typeface="Consolas" panose="020B0609020204030204" pitchFamily="49" charset="0"/>
-                <a:ea typeface="Calibri" panose="020F0502020204030204" pitchFamily="34" charset="0"/>
-                <a:cs typeface="Times New Roman" panose="02020603050405020304" pitchFamily="18" charset="0"/>
-              </a:rPr>
-              <a:t>encontrado</a:t>
-            </a:r>
-            <a:r>
-              <a:rPr lang="es-MX" sz="1200" dirty="0">
-                <a:effectLst/>
-                <a:latin typeface="Consolas" panose="020B0609020204030204" pitchFamily="49" charset="0"/>
-                <a:ea typeface="Calibri" panose="020F0502020204030204" pitchFamily="34" charset="0"/>
-                <a:cs typeface="Times New Roman" panose="02020603050405020304" pitchFamily="18" charset="0"/>
-              </a:rPr>
-              <a:t> == Falso:</a:t>
-            </a:r>
-          </a:p>
-          <a:p>
-            <a:pPr>
-              <a:lnSpc>
-                <a:spcPct val="107000"/>
-              </a:lnSpc>
-              <a:spcAft>
-                <a:spcPts val="800"/>
-              </a:spcAft>
-            </a:pPr>
-            <a:r>
-              <a:rPr lang="es-MX" sz="1200" dirty="0">
-                <a:effectLst/>
-                <a:latin typeface="Consolas" panose="020B0609020204030204" pitchFamily="49" charset="0"/>
-                <a:ea typeface="Calibri" panose="020F0502020204030204" pitchFamily="34" charset="0"/>
-                <a:cs typeface="Times New Roman" panose="02020603050405020304" pitchFamily="18" charset="0"/>
-              </a:rPr>
-              <a:t>			</a:t>
-            </a:r>
-            <a:r>
-              <a:rPr lang="es-MX" sz="1200" dirty="0">
-                <a:solidFill>
-                  <a:srgbClr val="C586C0"/>
-                </a:solidFill>
-                <a:effectLst/>
-                <a:latin typeface="Consolas" panose="020B0609020204030204" pitchFamily="49" charset="0"/>
-                <a:ea typeface="Calibri" panose="020F0502020204030204" pitchFamily="34" charset="0"/>
-                <a:cs typeface="Times New Roman" panose="02020603050405020304" pitchFamily="18" charset="0"/>
-              </a:rPr>
-              <a:t>Para cada </a:t>
-            </a:r>
-            <a:r>
-              <a:rPr lang="es-MX" sz="1200" dirty="0">
-                <a:effectLst/>
-                <a:latin typeface="Consolas" panose="020B0609020204030204" pitchFamily="49" charset="0"/>
-                <a:ea typeface="Calibri" panose="020F0502020204030204" pitchFamily="34" charset="0"/>
-                <a:cs typeface="Times New Roman" panose="02020603050405020304" pitchFamily="18" charset="0"/>
-              </a:rPr>
-              <a:t>k en rango ( longitud </a:t>
-            </a:r>
-            <a:r>
-              <a:rPr lang="es-MX" sz="1200" dirty="0" err="1">
-                <a:solidFill>
-                  <a:srgbClr val="CF9178"/>
-                </a:solidFill>
-                <a:effectLst/>
-                <a:latin typeface="Consolas" panose="020B0609020204030204" pitchFamily="49" charset="0"/>
-                <a:ea typeface="Calibri" panose="020F0502020204030204" pitchFamily="34" charset="0"/>
-                <a:cs typeface="Times New Roman" panose="02020603050405020304" pitchFamily="18" charset="0"/>
-              </a:rPr>
-              <a:t>nodosRecorridos</a:t>
-            </a:r>
-            <a:r>
-              <a:rPr lang="es-MX" sz="1200" dirty="0">
-                <a:solidFill>
-                  <a:srgbClr val="CF9178"/>
-                </a:solidFill>
-                <a:effectLst/>
-                <a:latin typeface="Consolas" panose="020B0609020204030204" pitchFamily="49" charset="0"/>
-                <a:ea typeface="Calibri" panose="020F0502020204030204" pitchFamily="34" charset="0"/>
-                <a:cs typeface="Times New Roman" panose="02020603050405020304" pitchFamily="18" charset="0"/>
-              </a:rPr>
-              <a:t> </a:t>
-            </a:r>
-            <a:r>
-              <a:rPr lang="es-MX" sz="1200" dirty="0">
-                <a:effectLst/>
-                <a:latin typeface="Consolas" panose="020B0609020204030204" pitchFamily="49" charset="0"/>
-                <a:ea typeface="Calibri" panose="020F0502020204030204" pitchFamily="34" charset="0"/>
-                <a:cs typeface="Times New Roman" panose="02020603050405020304" pitchFamily="18" charset="0"/>
-              </a:rPr>
-              <a:t>):</a:t>
-            </a:r>
-          </a:p>
-          <a:p>
-            <a:pPr>
-              <a:lnSpc>
-                <a:spcPct val="107000"/>
-              </a:lnSpc>
-              <a:spcAft>
-                <a:spcPts val="800"/>
-              </a:spcAft>
-            </a:pPr>
-            <a:r>
-              <a:rPr lang="es-MX" sz="1200" dirty="0">
-                <a:effectLst/>
-                <a:latin typeface="Consolas" panose="020B0609020204030204" pitchFamily="49" charset="0"/>
-                <a:ea typeface="Calibri" panose="020F0502020204030204" pitchFamily="34" charset="0"/>
-                <a:cs typeface="Times New Roman" panose="02020603050405020304" pitchFamily="18" charset="0"/>
-              </a:rPr>
-              <a:t>				</a:t>
-            </a:r>
-            <a:r>
-              <a:rPr lang="es-MX" sz="1200" dirty="0">
-                <a:solidFill>
-                  <a:srgbClr val="C586C0"/>
-                </a:solidFill>
-                <a:effectLst/>
-                <a:latin typeface="Consolas" panose="020B0609020204030204" pitchFamily="49" charset="0"/>
-                <a:ea typeface="Calibri" panose="020F0502020204030204" pitchFamily="34" charset="0"/>
-                <a:cs typeface="Times New Roman" panose="02020603050405020304" pitchFamily="18" charset="0"/>
-              </a:rPr>
-              <a:t>Si</a:t>
-            </a:r>
-            <a:r>
-              <a:rPr lang="es-MX" sz="1200" dirty="0">
-                <a:effectLst/>
-                <a:latin typeface="Consolas" panose="020B0609020204030204" pitchFamily="49" charset="0"/>
-                <a:ea typeface="Calibri" panose="020F0502020204030204" pitchFamily="34" charset="0"/>
-                <a:cs typeface="Times New Roman" panose="02020603050405020304" pitchFamily="18" charset="0"/>
-              </a:rPr>
-              <a:t> </a:t>
-            </a:r>
-            <a:r>
-              <a:rPr lang="es-MX" sz="1200" dirty="0">
-                <a:solidFill>
-                  <a:srgbClr val="CF9178"/>
-                </a:solidFill>
-                <a:effectLst/>
-                <a:latin typeface="Consolas" panose="020B0609020204030204" pitchFamily="49" charset="0"/>
-                <a:ea typeface="Calibri" panose="020F0502020204030204" pitchFamily="34" charset="0"/>
-                <a:cs typeface="Times New Roman" panose="02020603050405020304" pitchFamily="18" charset="0"/>
-              </a:rPr>
-              <a:t>grafo[</a:t>
-            </a:r>
-            <a:r>
-              <a:rPr lang="es-MX" sz="1200" dirty="0" err="1">
-                <a:solidFill>
-                  <a:srgbClr val="CF9178"/>
-                </a:solidFill>
-                <a:effectLst/>
-                <a:latin typeface="Consolas" panose="020B0609020204030204" pitchFamily="49" charset="0"/>
-                <a:ea typeface="Calibri" panose="020F0502020204030204" pitchFamily="34" charset="0"/>
-                <a:cs typeface="Times New Roman" panose="02020603050405020304" pitchFamily="18" charset="0"/>
-              </a:rPr>
-              <a:t>nodoActual</a:t>
-            </a:r>
-            <a:r>
-              <a:rPr lang="es-MX" sz="1200" dirty="0">
-                <a:solidFill>
-                  <a:srgbClr val="CF9178"/>
-                </a:solidFill>
-                <a:effectLst/>
-                <a:latin typeface="Consolas" panose="020B0609020204030204" pitchFamily="49" charset="0"/>
-                <a:ea typeface="Calibri" panose="020F0502020204030204" pitchFamily="34" charset="0"/>
-                <a:cs typeface="Times New Roman" panose="02020603050405020304" pitchFamily="18" charset="0"/>
-              </a:rPr>
-              <a:t>][i] </a:t>
-            </a:r>
-            <a:r>
-              <a:rPr lang="es-MX" sz="1200" dirty="0">
-                <a:effectLst/>
-                <a:latin typeface="Consolas" panose="020B0609020204030204" pitchFamily="49" charset="0"/>
-                <a:ea typeface="Calibri" panose="020F0502020204030204" pitchFamily="34" charset="0"/>
-                <a:cs typeface="Times New Roman" panose="02020603050405020304" pitchFamily="18" charset="0"/>
-              </a:rPr>
-              <a:t>== </a:t>
-            </a:r>
-            <a:r>
-              <a:rPr lang="es-MX" sz="1200" dirty="0" err="1">
-                <a:solidFill>
-                  <a:srgbClr val="CF9178"/>
-                </a:solidFill>
-                <a:effectLst/>
-                <a:latin typeface="Consolas" panose="020B0609020204030204" pitchFamily="49" charset="0"/>
-                <a:ea typeface="Calibri" panose="020F0502020204030204" pitchFamily="34" charset="0"/>
-                <a:cs typeface="Times New Roman" panose="02020603050405020304" pitchFamily="18" charset="0"/>
-              </a:rPr>
-              <a:t>nodosRecorridos</a:t>
-            </a:r>
-            <a:r>
-              <a:rPr lang="es-MX" sz="1200" dirty="0">
-                <a:solidFill>
-                  <a:srgbClr val="CF9178"/>
-                </a:solidFill>
-                <a:effectLst/>
-                <a:latin typeface="Consolas" panose="020B0609020204030204" pitchFamily="49" charset="0"/>
-                <a:ea typeface="Calibri" panose="020F0502020204030204" pitchFamily="34" charset="0"/>
-                <a:cs typeface="Times New Roman" panose="02020603050405020304" pitchFamily="18" charset="0"/>
-              </a:rPr>
-              <a:t>[i]</a:t>
-            </a:r>
-            <a:r>
-              <a:rPr lang="es-MX" sz="1200" dirty="0">
-                <a:effectLst/>
-                <a:latin typeface="Consolas" panose="020B0609020204030204" pitchFamily="49" charset="0"/>
-                <a:ea typeface="Calibri" panose="020F0502020204030204" pitchFamily="34" charset="0"/>
-                <a:cs typeface="Times New Roman" panose="02020603050405020304" pitchFamily="18" charset="0"/>
-              </a:rPr>
-              <a:t>:</a:t>
-            </a:r>
-          </a:p>
-          <a:p>
-            <a:pPr>
-              <a:lnSpc>
-                <a:spcPct val="107000"/>
-              </a:lnSpc>
-              <a:spcAft>
-                <a:spcPts val="800"/>
-              </a:spcAft>
-            </a:pPr>
-            <a:r>
-              <a:rPr lang="es-MX" sz="1200" dirty="0">
-                <a:effectLst/>
-                <a:latin typeface="Consolas" panose="020B0609020204030204" pitchFamily="49" charset="0"/>
-                <a:ea typeface="Calibri" panose="020F0502020204030204" pitchFamily="34" charset="0"/>
-                <a:cs typeface="Times New Roman" panose="02020603050405020304" pitchFamily="18" charset="0"/>
-              </a:rPr>
-              <a:t>					</a:t>
-            </a:r>
-            <a:r>
-              <a:rPr lang="es-MX" sz="1200" dirty="0" err="1">
-                <a:solidFill>
-                  <a:srgbClr val="CF9178"/>
-                </a:solidFill>
-                <a:effectLst/>
-                <a:latin typeface="Consolas" panose="020B0609020204030204" pitchFamily="49" charset="0"/>
-                <a:ea typeface="Calibri" panose="020F0502020204030204" pitchFamily="34" charset="0"/>
-                <a:cs typeface="Times New Roman" panose="02020603050405020304" pitchFamily="18" charset="0"/>
-              </a:rPr>
-              <a:t>noExiste</a:t>
-            </a:r>
-            <a:r>
-              <a:rPr lang="es-MX" sz="1200" dirty="0">
-                <a:solidFill>
-                  <a:srgbClr val="CF9178"/>
-                </a:solidFill>
-                <a:effectLst/>
-                <a:latin typeface="Consolas" panose="020B0609020204030204" pitchFamily="49" charset="0"/>
-                <a:ea typeface="Calibri" panose="020F0502020204030204" pitchFamily="34" charset="0"/>
-                <a:cs typeface="Times New Roman" panose="02020603050405020304" pitchFamily="18" charset="0"/>
-              </a:rPr>
-              <a:t> </a:t>
-            </a:r>
-            <a:r>
-              <a:rPr lang="es-MX" sz="1200" dirty="0">
-                <a:effectLst/>
-                <a:latin typeface="Consolas" panose="020B0609020204030204" pitchFamily="49" charset="0"/>
-                <a:ea typeface="Calibri" panose="020F0502020204030204" pitchFamily="34" charset="0"/>
-                <a:cs typeface="Times New Roman" panose="02020603050405020304" pitchFamily="18" charset="0"/>
-              </a:rPr>
-              <a:t>= Verdadero</a:t>
-            </a:r>
-          </a:p>
-          <a:p>
-            <a:pPr>
-              <a:lnSpc>
-                <a:spcPct val="107000"/>
-              </a:lnSpc>
-              <a:spcAft>
-                <a:spcPts val="800"/>
-              </a:spcAft>
-            </a:pPr>
-            <a:r>
-              <a:rPr lang="es-MX" sz="1200" dirty="0">
-                <a:effectLst/>
-                <a:latin typeface="Consolas" panose="020B0609020204030204" pitchFamily="49" charset="0"/>
-                <a:ea typeface="Calibri" panose="020F0502020204030204" pitchFamily="34" charset="0"/>
-                <a:cs typeface="Times New Roman" panose="02020603050405020304" pitchFamily="18" charset="0"/>
-              </a:rPr>
-              <a:t>		</a:t>
-            </a:r>
-            <a:r>
-              <a:rPr lang="es-MX" sz="1200" dirty="0">
-                <a:solidFill>
-                  <a:srgbClr val="C586C0"/>
-                </a:solidFill>
-                <a:effectLst/>
-                <a:latin typeface="Consolas" panose="020B0609020204030204" pitchFamily="49" charset="0"/>
-                <a:ea typeface="Calibri" panose="020F0502020204030204" pitchFamily="34" charset="0"/>
-                <a:cs typeface="Times New Roman" panose="02020603050405020304" pitchFamily="18" charset="0"/>
-              </a:rPr>
-              <a:t>Si</a:t>
-            </a:r>
-            <a:r>
-              <a:rPr lang="es-MX" sz="1200" dirty="0">
-                <a:effectLst/>
-                <a:latin typeface="Consolas" panose="020B0609020204030204" pitchFamily="49" charset="0"/>
-                <a:ea typeface="Calibri" panose="020F0502020204030204" pitchFamily="34" charset="0"/>
-                <a:cs typeface="Times New Roman" panose="02020603050405020304" pitchFamily="18" charset="0"/>
-              </a:rPr>
-              <a:t> </a:t>
-            </a:r>
-            <a:r>
-              <a:rPr lang="es-MX" sz="1200" dirty="0" err="1">
-                <a:solidFill>
-                  <a:srgbClr val="CF9178"/>
-                </a:solidFill>
-                <a:effectLst/>
-                <a:latin typeface="Consolas" panose="020B0609020204030204" pitchFamily="49" charset="0"/>
-                <a:ea typeface="Calibri" panose="020F0502020204030204" pitchFamily="34" charset="0"/>
-                <a:cs typeface="Times New Roman" panose="02020603050405020304" pitchFamily="18" charset="0"/>
-              </a:rPr>
-              <a:t>noExiste</a:t>
-            </a:r>
-            <a:r>
-              <a:rPr lang="es-MX" sz="1200" dirty="0">
-                <a:effectLst/>
-                <a:latin typeface="Consolas" panose="020B0609020204030204" pitchFamily="49" charset="0"/>
-                <a:ea typeface="Calibri" panose="020F0502020204030204" pitchFamily="34" charset="0"/>
-                <a:cs typeface="Times New Roman" panose="02020603050405020304" pitchFamily="18" charset="0"/>
-              </a:rPr>
-              <a:t> == falso y </a:t>
-            </a:r>
-            <a:r>
-              <a:rPr lang="es-MX" sz="1200" dirty="0">
-                <a:solidFill>
-                  <a:srgbClr val="CF9178"/>
-                </a:solidFill>
-                <a:effectLst/>
-                <a:latin typeface="Consolas" panose="020B0609020204030204" pitchFamily="49" charset="0"/>
-                <a:ea typeface="Calibri" panose="020F0502020204030204" pitchFamily="34" charset="0"/>
-                <a:cs typeface="Times New Roman" panose="02020603050405020304" pitchFamily="18" charset="0"/>
-              </a:rPr>
-              <a:t>encontrado</a:t>
-            </a:r>
-            <a:r>
-              <a:rPr lang="es-MX" sz="1200" dirty="0">
-                <a:effectLst/>
-                <a:latin typeface="Consolas" panose="020B0609020204030204" pitchFamily="49" charset="0"/>
-                <a:ea typeface="Calibri" panose="020F0502020204030204" pitchFamily="34" charset="0"/>
-                <a:cs typeface="Times New Roman" panose="02020603050405020304" pitchFamily="18" charset="0"/>
-              </a:rPr>
-              <a:t> == Falso:</a:t>
-            </a:r>
-          </a:p>
-          <a:p>
-            <a:pPr>
-              <a:lnSpc>
-                <a:spcPct val="107000"/>
-              </a:lnSpc>
-              <a:spcAft>
-                <a:spcPts val="800"/>
-              </a:spcAft>
-            </a:pPr>
-            <a:r>
-              <a:rPr lang="es-MX" sz="1200" dirty="0">
-                <a:effectLst/>
-                <a:latin typeface="Consolas" panose="020B0609020204030204" pitchFamily="49" charset="0"/>
-                <a:ea typeface="Calibri" panose="020F0502020204030204" pitchFamily="34" charset="0"/>
-                <a:cs typeface="Times New Roman" panose="02020603050405020304" pitchFamily="18" charset="0"/>
-              </a:rPr>
-              <a:t>			</a:t>
-            </a:r>
-            <a:r>
-              <a:rPr lang="es-MX" sz="1200" dirty="0" err="1">
-                <a:solidFill>
-                  <a:srgbClr val="CF9178"/>
-                </a:solidFill>
-                <a:effectLst/>
-                <a:latin typeface="Consolas" panose="020B0609020204030204" pitchFamily="49" charset="0"/>
-                <a:ea typeface="Calibri" panose="020F0502020204030204" pitchFamily="34" charset="0"/>
-                <a:cs typeface="Times New Roman" panose="02020603050405020304" pitchFamily="18" charset="0"/>
-              </a:rPr>
-              <a:t>nodosRecorridos</a:t>
-            </a:r>
-            <a:r>
-              <a:rPr lang="es-MX" sz="1200" dirty="0" err="1">
-                <a:effectLst/>
-                <a:latin typeface="Consolas" panose="020B0609020204030204" pitchFamily="49" charset="0"/>
-                <a:ea typeface="Calibri" panose="020F0502020204030204" pitchFamily="34" charset="0"/>
-                <a:cs typeface="Times New Roman" panose="02020603050405020304" pitchFamily="18" charset="0"/>
-              </a:rPr>
-              <a:t>.Agregar</a:t>
-            </a:r>
-            <a:r>
-              <a:rPr lang="es-MX" sz="1200" dirty="0">
-                <a:effectLst/>
-                <a:latin typeface="Consolas" panose="020B0609020204030204" pitchFamily="49" charset="0"/>
-                <a:ea typeface="Calibri" panose="020F0502020204030204" pitchFamily="34" charset="0"/>
-                <a:cs typeface="Times New Roman" panose="02020603050405020304" pitchFamily="18" charset="0"/>
-              </a:rPr>
-              <a:t>( entero(</a:t>
-            </a:r>
-            <a:r>
-              <a:rPr lang="es-MX" sz="1200" dirty="0">
-                <a:solidFill>
-                  <a:srgbClr val="CF9178"/>
-                </a:solidFill>
-                <a:effectLst/>
-                <a:latin typeface="Consolas" panose="020B0609020204030204" pitchFamily="49" charset="0"/>
-                <a:ea typeface="Calibri" panose="020F0502020204030204" pitchFamily="34" charset="0"/>
-                <a:cs typeface="Times New Roman" panose="02020603050405020304" pitchFamily="18" charset="0"/>
-              </a:rPr>
-              <a:t>grafo[</a:t>
-            </a:r>
-            <a:r>
-              <a:rPr lang="es-MX" sz="1200" dirty="0" err="1">
-                <a:solidFill>
-                  <a:srgbClr val="CF9178"/>
-                </a:solidFill>
-                <a:effectLst/>
-                <a:latin typeface="Consolas" panose="020B0609020204030204" pitchFamily="49" charset="0"/>
-                <a:ea typeface="Calibri" panose="020F0502020204030204" pitchFamily="34" charset="0"/>
-                <a:cs typeface="Times New Roman" panose="02020603050405020304" pitchFamily="18" charset="0"/>
-              </a:rPr>
-              <a:t>nodoActual</a:t>
-            </a:r>
-            <a:r>
-              <a:rPr lang="es-MX" sz="1200" dirty="0">
-                <a:solidFill>
-                  <a:srgbClr val="CF9178"/>
-                </a:solidFill>
-                <a:effectLst/>
-                <a:latin typeface="Consolas" panose="020B0609020204030204" pitchFamily="49" charset="0"/>
-                <a:ea typeface="Calibri" panose="020F0502020204030204" pitchFamily="34" charset="0"/>
-                <a:cs typeface="Times New Roman" panose="02020603050405020304" pitchFamily="18" charset="0"/>
-              </a:rPr>
-              <a:t>][i]</a:t>
-            </a:r>
-            <a:r>
-              <a:rPr lang="es-MX" sz="1200" dirty="0">
-                <a:effectLst/>
-                <a:latin typeface="Consolas" panose="020B0609020204030204" pitchFamily="49" charset="0"/>
-                <a:ea typeface="Calibri" panose="020F0502020204030204" pitchFamily="34" charset="0"/>
-                <a:cs typeface="Times New Roman" panose="02020603050405020304" pitchFamily="18" charset="0"/>
-              </a:rPr>
-              <a:t>) ) </a:t>
-            </a:r>
-          </a:p>
-          <a:p>
-            <a:pPr>
-              <a:lnSpc>
-                <a:spcPct val="107000"/>
-              </a:lnSpc>
-              <a:spcAft>
-                <a:spcPts val="800"/>
-              </a:spcAft>
-            </a:pPr>
-            <a:r>
-              <a:rPr lang="es-MX" sz="1200" dirty="0">
-                <a:effectLst/>
-                <a:latin typeface="Consolas" panose="020B0609020204030204" pitchFamily="49" charset="0"/>
-                <a:ea typeface="Calibri" panose="020F0502020204030204" pitchFamily="34" charset="0"/>
-                <a:cs typeface="Times New Roman" panose="02020603050405020304" pitchFamily="18" charset="0"/>
-              </a:rPr>
-              <a:t>			</a:t>
-            </a:r>
-            <a:r>
-              <a:rPr lang="es-MX" sz="1200" dirty="0" err="1">
-                <a:solidFill>
-                  <a:srgbClr val="CF9178"/>
-                </a:solidFill>
-                <a:effectLst/>
-                <a:latin typeface="Consolas" panose="020B0609020204030204" pitchFamily="49" charset="0"/>
-                <a:ea typeface="Calibri" panose="020F0502020204030204" pitchFamily="34" charset="0"/>
-                <a:cs typeface="Times New Roman" panose="02020603050405020304" pitchFamily="18" charset="0"/>
-              </a:rPr>
-              <a:t>antecesorNodosRecorridos</a:t>
-            </a:r>
-            <a:r>
-              <a:rPr lang="es-MX" sz="1200" dirty="0" err="1">
-                <a:effectLst/>
-                <a:latin typeface="Consolas" panose="020B0609020204030204" pitchFamily="49" charset="0"/>
-                <a:ea typeface="Calibri" panose="020F0502020204030204" pitchFamily="34" charset="0"/>
-                <a:cs typeface="Times New Roman" panose="02020603050405020304" pitchFamily="18" charset="0"/>
-              </a:rPr>
-              <a:t>.Agregar</a:t>
-            </a:r>
-            <a:r>
-              <a:rPr lang="es-MX" sz="1200" dirty="0">
-                <a:effectLst/>
-                <a:latin typeface="Consolas" panose="020B0609020204030204" pitchFamily="49" charset="0"/>
-                <a:ea typeface="Calibri" panose="020F0502020204030204" pitchFamily="34" charset="0"/>
-                <a:cs typeface="Times New Roman" panose="02020603050405020304" pitchFamily="18" charset="0"/>
-              </a:rPr>
-              <a:t>(entero(</a:t>
-            </a:r>
-            <a:r>
-              <a:rPr lang="es-MX" sz="1200" dirty="0" err="1">
-                <a:solidFill>
-                  <a:srgbClr val="CF9178"/>
-                </a:solidFill>
-                <a:effectLst/>
-                <a:latin typeface="Consolas" panose="020B0609020204030204" pitchFamily="49" charset="0"/>
-                <a:ea typeface="Calibri" panose="020F0502020204030204" pitchFamily="34" charset="0"/>
-                <a:cs typeface="Times New Roman" panose="02020603050405020304" pitchFamily="18" charset="0"/>
-              </a:rPr>
-              <a:t>nodoActual</a:t>
-            </a:r>
-            <a:r>
-              <a:rPr lang="es-MX" sz="1200" dirty="0">
-                <a:effectLst/>
-                <a:latin typeface="Consolas" panose="020B0609020204030204" pitchFamily="49" charset="0"/>
-                <a:ea typeface="Calibri" panose="020F0502020204030204" pitchFamily="34" charset="0"/>
-                <a:cs typeface="Times New Roman" panose="02020603050405020304" pitchFamily="18" charset="0"/>
-              </a:rPr>
-              <a:t>))</a:t>
-            </a:r>
-          </a:p>
-          <a:p>
-            <a:pPr>
-              <a:lnSpc>
-                <a:spcPct val="107000"/>
-              </a:lnSpc>
-              <a:spcAft>
-                <a:spcPts val="800"/>
-              </a:spcAft>
-            </a:pPr>
-            <a:r>
-              <a:rPr lang="es-MX" sz="1200" dirty="0">
-                <a:effectLst/>
-                <a:latin typeface="Consolas" panose="020B0609020204030204" pitchFamily="49" charset="0"/>
-                <a:ea typeface="Calibri" panose="020F0502020204030204" pitchFamily="34" charset="0"/>
-                <a:cs typeface="Times New Roman" panose="02020603050405020304" pitchFamily="18" charset="0"/>
-              </a:rPr>
-              <a:t>			</a:t>
-            </a:r>
-            <a:r>
-              <a:rPr lang="es-MX" sz="1200" dirty="0">
-                <a:solidFill>
-                  <a:srgbClr val="C586C0"/>
-                </a:solidFill>
-                <a:effectLst/>
-                <a:latin typeface="Consolas" panose="020B0609020204030204" pitchFamily="49" charset="0"/>
-                <a:ea typeface="Calibri" panose="020F0502020204030204" pitchFamily="34" charset="0"/>
-                <a:cs typeface="Times New Roman" panose="02020603050405020304" pitchFamily="18" charset="0"/>
-              </a:rPr>
-              <a:t>Si</a:t>
-            </a:r>
-            <a:r>
-              <a:rPr lang="es-MX" sz="1200" dirty="0">
-                <a:effectLst/>
-                <a:latin typeface="Consolas" panose="020B0609020204030204" pitchFamily="49" charset="0"/>
-                <a:ea typeface="Calibri" panose="020F0502020204030204" pitchFamily="34" charset="0"/>
-                <a:cs typeface="Times New Roman" panose="02020603050405020304" pitchFamily="18" charset="0"/>
-              </a:rPr>
-              <a:t> entero(</a:t>
-            </a:r>
-            <a:r>
-              <a:rPr lang="es-MX" sz="1200" dirty="0">
-                <a:solidFill>
-                  <a:srgbClr val="CF9178"/>
-                </a:solidFill>
-                <a:effectLst/>
-                <a:latin typeface="Consolas" panose="020B0609020204030204" pitchFamily="49" charset="0"/>
-                <a:ea typeface="Calibri" panose="020F0502020204030204" pitchFamily="34" charset="0"/>
-                <a:cs typeface="Times New Roman" panose="02020603050405020304" pitchFamily="18" charset="0"/>
-              </a:rPr>
-              <a:t>grafo[</a:t>
-            </a:r>
-            <a:r>
-              <a:rPr lang="es-MX" sz="1200" dirty="0" err="1">
-                <a:solidFill>
-                  <a:srgbClr val="CF9178"/>
-                </a:solidFill>
-                <a:effectLst/>
-                <a:latin typeface="Consolas" panose="020B0609020204030204" pitchFamily="49" charset="0"/>
-                <a:ea typeface="Calibri" panose="020F0502020204030204" pitchFamily="34" charset="0"/>
-                <a:cs typeface="Times New Roman" panose="02020603050405020304" pitchFamily="18" charset="0"/>
-              </a:rPr>
-              <a:t>nodoActual</a:t>
-            </a:r>
-            <a:r>
-              <a:rPr lang="es-MX" sz="1200" dirty="0">
-                <a:solidFill>
-                  <a:srgbClr val="CF9178"/>
-                </a:solidFill>
-                <a:effectLst/>
-                <a:latin typeface="Consolas" panose="020B0609020204030204" pitchFamily="49" charset="0"/>
-                <a:ea typeface="Calibri" panose="020F0502020204030204" pitchFamily="34" charset="0"/>
-                <a:cs typeface="Times New Roman" panose="02020603050405020304" pitchFamily="18" charset="0"/>
-              </a:rPr>
-              <a:t>][i]</a:t>
-            </a:r>
-            <a:r>
-              <a:rPr lang="es-MX" sz="1200" dirty="0">
-                <a:effectLst/>
-                <a:latin typeface="Consolas" panose="020B0609020204030204" pitchFamily="49" charset="0"/>
-                <a:ea typeface="Calibri" panose="020F0502020204030204" pitchFamily="34" charset="0"/>
-                <a:cs typeface="Times New Roman" panose="02020603050405020304" pitchFamily="18" charset="0"/>
-              </a:rPr>
-              <a:t>) == </a:t>
-            </a:r>
-            <a:r>
-              <a:rPr lang="es-MX" sz="1200" dirty="0" err="1">
-                <a:solidFill>
-                  <a:srgbClr val="CF9178"/>
-                </a:solidFill>
-                <a:effectLst/>
-                <a:latin typeface="Consolas" panose="020B0609020204030204" pitchFamily="49" charset="0"/>
-                <a:ea typeface="Calibri" panose="020F0502020204030204" pitchFamily="34" charset="0"/>
-                <a:cs typeface="Times New Roman" panose="02020603050405020304" pitchFamily="18" charset="0"/>
-              </a:rPr>
-              <a:t>nodoFinal</a:t>
-            </a:r>
-            <a:r>
-              <a:rPr lang="es-MX" sz="1200" dirty="0">
-                <a:effectLst/>
-                <a:latin typeface="Consolas" panose="020B0609020204030204" pitchFamily="49" charset="0"/>
-                <a:ea typeface="Calibri" panose="020F0502020204030204" pitchFamily="34" charset="0"/>
-                <a:cs typeface="Times New Roman" panose="02020603050405020304" pitchFamily="18" charset="0"/>
-              </a:rPr>
-              <a:t>:</a:t>
-            </a:r>
-          </a:p>
-          <a:p>
-            <a:pPr>
-              <a:lnSpc>
-                <a:spcPct val="107000"/>
-              </a:lnSpc>
-              <a:spcAft>
-                <a:spcPts val="800"/>
-              </a:spcAft>
-            </a:pPr>
-            <a:r>
-              <a:rPr lang="es-MX" sz="1200" dirty="0">
-                <a:effectLst/>
-                <a:latin typeface="Consolas" panose="020B0609020204030204" pitchFamily="49" charset="0"/>
-                <a:ea typeface="Calibri" panose="020F0502020204030204" pitchFamily="34" charset="0"/>
-                <a:cs typeface="Times New Roman" panose="02020603050405020304" pitchFamily="18" charset="0"/>
-              </a:rPr>
-              <a:t>				</a:t>
-            </a:r>
-            <a:r>
-              <a:rPr lang="es-MX" sz="1200" dirty="0" err="1">
-                <a:solidFill>
-                  <a:srgbClr val="CF9178"/>
-                </a:solidFill>
-                <a:effectLst/>
-                <a:latin typeface="Consolas" panose="020B0609020204030204" pitchFamily="49" charset="0"/>
-                <a:ea typeface="Calibri" panose="020F0502020204030204" pitchFamily="34" charset="0"/>
-                <a:cs typeface="Times New Roman" panose="02020603050405020304" pitchFamily="18" charset="0"/>
-              </a:rPr>
-              <a:t>nodoActual</a:t>
-            </a:r>
-            <a:r>
-              <a:rPr lang="es-MX" sz="1200" dirty="0">
-                <a:solidFill>
-                  <a:srgbClr val="CF9178"/>
-                </a:solidFill>
-                <a:effectLst/>
-                <a:latin typeface="Consolas" panose="020B0609020204030204" pitchFamily="49" charset="0"/>
-                <a:ea typeface="Calibri" panose="020F0502020204030204" pitchFamily="34" charset="0"/>
-                <a:cs typeface="Times New Roman" panose="02020603050405020304" pitchFamily="18" charset="0"/>
-              </a:rPr>
-              <a:t> </a:t>
-            </a:r>
-            <a:r>
-              <a:rPr lang="es-MX" sz="1200" dirty="0">
-                <a:effectLst/>
-                <a:latin typeface="Consolas" panose="020B0609020204030204" pitchFamily="49" charset="0"/>
-                <a:ea typeface="Calibri" panose="020F0502020204030204" pitchFamily="34" charset="0"/>
-                <a:cs typeface="Times New Roman" panose="02020603050405020304" pitchFamily="18" charset="0"/>
-              </a:rPr>
-              <a:t>= </a:t>
-            </a:r>
-            <a:r>
-              <a:rPr lang="es-MX" sz="1200" dirty="0" err="1">
-                <a:solidFill>
-                  <a:srgbClr val="CF9178"/>
-                </a:solidFill>
-                <a:effectLst/>
-                <a:latin typeface="Consolas" panose="020B0609020204030204" pitchFamily="49" charset="0"/>
-                <a:ea typeface="Calibri" panose="020F0502020204030204" pitchFamily="34" charset="0"/>
-                <a:cs typeface="Times New Roman" panose="02020603050405020304" pitchFamily="18" charset="0"/>
-              </a:rPr>
-              <a:t>nodoFinal</a:t>
-            </a:r>
             <a:endParaRPr lang="es-MX" sz="1200" dirty="0">
-              <a:solidFill>
-                <a:srgbClr val="CF9178"/>
-              </a:solidFill>
-              <a:effectLst/>
-              <a:latin typeface="Consolas" panose="020B0609020204030204" pitchFamily="49" charset="0"/>
-              <a:ea typeface="Calibri" panose="020F0502020204030204" pitchFamily="34" charset="0"/>
-              <a:cs typeface="Times New Roman" panose="02020603050405020304" pitchFamily="18" charset="0"/>
-            </a:endParaRPr>
-          </a:p>
-          <a:p>
-            <a:pPr>
-              <a:lnSpc>
-                <a:spcPct val="107000"/>
-              </a:lnSpc>
-              <a:spcAft>
-                <a:spcPts val="800"/>
-              </a:spcAft>
-            </a:pPr>
-            <a:r>
-              <a:rPr lang="es-MX" sz="1200" dirty="0">
-                <a:effectLst/>
-                <a:latin typeface="Consolas" panose="020B0609020204030204" pitchFamily="49" charset="0"/>
-                <a:ea typeface="Calibri" panose="020F0502020204030204" pitchFamily="34" charset="0"/>
-                <a:cs typeface="Times New Roman" panose="02020603050405020304" pitchFamily="18" charset="0"/>
-              </a:rPr>
-              <a:t>				</a:t>
-            </a:r>
-            <a:r>
-              <a:rPr lang="es-MX" sz="1200" dirty="0">
-                <a:solidFill>
-                  <a:srgbClr val="CF9178"/>
-                </a:solidFill>
-                <a:effectLst/>
-                <a:latin typeface="Consolas" panose="020B0609020204030204" pitchFamily="49" charset="0"/>
-                <a:ea typeface="Calibri" panose="020F0502020204030204" pitchFamily="34" charset="0"/>
-                <a:cs typeface="Times New Roman" panose="02020603050405020304" pitchFamily="18" charset="0"/>
-              </a:rPr>
-              <a:t>encontrado</a:t>
-            </a:r>
-            <a:r>
-              <a:rPr lang="es-MX" sz="1200" dirty="0">
-                <a:effectLst/>
-                <a:latin typeface="Consolas" panose="020B0609020204030204" pitchFamily="49" charset="0"/>
-                <a:ea typeface="Calibri" panose="020F0502020204030204" pitchFamily="34" charset="0"/>
-                <a:cs typeface="Times New Roman" panose="02020603050405020304" pitchFamily="18" charset="0"/>
-              </a:rPr>
-              <a:t> = </a:t>
-            </a:r>
-            <a:r>
-              <a:rPr lang="es-MX" sz="1200" dirty="0">
-                <a:solidFill>
-                  <a:srgbClr val="CF9178"/>
-                </a:solidFill>
-                <a:effectLst/>
-                <a:latin typeface="Consolas" panose="020B0609020204030204" pitchFamily="49" charset="0"/>
-                <a:ea typeface="Calibri" panose="020F0502020204030204" pitchFamily="34" charset="0"/>
-                <a:cs typeface="Times New Roman" panose="02020603050405020304" pitchFamily="18" charset="0"/>
-              </a:rPr>
-              <a:t>Verdadero</a:t>
-            </a:r>
-          </a:p>
-          <a:p>
-            <a:pPr>
-              <a:lnSpc>
-                <a:spcPct val="107000"/>
-              </a:lnSpc>
-              <a:spcAft>
-                <a:spcPts val="800"/>
-              </a:spcAft>
-            </a:pPr>
-            <a:r>
-              <a:rPr lang="es-MX" sz="1200" dirty="0">
-                <a:effectLst/>
-                <a:latin typeface="Consolas" panose="020B0609020204030204" pitchFamily="49" charset="0"/>
-                <a:ea typeface="Calibri" panose="020F0502020204030204" pitchFamily="34" charset="0"/>
-                <a:cs typeface="Times New Roman" panose="02020603050405020304" pitchFamily="18" charset="0"/>
-              </a:rPr>
-              <a:t>	</a:t>
-            </a:r>
-            <a:r>
-              <a:rPr lang="es-MX" sz="1200" dirty="0" err="1">
-                <a:solidFill>
-                  <a:srgbClr val="CF9178"/>
-                </a:solidFill>
-                <a:effectLst/>
-                <a:latin typeface="Consolas" panose="020B0609020204030204" pitchFamily="49" charset="0"/>
-                <a:ea typeface="Calibri" panose="020F0502020204030204" pitchFamily="34" charset="0"/>
-                <a:cs typeface="Times New Roman" panose="02020603050405020304" pitchFamily="18" charset="0"/>
-              </a:rPr>
-              <a:t>posicionNodoActual</a:t>
-            </a:r>
-            <a:r>
-              <a:rPr lang="es-MX" sz="1200" dirty="0">
-                <a:effectLst/>
-                <a:latin typeface="Consolas" panose="020B0609020204030204" pitchFamily="49" charset="0"/>
-                <a:ea typeface="Calibri" panose="020F0502020204030204" pitchFamily="34" charset="0"/>
-                <a:cs typeface="Times New Roman" panose="02020603050405020304" pitchFamily="18" charset="0"/>
-              </a:rPr>
-              <a:t> = </a:t>
-            </a:r>
-            <a:r>
-              <a:rPr lang="es-MX" sz="1200" dirty="0" err="1">
-                <a:solidFill>
-                  <a:srgbClr val="CF9178"/>
-                </a:solidFill>
-                <a:effectLst/>
-                <a:latin typeface="Consolas" panose="020B0609020204030204" pitchFamily="49" charset="0"/>
-                <a:ea typeface="Calibri" panose="020F0502020204030204" pitchFamily="34" charset="0"/>
-                <a:cs typeface="Times New Roman" panose="02020603050405020304" pitchFamily="18" charset="0"/>
-              </a:rPr>
-              <a:t>nodosRecorrido</a:t>
-            </a:r>
-            <a:r>
-              <a:rPr lang="es-MX" sz="1200" dirty="0" err="1">
-                <a:effectLst/>
-                <a:latin typeface="Consolas" panose="020B0609020204030204" pitchFamily="49" charset="0"/>
-                <a:ea typeface="Calibri" panose="020F0502020204030204" pitchFamily="34" charset="0"/>
-                <a:cs typeface="Times New Roman" panose="02020603050405020304" pitchFamily="18" charset="0"/>
-              </a:rPr>
-              <a:t>.indice</a:t>
-            </a:r>
-            <a:r>
-              <a:rPr lang="es-MX" sz="1200" dirty="0">
-                <a:effectLst/>
-                <a:latin typeface="Consolas" panose="020B0609020204030204" pitchFamily="49" charset="0"/>
-                <a:ea typeface="Calibri" panose="020F0502020204030204" pitchFamily="34" charset="0"/>
-                <a:cs typeface="Times New Roman" panose="02020603050405020304" pitchFamily="18" charset="0"/>
-              </a:rPr>
-              <a:t>( entero(</a:t>
-            </a:r>
-            <a:r>
-              <a:rPr lang="es-MX" sz="1200" dirty="0" err="1">
-                <a:solidFill>
-                  <a:srgbClr val="CF9178"/>
-                </a:solidFill>
-                <a:effectLst/>
-                <a:latin typeface="Consolas" panose="020B0609020204030204" pitchFamily="49" charset="0"/>
-                <a:ea typeface="Calibri" panose="020F0502020204030204" pitchFamily="34" charset="0"/>
-                <a:cs typeface="Times New Roman" panose="02020603050405020304" pitchFamily="18" charset="0"/>
-              </a:rPr>
-              <a:t>nodoActual</a:t>
-            </a:r>
-            <a:r>
-              <a:rPr lang="es-MX" sz="1200" dirty="0">
-                <a:effectLst/>
-                <a:latin typeface="Consolas" panose="020B0609020204030204" pitchFamily="49" charset="0"/>
-                <a:ea typeface="Calibri" panose="020F0502020204030204" pitchFamily="34" charset="0"/>
-                <a:cs typeface="Times New Roman" panose="02020603050405020304" pitchFamily="18" charset="0"/>
-              </a:rPr>
-              <a:t>) )</a:t>
-            </a:r>
-          </a:p>
-          <a:p>
-            <a:pPr>
-              <a:lnSpc>
-                <a:spcPct val="107000"/>
-              </a:lnSpc>
-              <a:spcAft>
-                <a:spcPts val="800"/>
-              </a:spcAft>
-            </a:pPr>
-            <a:r>
-              <a:rPr lang="es-MX" sz="1200" dirty="0">
-                <a:effectLst/>
-                <a:latin typeface="Consolas" panose="020B0609020204030204" pitchFamily="49" charset="0"/>
-                <a:ea typeface="Calibri" panose="020F0502020204030204" pitchFamily="34" charset="0"/>
-                <a:cs typeface="Times New Roman" panose="02020603050405020304" pitchFamily="18" charset="0"/>
-              </a:rPr>
-              <a:t>	</a:t>
-            </a:r>
-            <a:r>
-              <a:rPr lang="es-MX" sz="1200" dirty="0">
-                <a:solidFill>
-                  <a:srgbClr val="C586C0"/>
-                </a:solidFill>
-                <a:effectLst/>
-                <a:latin typeface="Consolas" panose="020B0609020204030204" pitchFamily="49" charset="0"/>
-                <a:ea typeface="Calibri" panose="020F0502020204030204" pitchFamily="34" charset="0"/>
-                <a:cs typeface="Times New Roman" panose="02020603050405020304" pitchFamily="18" charset="0"/>
-              </a:rPr>
-              <a:t>Si</a:t>
-            </a:r>
-            <a:r>
-              <a:rPr lang="es-MX" sz="1200" dirty="0">
-                <a:effectLst/>
-                <a:latin typeface="Consolas" panose="020B0609020204030204" pitchFamily="49" charset="0"/>
-                <a:ea typeface="Calibri" panose="020F0502020204030204" pitchFamily="34" charset="0"/>
-                <a:cs typeface="Times New Roman" panose="02020603050405020304" pitchFamily="18" charset="0"/>
-              </a:rPr>
-              <a:t> </a:t>
-            </a:r>
-            <a:r>
-              <a:rPr lang="es-MX" sz="1200" dirty="0">
-                <a:solidFill>
-                  <a:srgbClr val="CF9178"/>
-                </a:solidFill>
-                <a:effectLst/>
-                <a:latin typeface="Consolas" panose="020B0609020204030204" pitchFamily="49" charset="0"/>
-                <a:ea typeface="Calibri" panose="020F0502020204030204" pitchFamily="34" charset="0"/>
-                <a:cs typeface="Times New Roman" panose="02020603050405020304" pitchFamily="18" charset="0"/>
-              </a:rPr>
-              <a:t>posicionNodoActual</a:t>
-            </a:r>
-            <a:r>
-              <a:rPr lang="es-MX" sz="1200" dirty="0">
-                <a:effectLst/>
-                <a:latin typeface="Consolas" panose="020B0609020204030204" pitchFamily="49" charset="0"/>
-                <a:ea typeface="Calibri" panose="020F0502020204030204" pitchFamily="34" charset="0"/>
-                <a:cs typeface="Times New Roman" panose="02020603050405020304" pitchFamily="18" charset="0"/>
-              </a:rPr>
-              <a:t>+1 &lt; longitud (</a:t>
-            </a:r>
-            <a:r>
-              <a:rPr lang="es-MX" sz="1200" dirty="0" err="1">
-                <a:solidFill>
-                  <a:srgbClr val="CF9178"/>
-                </a:solidFill>
-                <a:effectLst/>
-                <a:latin typeface="Consolas" panose="020B0609020204030204" pitchFamily="49" charset="0"/>
-                <a:ea typeface="Calibri" panose="020F0502020204030204" pitchFamily="34" charset="0"/>
-                <a:cs typeface="Times New Roman" panose="02020603050405020304" pitchFamily="18" charset="0"/>
-              </a:rPr>
-              <a:t>nodosRecorridos</a:t>
-            </a:r>
-            <a:r>
-              <a:rPr lang="es-MX" sz="1200" dirty="0">
-                <a:effectLst/>
-                <a:latin typeface="Consolas" panose="020B0609020204030204" pitchFamily="49" charset="0"/>
-                <a:ea typeface="Calibri" panose="020F0502020204030204" pitchFamily="34" charset="0"/>
-                <a:cs typeface="Times New Roman" panose="02020603050405020304" pitchFamily="18" charset="0"/>
-              </a:rPr>
-              <a:t> ):</a:t>
-            </a:r>
-          </a:p>
-          <a:p>
-            <a:pPr>
-              <a:lnSpc>
-                <a:spcPct val="107000"/>
-              </a:lnSpc>
-              <a:spcAft>
-                <a:spcPts val="800"/>
-              </a:spcAft>
-            </a:pPr>
-            <a:r>
-              <a:rPr lang="es-MX" sz="1200" dirty="0">
-                <a:effectLst/>
-                <a:latin typeface="Consolas" panose="020B0609020204030204" pitchFamily="49" charset="0"/>
-                <a:ea typeface="Calibri" panose="020F0502020204030204" pitchFamily="34" charset="0"/>
-                <a:cs typeface="Times New Roman" panose="02020603050405020304" pitchFamily="18" charset="0"/>
-              </a:rPr>
-              <a:t>		</a:t>
-            </a:r>
-            <a:r>
-              <a:rPr lang="es-MX" sz="1200" dirty="0" err="1">
-                <a:solidFill>
-                  <a:srgbClr val="CF9178"/>
-                </a:solidFill>
-                <a:effectLst/>
-                <a:latin typeface="Consolas" panose="020B0609020204030204" pitchFamily="49" charset="0"/>
-                <a:ea typeface="Calibri" panose="020F0502020204030204" pitchFamily="34" charset="0"/>
-                <a:cs typeface="Times New Roman" panose="02020603050405020304" pitchFamily="18" charset="0"/>
-              </a:rPr>
-              <a:t>nodoActual</a:t>
-            </a:r>
-            <a:r>
-              <a:rPr lang="es-MX" sz="1200" dirty="0">
-                <a:effectLst/>
-                <a:latin typeface="Consolas" panose="020B0609020204030204" pitchFamily="49" charset="0"/>
-                <a:ea typeface="Calibri" panose="020F0502020204030204" pitchFamily="34" charset="0"/>
-                <a:cs typeface="Times New Roman" panose="02020603050405020304" pitchFamily="18" charset="0"/>
-              </a:rPr>
-              <a:t> = </a:t>
-            </a:r>
-            <a:r>
-              <a:rPr lang="es-MX" sz="1200" dirty="0" err="1">
-                <a:solidFill>
-                  <a:srgbClr val="CF9178"/>
-                </a:solidFill>
-                <a:effectLst/>
-                <a:latin typeface="Consolas" panose="020B0609020204030204" pitchFamily="49" charset="0"/>
-                <a:ea typeface="Calibri" panose="020F0502020204030204" pitchFamily="34" charset="0"/>
-                <a:cs typeface="Times New Roman" panose="02020603050405020304" pitchFamily="18" charset="0"/>
-              </a:rPr>
-              <a:t>nodosRecorridos</a:t>
-            </a:r>
-            <a:r>
-              <a:rPr lang="es-MX" sz="1200" dirty="0">
-                <a:solidFill>
-                  <a:srgbClr val="CF9178"/>
-                </a:solidFill>
-                <a:effectLst/>
-                <a:latin typeface="Consolas" panose="020B0609020204030204" pitchFamily="49" charset="0"/>
-                <a:ea typeface="Calibri" panose="020F0502020204030204" pitchFamily="34" charset="0"/>
-                <a:cs typeface="Times New Roman" panose="02020603050405020304" pitchFamily="18" charset="0"/>
-              </a:rPr>
-              <a:t>[ </a:t>
-            </a:r>
-            <a:r>
-              <a:rPr lang="es-MX" sz="1200" dirty="0" err="1">
-                <a:solidFill>
-                  <a:srgbClr val="CF9178"/>
-                </a:solidFill>
-                <a:effectLst/>
-                <a:latin typeface="Consolas" panose="020B0609020204030204" pitchFamily="49" charset="0"/>
-                <a:ea typeface="Calibri" panose="020F0502020204030204" pitchFamily="34" charset="0"/>
-                <a:cs typeface="Times New Roman" panose="02020603050405020304" pitchFamily="18" charset="0"/>
-              </a:rPr>
-              <a:t>posicionNodoActual</a:t>
-            </a:r>
-            <a:r>
-              <a:rPr lang="es-MX" sz="1200" dirty="0">
-                <a:solidFill>
-                  <a:srgbClr val="CF9178"/>
-                </a:solidFill>
-                <a:effectLst/>
-                <a:latin typeface="Consolas" panose="020B0609020204030204" pitchFamily="49" charset="0"/>
-                <a:ea typeface="Calibri" panose="020F0502020204030204" pitchFamily="34" charset="0"/>
-                <a:cs typeface="Times New Roman" panose="02020603050405020304" pitchFamily="18" charset="0"/>
-              </a:rPr>
-              <a:t> + 1]</a:t>
-            </a:r>
-          </a:p>
-          <a:p>
-            <a:pPr>
-              <a:lnSpc>
-                <a:spcPct val="107000"/>
-              </a:lnSpc>
-              <a:spcAft>
-                <a:spcPts val="800"/>
-              </a:spcAft>
-            </a:pPr>
-            <a:r>
-              <a:rPr lang="es-MX" sz="1200" dirty="0">
-                <a:effectLst/>
-                <a:latin typeface="Consolas" panose="020B0609020204030204" pitchFamily="49" charset="0"/>
-                <a:ea typeface="Calibri" panose="020F0502020204030204" pitchFamily="34" charset="0"/>
-                <a:cs typeface="Times New Roman" panose="02020603050405020304" pitchFamily="18" charset="0"/>
-              </a:rPr>
-              <a:t>	</a:t>
-            </a:r>
-            <a:r>
-              <a:rPr lang="es-MX" sz="1200" dirty="0">
-                <a:solidFill>
-                  <a:srgbClr val="C586C0"/>
-                </a:solidFill>
-                <a:effectLst/>
-                <a:latin typeface="Consolas" panose="020B0609020204030204" pitchFamily="49" charset="0"/>
-                <a:ea typeface="Calibri" panose="020F0502020204030204" pitchFamily="34" charset="0"/>
-                <a:cs typeface="Times New Roman" panose="02020603050405020304" pitchFamily="18" charset="0"/>
-              </a:rPr>
-              <a:t>Si no:</a:t>
-            </a:r>
-          </a:p>
-          <a:p>
-            <a:pPr>
-              <a:lnSpc>
-                <a:spcPct val="107000"/>
-              </a:lnSpc>
-              <a:spcAft>
-                <a:spcPts val="800"/>
-              </a:spcAft>
-            </a:pPr>
-            <a:r>
-              <a:rPr lang="es-MX" sz="1200" dirty="0">
-                <a:effectLst/>
-                <a:latin typeface="Consolas" panose="020B0609020204030204" pitchFamily="49" charset="0"/>
-                <a:ea typeface="Calibri" panose="020F0502020204030204" pitchFamily="34" charset="0"/>
-                <a:cs typeface="Times New Roman" panose="02020603050405020304" pitchFamily="18" charset="0"/>
-              </a:rPr>
-              <a:t>		</a:t>
-            </a:r>
-            <a:r>
-              <a:rPr lang="es-MX" sz="1200" dirty="0" err="1">
-                <a:solidFill>
-                  <a:srgbClr val="CF9178"/>
-                </a:solidFill>
-                <a:effectLst/>
-                <a:latin typeface="Consolas" panose="020B0609020204030204" pitchFamily="49" charset="0"/>
-                <a:ea typeface="Calibri" panose="020F0502020204030204" pitchFamily="34" charset="0"/>
-                <a:cs typeface="Times New Roman" panose="02020603050405020304" pitchFamily="18" charset="0"/>
-              </a:rPr>
-              <a:t>nodoActual</a:t>
-            </a:r>
-            <a:r>
-              <a:rPr lang="es-MX" sz="1200" dirty="0">
-                <a:effectLst/>
-                <a:latin typeface="Consolas" panose="020B0609020204030204" pitchFamily="49" charset="0"/>
-                <a:ea typeface="Calibri" panose="020F0502020204030204" pitchFamily="34" charset="0"/>
-                <a:cs typeface="Times New Roman" panose="02020603050405020304" pitchFamily="18" charset="0"/>
-              </a:rPr>
-              <a:t> = </a:t>
-            </a:r>
-            <a:r>
-              <a:rPr lang="es-MX" sz="1200" dirty="0" err="1">
-                <a:solidFill>
-                  <a:srgbClr val="CF9178"/>
-                </a:solidFill>
-                <a:effectLst/>
-                <a:latin typeface="Consolas" panose="020B0609020204030204" pitchFamily="49" charset="0"/>
-                <a:ea typeface="Calibri" panose="020F0502020204030204" pitchFamily="34" charset="0"/>
-                <a:cs typeface="Times New Roman" panose="02020603050405020304" pitchFamily="18" charset="0"/>
-              </a:rPr>
-              <a:t>nodoFinal</a:t>
-            </a:r>
-            <a:endParaRPr lang="es-MX" dirty="0">
-              <a:solidFill>
-                <a:srgbClr val="CF9178"/>
-              </a:solidFill>
               <a:effectLst/>
               <a:latin typeface="Consolas" panose="020B0609020204030204" pitchFamily="49" charset="0"/>
               <a:ea typeface="Calibri" panose="020F0502020204030204" pitchFamily="34" charset="0"/>
@@ -32073,8 +30813,8 @@
         </p:nvSpPr>
         <p:spPr>
           <a:xfrm>
-            <a:off x="4862775" y="402471"/>
-            <a:ext cx="6660107" cy="5923160"/>
+            <a:off x="5078675" y="2543738"/>
+            <a:ext cx="6660107" cy="2124299"/>
           </a:xfrm>
           <a:prstGeom prst="rect">
             <a:avLst/>
@@ -32096,7 +30836,7 @@
               </a:spcAft>
             </a:pPr>
             <a:r>
-              <a:rPr lang="es-MX" sz="1000" b="1" dirty="0">
+              <a:rPr lang="es-MX" sz="2800" b="1" dirty="0">
                 <a:effectLst/>
                 <a:latin typeface="Consolas" panose="020B0609020204030204" pitchFamily="49" charset="0"/>
                 <a:ea typeface="Calibri" panose="020F0502020204030204" pitchFamily="34" charset="0"/>
@@ -32104,7 +30844,7 @@
               </a:rPr>
               <a:t>PSEUDOCODIGO</a:t>
             </a:r>
-            <a:endParaRPr lang="es-MX" sz="1000" dirty="0">
+            <a:endParaRPr lang="es-MX" sz="2800" dirty="0">
               <a:effectLst/>
               <a:latin typeface="Consolas" panose="020B0609020204030204" pitchFamily="49" charset="0"/>
               <a:ea typeface="Calibri" panose="020F0502020204030204" pitchFamily="34" charset="0"/>
@@ -32112,7 +30852,7 @@
             </a:endParaRPr>
           </a:p>
           <a:p>
-            <a:pPr>
+            <a:pPr algn="just">
               <a:lnSpc>
                 <a:spcPct val="107000"/>
               </a:lnSpc>
@@ -32121,1152 +30861,17 @@
               </a:spcAft>
             </a:pPr>
             <a:r>
-              <a:rPr lang="es-MX" sz="1000" dirty="0">
-                <a:solidFill>
-                  <a:srgbClr val="C586C0"/>
-                </a:solidFill>
+              <a:rPr lang="es-MX" sz="1800" dirty="0">
                 <a:effectLst/>
                 <a:latin typeface="Consolas" panose="020B0609020204030204" pitchFamily="49" charset="0"/>
                 <a:ea typeface="Calibri" panose="020F0502020204030204" pitchFamily="34" charset="0"/>
                 <a:cs typeface="Times New Roman" panose="02020603050405020304" pitchFamily="18" charset="0"/>
               </a:rPr>
-              <a:t>Mientras</a:t>
+              <a:t>Mientras no encuentre al nodo final, visito los hijos del nodo inicial, el nodo actual será el que tenga una menor distancia, ahora visito los hijos del nodo actual, así hasta que encuentre el nodo final.</a:t>
             </a:r>
-            <a:r>
-              <a:rPr lang="es-MX" sz="1000" dirty="0">
-                <a:effectLst/>
-                <a:latin typeface="Consolas" panose="020B0609020204030204" pitchFamily="49" charset="0"/>
-                <a:ea typeface="Calibri" panose="020F0502020204030204" pitchFamily="34" charset="0"/>
-                <a:cs typeface="Times New Roman" panose="02020603050405020304" pitchFamily="18" charset="0"/>
-              </a:rPr>
-              <a:t> </a:t>
-            </a:r>
-            <a:r>
-              <a:rPr lang="es-MX" sz="1000" dirty="0">
-                <a:solidFill>
-                  <a:srgbClr val="CF9178"/>
-                </a:solidFill>
-                <a:effectLst/>
-                <a:latin typeface="Consolas" panose="020B0609020204030204" pitchFamily="49" charset="0"/>
-                <a:ea typeface="Calibri" panose="020F0502020204030204" pitchFamily="34" charset="0"/>
-                <a:cs typeface="Times New Roman" panose="02020603050405020304" pitchFamily="18" charset="0"/>
-              </a:rPr>
-              <a:t>actual</a:t>
-            </a:r>
-            <a:r>
-              <a:rPr lang="es-MX" sz="1000" dirty="0">
-                <a:effectLst/>
-                <a:latin typeface="Consolas" panose="020B0609020204030204" pitchFamily="49" charset="0"/>
-                <a:ea typeface="Calibri" panose="020F0502020204030204" pitchFamily="34" charset="0"/>
-                <a:cs typeface="Times New Roman" panose="02020603050405020304" pitchFamily="18" charset="0"/>
-              </a:rPr>
-              <a:t> ¡= </a:t>
-            </a:r>
-            <a:r>
-              <a:rPr lang="es-MX" sz="1000" dirty="0">
-                <a:solidFill>
-                  <a:srgbClr val="CF9178"/>
-                </a:solidFill>
-                <a:effectLst/>
-                <a:latin typeface="Consolas" panose="020B0609020204030204" pitchFamily="49" charset="0"/>
-                <a:ea typeface="Calibri" panose="020F0502020204030204" pitchFamily="34" charset="0"/>
-                <a:cs typeface="Times New Roman" panose="02020603050405020304" pitchFamily="18" charset="0"/>
-              </a:rPr>
-              <a:t>final</a:t>
-            </a:r>
-            <a:r>
-              <a:rPr lang="es-MX" sz="1000" dirty="0">
-                <a:effectLst/>
-                <a:latin typeface="Consolas" panose="020B0609020204030204" pitchFamily="49" charset="0"/>
-                <a:ea typeface="Calibri" panose="020F0502020204030204" pitchFamily="34" charset="0"/>
-                <a:cs typeface="Times New Roman" panose="02020603050405020304" pitchFamily="18" charset="0"/>
-              </a:rPr>
-              <a:t>:</a:t>
-            </a:r>
-          </a:p>
-          <a:p>
-            <a:pPr>
-              <a:lnSpc>
-                <a:spcPct val="107000"/>
-              </a:lnSpc>
-              <a:spcAft>
-                <a:spcPts val="800"/>
-              </a:spcAft>
-            </a:pPr>
-            <a:r>
-              <a:rPr lang="es-MX" sz="1000" dirty="0">
-                <a:effectLst/>
-                <a:latin typeface="Consolas" panose="020B0609020204030204" pitchFamily="49" charset="0"/>
-                <a:ea typeface="Calibri" panose="020F0502020204030204" pitchFamily="34" charset="0"/>
-                <a:cs typeface="Times New Roman" panose="02020603050405020304" pitchFamily="18" charset="0"/>
-              </a:rPr>
-              <a:t>	</a:t>
-            </a:r>
-            <a:r>
-              <a:rPr lang="es-MX" sz="1000" dirty="0">
-                <a:solidFill>
-                  <a:srgbClr val="CF9178"/>
-                </a:solidFill>
-                <a:effectLst/>
-                <a:latin typeface="Consolas" panose="020B0609020204030204" pitchFamily="49" charset="0"/>
-                <a:ea typeface="Calibri" panose="020F0502020204030204" pitchFamily="34" charset="0"/>
-                <a:cs typeface="Times New Roman" panose="02020603050405020304" pitchFamily="18" charset="0"/>
-              </a:rPr>
-              <a:t>Mínimo</a:t>
-            </a:r>
-            <a:r>
-              <a:rPr lang="es-MX" sz="1000" dirty="0">
-                <a:effectLst/>
-                <a:latin typeface="Consolas" panose="020B0609020204030204" pitchFamily="49" charset="0"/>
-                <a:ea typeface="Calibri" panose="020F0502020204030204" pitchFamily="34" charset="0"/>
-                <a:cs typeface="Times New Roman" panose="02020603050405020304" pitchFamily="18" charset="0"/>
-              </a:rPr>
-              <a:t> = 9999	</a:t>
-            </a:r>
-          </a:p>
-          <a:p>
-            <a:pPr>
-              <a:lnSpc>
-                <a:spcPct val="107000"/>
-              </a:lnSpc>
-              <a:spcAft>
-                <a:spcPts val="800"/>
-              </a:spcAft>
-            </a:pPr>
-            <a:r>
-              <a:rPr lang="es-MX" sz="1000" dirty="0">
-                <a:effectLst/>
-                <a:latin typeface="Consolas" panose="020B0609020204030204" pitchFamily="49" charset="0"/>
-                <a:ea typeface="Calibri" panose="020F0502020204030204" pitchFamily="34" charset="0"/>
-                <a:cs typeface="Times New Roman" panose="02020603050405020304" pitchFamily="18" charset="0"/>
-              </a:rPr>
-              <a:t>  	</a:t>
-            </a:r>
-            <a:r>
-              <a:rPr lang="es-MX" sz="1000" dirty="0" err="1">
-                <a:solidFill>
-                  <a:srgbClr val="CF9178"/>
-                </a:solidFill>
-                <a:effectLst/>
-                <a:latin typeface="Consolas" panose="020B0609020204030204" pitchFamily="49" charset="0"/>
-                <a:ea typeface="Calibri" panose="020F0502020204030204" pitchFamily="34" charset="0"/>
-                <a:cs typeface="Times New Roman" panose="02020603050405020304" pitchFamily="18" charset="0"/>
-              </a:rPr>
-              <a:t>NumeroNodos</a:t>
-            </a:r>
-            <a:r>
-              <a:rPr lang="es-MX" sz="1000" dirty="0">
-                <a:solidFill>
-                  <a:srgbClr val="CF9178"/>
-                </a:solidFill>
-                <a:effectLst/>
-                <a:latin typeface="Consolas" panose="020B0609020204030204" pitchFamily="49" charset="0"/>
-                <a:ea typeface="Calibri" panose="020F0502020204030204" pitchFamily="34" charset="0"/>
-                <a:cs typeface="Times New Roman" panose="02020603050405020304" pitchFamily="18" charset="0"/>
-              </a:rPr>
-              <a:t> </a:t>
-            </a:r>
-            <a:r>
-              <a:rPr lang="es-MX" sz="1000" dirty="0">
-                <a:effectLst/>
-                <a:latin typeface="Consolas" panose="020B0609020204030204" pitchFamily="49" charset="0"/>
-                <a:ea typeface="Calibri" panose="020F0502020204030204" pitchFamily="34" charset="0"/>
-                <a:cs typeface="Times New Roman" panose="02020603050405020304" pitchFamily="18" charset="0"/>
-              </a:rPr>
-              <a:t>= longitud de </a:t>
-            </a:r>
-            <a:r>
-              <a:rPr lang="es-MX" sz="1000" dirty="0">
-                <a:solidFill>
-                  <a:srgbClr val="CF9178"/>
-                </a:solidFill>
-                <a:effectLst/>
-                <a:latin typeface="Consolas" panose="020B0609020204030204" pitchFamily="49" charset="0"/>
-                <a:ea typeface="Calibri" panose="020F0502020204030204" pitchFamily="34" charset="0"/>
-                <a:cs typeface="Times New Roman" panose="02020603050405020304" pitchFamily="18" charset="0"/>
-              </a:rPr>
-              <a:t>grafo[actual]</a:t>
-            </a:r>
-          </a:p>
-          <a:p>
-            <a:pPr>
-              <a:lnSpc>
-                <a:spcPct val="107000"/>
-              </a:lnSpc>
-              <a:spcAft>
-                <a:spcPts val="800"/>
-              </a:spcAft>
-            </a:pPr>
-            <a:r>
-              <a:rPr lang="es-MX" sz="1000" dirty="0">
-                <a:effectLst/>
-                <a:latin typeface="Consolas" panose="020B0609020204030204" pitchFamily="49" charset="0"/>
-                <a:ea typeface="Calibri" panose="020F0502020204030204" pitchFamily="34" charset="0"/>
-                <a:cs typeface="Times New Roman" panose="02020603050405020304" pitchFamily="18" charset="0"/>
-              </a:rPr>
-              <a:t>	</a:t>
-            </a:r>
-            <a:r>
-              <a:rPr lang="es-MX" sz="1000" dirty="0">
-                <a:solidFill>
-                  <a:srgbClr val="6A9955"/>
-                </a:solidFill>
-                <a:effectLst/>
-                <a:latin typeface="Consolas" panose="020B0609020204030204" pitchFamily="49" charset="0"/>
-                <a:ea typeface="Calibri" panose="020F0502020204030204" pitchFamily="34" charset="0"/>
-                <a:cs typeface="Times New Roman" panose="02020603050405020304" pitchFamily="18" charset="0"/>
-              </a:rPr>
-              <a:t>// visito cada nodo adyacente del nodo actual</a:t>
-            </a:r>
-          </a:p>
-          <a:p>
-            <a:pPr>
-              <a:lnSpc>
-                <a:spcPct val="107000"/>
-              </a:lnSpc>
-              <a:spcAft>
-                <a:spcPts val="800"/>
-              </a:spcAft>
-            </a:pPr>
-            <a:r>
-              <a:rPr lang="es-MX" sz="1000" dirty="0">
-                <a:effectLst/>
-                <a:latin typeface="Consolas" panose="020B0609020204030204" pitchFamily="49" charset="0"/>
-                <a:ea typeface="Calibri" panose="020F0502020204030204" pitchFamily="34" charset="0"/>
-                <a:cs typeface="Times New Roman" panose="02020603050405020304" pitchFamily="18" charset="0"/>
-              </a:rPr>
-              <a:t>	</a:t>
-            </a:r>
-            <a:r>
-              <a:rPr lang="es-MX" sz="1000" dirty="0">
-                <a:solidFill>
-                  <a:srgbClr val="C586C0"/>
-                </a:solidFill>
-                <a:effectLst/>
-                <a:latin typeface="Consolas" panose="020B0609020204030204" pitchFamily="49" charset="0"/>
-                <a:ea typeface="Calibri" panose="020F0502020204030204" pitchFamily="34" charset="0"/>
-                <a:cs typeface="Times New Roman" panose="02020603050405020304" pitchFamily="18" charset="0"/>
-              </a:rPr>
-              <a:t>Para cada</a:t>
-            </a:r>
-            <a:r>
-              <a:rPr lang="es-MX" sz="1000" dirty="0">
-                <a:effectLst/>
-                <a:latin typeface="Consolas" panose="020B0609020204030204" pitchFamily="49" charset="0"/>
-                <a:ea typeface="Calibri" panose="020F0502020204030204" pitchFamily="34" charset="0"/>
-                <a:cs typeface="Times New Roman" panose="02020603050405020304" pitchFamily="18" charset="0"/>
-              </a:rPr>
-              <a:t> i en rango (</a:t>
-            </a:r>
-            <a:r>
-              <a:rPr lang="es-MX" sz="1000" dirty="0" err="1">
-                <a:solidFill>
-                  <a:srgbClr val="CF9178"/>
-                </a:solidFill>
-                <a:effectLst/>
-                <a:latin typeface="Consolas" panose="020B0609020204030204" pitchFamily="49" charset="0"/>
-                <a:ea typeface="Calibri" panose="020F0502020204030204" pitchFamily="34" charset="0"/>
-                <a:cs typeface="Times New Roman" panose="02020603050405020304" pitchFamily="18" charset="0"/>
-              </a:rPr>
-              <a:t>NumeroNodos</a:t>
-            </a:r>
-            <a:r>
-              <a:rPr lang="es-MX" sz="1000" dirty="0">
-                <a:effectLst/>
-                <a:latin typeface="Consolas" panose="020B0609020204030204" pitchFamily="49" charset="0"/>
-                <a:ea typeface="Calibri" panose="020F0502020204030204" pitchFamily="34" charset="0"/>
-                <a:cs typeface="Times New Roman" panose="02020603050405020304" pitchFamily="18" charset="0"/>
-              </a:rPr>
-              <a:t>):</a:t>
-            </a:r>
-          </a:p>
-          <a:p>
-            <a:pPr>
-              <a:lnSpc>
-                <a:spcPct val="107000"/>
-              </a:lnSpc>
-              <a:spcAft>
-                <a:spcPts val="800"/>
-              </a:spcAft>
-            </a:pPr>
-            <a:r>
-              <a:rPr lang="es-MX" sz="1000" dirty="0">
-                <a:effectLst/>
-                <a:latin typeface="Consolas" panose="020B0609020204030204" pitchFamily="49" charset="0"/>
-                <a:ea typeface="Calibri" panose="020F0502020204030204" pitchFamily="34" charset="0"/>
-                <a:cs typeface="Times New Roman" panose="02020603050405020304" pitchFamily="18" charset="0"/>
-              </a:rPr>
-              <a:t>		</a:t>
-            </a:r>
-            <a:r>
-              <a:rPr lang="es-MX" sz="1000" dirty="0">
-                <a:solidFill>
-                  <a:srgbClr val="C586C0"/>
-                </a:solidFill>
-                <a:effectLst/>
-                <a:latin typeface="Consolas" panose="020B0609020204030204" pitchFamily="49" charset="0"/>
-                <a:ea typeface="Calibri" panose="020F0502020204030204" pitchFamily="34" charset="0"/>
-                <a:cs typeface="Times New Roman" panose="02020603050405020304" pitchFamily="18" charset="0"/>
-              </a:rPr>
-              <a:t>Si</a:t>
-            </a:r>
-            <a:r>
-              <a:rPr lang="es-MX" sz="1000" dirty="0">
-                <a:effectLst/>
-                <a:latin typeface="Consolas" panose="020B0609020204030204" pitchFamily="49" charset="0"/>
-                <a:ea typeface="Calibri" panose="020F0502020204030204" pitchFamily="34" charset="0"/>
-                <a:cs typeface="Times New Roman" panose="02020603050405020304" pitchFamily="18" charset="0"/>
-              </a:rPr>
-              <a:t> </a:t>
-            </a:r>
-            <a:r>
-              <a:rPr lang="es-MX" sz="1000" dirty="0">
-                <a:solidFill>
-                  <a:srgbClr val="CF9178"/>
-                </a:solidFill>
-                <a:effectLst/>
-                <a:latin typeface="Consolas" panose="020B0609020204030204" pitchFamily="49" charset="0"/>
-                <a:ea typeface="Calibri" panose="020F0502020204030204" pitchFamily="34" charset="0"/>
-                <a:cs typeface="Times New Roman" panose="02020603050405020304" pitchFamily="18" charset="0"/>
-              </a:rPr>
-              <a:t>grafo[actual][i] </a:t>
-            </a:r>
-            <a:r>
-              <a:rPr lang="es-MX" sz="1000" dirty="0">
-                <a:effectLst/>
-                <a:latin typeface="Consolas" panose="020B0609020204030204" pitchFamily="49" charset="0"/>
-                <a:ea typeface="Calibri" panose="020F0502020204030204" pitchFamily="34" charset="0"/>
-                <a:cs typeface="Times New Roman" panose="02020603050405020304" pitchFamily="18" charset="0"/>
-              </a:rPr>
-              <a:t>¡= </a:t>
-            </a:r>
-            <a:r>
-              <a:rPr lang="es-MX" sz="1000" dirty="0">
-                <a:solidFill>
-                  <a:srgbClr val="CF9178"/>
-                </a:solidFill>
-                <a:effectLst/>
-                <a:latin typeface="Consolas" panose="020B0609020204030204" pitchFamily="49" charset="0"/>
-                <a:ea typeface="Calibri" panose="020F0502020204030204" pitchFamily="34" charset="0"/>
-                <a:cs typeface="Times New Roman" panose="02020603050405020304" pitchFamily="18" charset="0"/>
-              </a:rPr>
-              <a:t>final</a:t>
-            </a:r>
-            <a:r>
-              <a:rPr lang="es-MX" sz="1000" dirty="0">
-                <a:effectLst/>
-                <a:latin typeface="Consolas" panose="020B0609020204030204" pitchFamily="49" charset="0"/>
-                <a:ea typeface="Calibri" panose="020F0502020204030204" pitchFamily="34" charset="0"/>
-                <a:cs typeface="Times New Roman" panose="02020603050405020304" pitchFamily="18" charset="0"/>
-              </a:rPr>
-              <a:t>:</a:t>
-            </a:r>
-          </a:p>
-          <a:p>
-            <a:pPr marL="1348740" indent="3810">
-              <a:lnSpc>
-                <a:spcPct val="107000"/>
-              </a:lnSpc>
-              <a:spcAft>
-                <a:spcPts val="800"/>
-              </a:spcAft>
-            </a:pPr>
-            <a:r>
-              <a:rPr lang="es-MX" sz="1000" dirty="0">
-                <a:solidFill>
-                  <a:srgbClr val="6A9955"/>
-                </a:solidFill>
-                <a:effectLst/>
-                <a:latin typeface="Consolas" panose="020B0609020204030204" pitchFamily="49" charset="0"/>
-                <a:ea typeface="Calibri" panose="020F0502020204030204" pitchFamily="34" charset="0"/>
-                <a:cs typeface="Times New Roman" panose="02020603050405020304" pitchFamily="18" charset="0"/>
-              </a:rPr>
-              <a:t>// el diccionario guarda las distancias en el mismo índice que el nodo      // solo que en una fila distinta</a:t>
-            </a:r>
-          </a:p>
-          <a:p>
-            <a:pPr>
-              <a:lnSpc>
-                <a:spcPct val="107000"/>
-              </a:lnSpc>
-              <a:spcAft>
-                <a:spcPts val="800"/>
-              </a:spcAft>
-            </a:pPr>
-            <a:r>
-              <a:rPr lang="es-MX" sz="1000" dirty="0">
-                <a:effectLst/>
-                <a:latin typeface="Consolas" panose="020B0609020204030204" pitchFamily="49" charset="0"/>
-                <a:ea typeface="Calibri" panose="020F0502020204030204" pitchFamily="34" charset="0"/>
-                <a:cs typeface="Times New Roman" panose="02020603050405020304" pitchFamily="18" charset="0"/>
-              </a:rPr>
-              <a:t>			</a:t>
-            </a:r>
-            <a:r>
-              <a:rPr lang="es-MX" sz="1000" dirty="0">
-                <a:solidFill>
-                  <a:srgbClr val="C586C0"/>
-                </a:solidFill>
-                <a:effectLst/>
-                <a:latin typeface="Consolas" panose="020B0609020204030204" pitchFamily="49" charset="0"/>
-                <a:ea typeface="Calibri" panose="020F0502020204030204" pitchFamily="34" charset="0"/>
-                <a:cs typeface="Times New Roman" panose="02020603050405020304" pitchFamily="18" charset="0"/>
-              </a:rPr>
-              <a:t>Si</a:t>
-            </a:r>
-            <a:r>
-              <a:rPr lang="es-MX" sz="1000" dirty="0">
-                <a:effectLst/>
-                <a:latin typeface="Consolas" panose="020B0609020204030204" pitchFamily="49" charset="0"/>
-                <a:ea typeface="Calibri" panose="020F0502020204030204" pitchFamily="34" charset="0"/>
-                <a:cs typeface="Times New Roman" panose="02020603050405020304" pitchFamily="18" charset="0"/>
-              </a:rPr>
-              <a:t> </a:t>
-            </a:r>
-            <a:r>
-              <a:rPr lang="es-MX" sz="1000" dirty="0">
-                <a:solidFill>
-                  <a:srgbClr val="CF9178"/>
-                </a:solidFill>
-                <a:effectLst/>
-                <a:latin typeface="Consolas" panose="020B0609020204030204" pitchFamily="49" charset="0"/>
-                <a:ea typeface="Calibri" panose="020F0502020204030204" pitchFamily="34" charset="0"/>
-                <a:cs typeface="Times New Roman" panose="02020603050405020304" pitchFamily="18" charset="0"/>
-              </a:rPr>
-              <a:t>grafo[</a:t>
-            </a:r>
-            <a:r>
-              <a:rPr lang="es-MX" sz="1000" dirty="0" err="1">
-                <a:solidFill>
-                  <a:srgbClr val="CF9178"/>
-                </a:solidFill>
-                <a:effectLst/>
-                <a:latin typeface="Consolas" panose="020B0609020204030204" pitchFamily="49" charset="0"/>
-                <a:ea typeface="Calibri" panose="020F0502020204030204" pitchFamily="34" charset="0"/>
-                <a:cs typeface="Times New Roman" panose="02020603050405020304" pitchFamily="18" charset="0"/>
-              </a:rPr>
-              <a:t>str</a:t>
-            </a:r>
-            <a:r>
-              <a:rPr lang="es-MX" sz="1000" dirty="0">
-                <a:solidFill>
-                  <a:srgbClr val="CF9178"/>
-                </a:solidFill>
-                <a:effectLst/>
-                <a:latin typeface="Consolas" panose="020B0609020204030204" pitchFamily="49" charset="0"/>
-                <a:ea typeface="Calibri" panose="020F0502020204030204" pitchFamily="34" charset="0"/>
-                <a:cs typeface="Times New Roman" panose="02020603050405020304" pitchFamily="18" charset="0"/>
-              </a:rPr>
-              <a:t>(“distancias.” + </a:t>
-            </a:r>
-            <a:r>
-              <a:rPr lang="es-MX" sz="1000" dirty="0" err="1">
-                <a:solidFill>
-                  <a:srgbClr val="CF9178"/>
-                </a:solidFill>
-                <a:effectLst/>
-                <a:latin typeface="Consolas" panose="020B0609020204030204" pitchFamily="49" charset="0"/>
-                <a:ea typeface="Calibri" panose="020F0502020204030204" pitchFamily="34" charset="0"/>
-                <a:cs typeface="Times New Roman" panose="02020603050405020304" pitchFamily="18" charset="0"/>
-              </a:rPr>
-              <a:t>str</a:t>
-            </a:r>
-            <a:r>
-              <a:rPr lang="es-MX" sz="1000" dirty="0">
-                <a:solidFill>
-                  <a:srgbClr val="CF9178"/>
-                </a:solidFill>
-                <a:effectLst/>
-                <a:latin typeface="Consolas" panose="020B0609020204030204" pitchFamily="49" charset="0"/>
-                <a:ea typeface="Calibri" panose="020F0502020204030204" pitchFamily="34" charset="0"/>
-                <a:cs typeface="Times New Roman" panose="02020603050405020304" pitchFamily="18" charset="0"/>
-              </a:rPr>
-              <a:t>(actual))][i] </a:t>
-            </a:r>
-            <a:r>
-              <a:rPr lang="es-MX" sz="1000" dirty="0">
-                <a:effectLst/>
-                <a:latin typeface="Consolas" panose="020B0609020204030204" pitchFamily="49" charset="0"/>
-                <a:ea typeface="Calibri" panose="020F0502020204030204" pitchFamily="34" charset="0"/>
-                <a:cs typeface="Times New Roman" panose="02020603050405020304" pitchFamily="18" charset="0"/>
-              </a:rPr>
-              <a:t>&lt; </a:t>
-            </a:r>
-            <a:r>
-              <a:rPr lang="es-MX" sz="1000" dirty="0">
-                <a:solidFill>
-                  <a:srgbClr val="CF9178"/>
-                </a:solidFill>
-                <a:effectLst/>
-                <a:latin typeface="Consolas" panose="020B0609020204030204" pitchFamily="49" charset="0"/>
-                <a:ea typeface="Calibri" panose="020F0502020204030204" pitchFamily="34" charset="0"/>
-                <a:cs typeface="Times New Roman" panose="02020603050405020304" pitchFamily="18" charset="0"/>
-              </a:rPr>
-              <a:t>mínimo</a:t>
-            </a:r>
-            <a:r>
-              <a:rPr lang="es-MX" sz="1000" dirty="0">
-                <a:effectLst/>
-                <a:latin typeface="Consolas" panose="020B0609020204030204" pitchFamily="49" charset="0"/>
-                <a:ea typeface="Calibri" panose="020F0502020204030204" pitchFamily="34" charset="0"/>
-                <a:cs typeface="Times New Roman" panose="02020603050405020304" pitchFamily="18" charset="0"/>
-              </a:rPr>
-              <a:t>:</a:t>
-            </a:r>
-          </a:p>
-          <a:p>
-            <a:pPr>
-              <a:lnSpc>
-                <a:spcPct val="107000"/>
-              </a:lnSpc>
-              <a:spcAft>
-                <a:spcPts val="800"/>
-              </a:spcAft>
-            </a:pPr>
-            <a:r>
-              <a:rPr lang="es-MX" sz="1000" dirty="0">
-                <a:effectLst/>
-                <a:latin typeface="Consolas" panose="020B0609020204030204" pitchFamily="49" charset="0"/>
-                <a:ea typeface="Calibri" panose="020F0502020204030204" pitchFamily="34" charset="0"/>
-                <a:cs typeface="Times New Roman" panose="02020603050405020304" pitchFamily="18" charset="0"/>
-              </a:rPr>
-              <a:t>				</a:t>
-            </a:r>
-            <a:r>
-              <a:rPr lang="es-MX" sz="1000" dirty="0">
-                <a:solidFill>
-                  <a:srgbClr val="C586C0"/>
-                </a:solidFill>
-                <a:effectLst/>
-                <a:latin typeface="Consolas" panose="020B0609020204030204" pitchFamily="49" charset="0"/>
-                <a:ea typeface="Calibri" panose="020F0502020204030204" pitchFamily="34" charset="0"/>
-                <a:cs typeface="Times New Roman" panose="02020603050405020304" pitchFamily="18" charset="0"/>
-              </a:rPr>
-              <a:t>Si</a:t>
-            </a:r>
-            <a:r>
-              <a:rPr lang="es-MX" sz="1000" dirty="0">
-                <a:effectLst/>
-                <a:latin typeface="Consolas" panose="020B0609020204030204" pitchFamily="49" charset="0"/>
-                <a:ea typeface="Calibri" panose="020F0502020204030204" pitchFamily="34" charset="0"/>
-                <a:cs typeface="Times New Roman" panose="02020603050405020304" pitchFamily="18" charset="0"/>
-              </a:rPr>
-              <a:t> </a:t>
-            </a:r>
-            <a:r>
-              <a:rPr lang="es-MX" sz="1000" dirty="0">
-                <a:solidFill>
-                  <a:srgbClr val="CF9178"/>
-                </a:solidFill>
-                <a:effectLst/>
-                <a:latin typeface="Consolas" panose="020B0609020204030204" pitchFamily="49" charset="0"/>
-                <a:ea typeface="Calibri" panose="020F0502020204030204" pitchFamily="34" charset="0"/>
-                <a:cs typeface="Times New Roman" panose="02020603050405020304" pitchFamily="18" charset="0"/>
-              </a:rPr>
-              <a:t>grafo[actual][i] </a:t>
-            </a:r>
-            <a:r>
-              <a:rPr lang="es-MX" sz="1000" dirty="0">
-                <a:effectLst/>
-                <a:latin typeface="Consolas" panose="020B0609020204030204" pitchFamily="49" charset="0"/>
-                <a:ea typeface="Calibri" panose="020F0502020204030204" pitchFamily="34" charset="0"/>
-                <a:cs typeface="Times New Roman" panose="02020603050405020304" pitchFamily="18" charset="0"/>
-              </a:rPr>
-              <a:t>no esta en </a:t>
-            </a:r>
-            <a:r>
-              <a:rPr lang="es-MX" sz="1000" dirty="0">
-                <a:solidFill>
-                  <a:srgbClr val="CF9178"/>
-                </a:solidFill>
-                <a:effectLst/>
-                <a:latin typeface="Consolas" panose="020B0609020204030204" pitchFamily="49" charset="0"/>
-                <a:ea typeface="Calibri" panose="020F0502020204030204" pitchFamily="34" charset="0"/>
-                <a:cs typeface="Times New Roman" panose="02020603050405020304" pitchFamily="18" charset="0"/>
-              </a:rPr>
-              <a:t>recorridos</a:t>
-            </a:r>
-            <a:r>
-              <a:rPr lang="es-MX" sz="1000" dirty="0">
-                <a:effectLst/>
-                <a:latin typeface="Consolas" panose="020B0609020204030204" pitchFamily="49" charset="0"/>
-                <a:ea typeface="Calibri" panose="020F0502020204030204" pitchFamily="34" charset="0"/>
-                <a:cs typeface="Times New Roman" panose="02020603050405020304" pitchFamily="18" charset="0"/>
-              </a:rPr>
-              <a:t>:</a:t>
-            </a:r>
-          </a:p>
-          <a:p>
-            <a:pPr>
-              <a:lnSpc>
-                <a:spcPct val="107000"/>
-              </a:lnSpc>
-              <a:spcAft>
-                <a:spcPts val="800"/>
-              </a:spcAft>
-            </a:pPr>
-            <a:r>
-              <a:rPr lang="es-MX" sz="1000" dirty="0">
-                <a:effectLst/>
-                <a:latin typeface="Consolas" panose="020B0609020204030204" pitchFamily="49" charset="0"/>
-                <a:ea typeface="Calibri" panose="020F0502020204030204" pitchFamily="34" charset="0"/>
-                <a:cs typeface="Times New Roman" panose="02020603050405020304" pitchFamily="18" charset="0"/>
-              </a:rPr>
-              <a:t>					</a:t>
-            </a:r>
-            <a:r>
-              <a:rPr lang="es-MX" sz="1000" dirty="0">
-                <a:solidFill>
-                  <a:srgbClr val="CF9178"/>
-                </a:solidFill>
-                <a:effectLst/>
-                <a:latin typeface="Consolas" panose="020B0609020204030204" pitchFamily="49" charset="0"/>
-                <a:ea typeface="Calibri" panose="020F0502020204030204" pitchFamily="34" charset="0"/>
-                <a:cs typeface="Times New Roman" panose="02020603050405020304" pitchFamily="18" charset="0"/>
-              </a:rPr>
-              <a:t>Mínimo</a:t>
-            </a:r>
-            <a:r>
-              <a:rPr lang="es-MX" sz="1000" dirty="0">
-                <a:effectLst/>
-                <a:latin typeface="Consolas" panose="020B0609020204030204" pitchFamily="49" charset="0"/>
-                <a:ea typeface="Calibri" panose="020F0502020204030204" pitchFamily="34" charset="0"/>
-                <a:cs typeface="Times New Roman" panose="02020603050405020304" pitchFamily="18" charset="0"/>
-              </a:rPr>
-              <a:t> = </a:t>
-            </a:r>
-            <a:r>
-              <a:rPr lang="es-MX" sz="1000" dirty="0">
-                <a:solidFill>
-                  <a:srgbClr val="CF9178"/>
-                </a:solidFill>
-                <a:effectLst/>
-                <a:latin typeface="Consolas" panose="020B0609020204030204" pitchFamily="49" charset="0"/>
-                <a:ea typeface="Calibri" panose="020F0502020204030204" pitchFamily="34" charset="0"/>
-                <a:cs typeface="Times New Roman" panose="02020603050405020304" pitchFamily="18" charset="0"/>
-              </a:rPr>
-              <a:t>grafo[</a:t>
-            </a:r>
-            <a:r>
-              <a:rPr lang="es-MX" sz="1000" dirty="0" err="1">
-                <a:solidFill>
-                  <a:srgbClr val="CF9178"/>
-                </a:solidFill>
-                <a:effectLst/>
-                <a:latin typeface="Consolas" panose="020B0609020204030204" pitchFamily="49" charset="0"/>
-                <a:ea typeface="Calibri" panose="020F0502020204030204" pitchFamily="34" charset="0"/>
-                <a:cs typeface="Times New Roman" panose="02020603050405020304" pitchFamily="18" charset="0"/>
-              </a:rPr>
-              <a:t>str</a:t>
-            </a:r>
-            <a:r>
-              <a:rPr lang="es-MX" sz="1000" dirty="0">
-                <a:solidFill>
-                  <a:srgbClr val="CF9178"/>
-                </a:solidFill>
-                <a:effectLst/>
-                <a:latin typeface="Consolas" panose="020B0609020204030204" pitchFamily="49" charset="0"/>
-                <a:ea typeface="Calibri" panose="020F0502020204030204" pitchFamily="34" charset="0"/>
-                <a:cs typeface="Times New Roman" panose="02020603050405020304" pitchFamily="18" charset="0"/>
-              </a:rPr>
-              <a:t>(“distancias.” + </a:t>
-            </a:r>
-            <a:r>
-              <a:rPr lang="es-MX" sz="1000" dirty="0" err="1">
-                <a:solidFill>
-                  <a:srgbClr val="CF9178"/>
-                </a:solidFill>
-                <a:effectLst/>
-                <a:latin typeface="Consolas" panose="020B0609020204030204" pitchFamily="49" charset="0"/>
-                <a:ea typeface="Calibri" panose="020F0502020204030204" pitchFamily="34" charset="0"/>
-                <a:cs typeface="Times New Roman" panose="02020603050405020304" pitchFamily="18" charset="0"/>
-              </a:rPr>
-              <a:t>str</a:t>
-            </a:r>
-            <a:r>
-              <a:rPr lang="es-MX" sz="1000" dirty="0">
-                <a:solidFill>
-                  <a:srgbClr val="CF9178"/>
-                </a:solidFill>
-                <a:effectLst/>
-                <a:latin typeface="Consolas" panose="020B0609020204030204" pitchFamily="49" charset="0"/>
-                <a:ea typeface="Calibri" panose="020F0502020204030204" pitchFamily="34" charset="0"/>
-                <a:cs typeface="Times New Roman" panose="02020603050405020304" pitchFamily="18" charset="0"/>
-              </a:rPr>
-              <a:t>(actual))][i]</a:t>
-            </a:r>
-          </a:p>
-          <a:p>
-            <a:pPr>
-              <a:lnSpc>
-                <a:spcPct val="107000"/>
-              </a:lnSpc>
-              <a:spcAft>
-                <a:spcPts val="800"/>
-              </a:spcAft>
-            </a:pPr>
-            <a:r>
-              <a:rPr lang="es-MX" sz="1000" dirty="0">
-                <a:effectLst/>
-                <a:latin typeface="Consolas" panose="020B0609020204030204" pitchFamily="49" charset="0"/>
-                <a:ea typeface="Calibri" panose="020F0502020204030204" pitchFamily="34" charset="0"/>
-                <a:cs typeface="Times New Roman" panose="02020603050405020304" pitchFamily="18" charset="0"/>
-              </a:rPr>
-              <a:t>					</a:t>
-            </a:r>
-            <a:r>
-              <a:rPr lang="es-MX" sz="1000" dirty="0">
-                <a:solidFill>
-                  <a:srgbClr val="6A9955"/>
-                </a:solidFill>
-                <a:effectLst/>
-                <a:latin typeface="Consolas" panose="020B0609020204030204" pitchFamily="49" charset="0"/>
-                <a:ea typeface="Calibri" panose="020F0502020204030204" pitchFamily="34" charset="0"/>
-                <a:cs typeface="Times New Roman" panose="02020603050405020304" pitchFamily="18" charset="0"/>
-              </a:rPr>
-              <a:t>// el nodo adyacente que tiene la mínima distancia se 					      // guarda temporalmente</a:t>
-            </a:r>
-          </a:p>
-          <a:p>
-            <a:pPr marL="1798320" indent="449580">
-              <a:lnSpc>
-                <a:spcPct val="107000"/>
-              </a:lnSpc>
-              <a:spcAft>
-                <a:spcPts val="800"/>
-              </a:spcAft>
-            </a:pPr>
-            <a:r>
-              <a:rPr lang="es-MX" sz="1000" dirty="0" err="1">
-                <a:solidFill>
-                  <a:srgbClr val="CF9178"/>
-                </a:solidFill>
-                <a:effectLst/>
-                <a:latin typeface="Consolas" panose="020B0609020204030204" pitchFamily="49" charset="0"/>
-                <a:ea typeface="Calibri" panose="020F0502020204030204" pitchFamily="34" charset="0"/>
-                <a:cs typeface="Times New Roman" panose="02020603050405020304" pitchFamily="18" charset="0"/>
-              </a:rPr>
-              <a:t>indiceMinimo</a:t>
-            </a:r>
-            <a:r>
-              <a:rPr lang="es-MX" sz="1000" dirty="0">
-                <a:solidFill>
-                  <a:srgbClr val="CF9178"/>
-                </a:solidFill>
-                <a:effectLst/>
-                <a:latin typeface="Consolas" panose="020B0609020204030204" pitchFamily="49" charset="0"/>
-                <a:ea typeface="Calibri" panose="020F0502020204030204" pitchFamily="34" charset="0"/>
-                <a:cs typeface="Times New Roman" panose="02020603050405020304" pitchFamily="18" charset="0"/>
-              </a:rPr>
-              <a:t> </a:t>
-            </a:r>
-            <a:r>
-              <a:rPr lang="es-MX" sz="1000" dirty="0">
-                <a:effectLst/>
-                <a:latin typeface="Consolas" panose="020B0609020204030204" pitchFamily="49" charset="0"/>
-                <a:ea typeface="Calibri" panose="020F0502020204030204" pitchFamily="34" charset="0"/>
-                <a:cs typeface="Times New Roman" panose="02020603050405020304" pitchFamily="18" charset="0"/>
-              </a:rPr>
-              <a:t>=</a:t>
-            </a:r>
-            <a:r>
-              <a:rPr lang="es-MX" sz="1000" dirty="0">
-                <a:solidFill>
-                  <a:srgbClr val="CF9178"/>
-                </a:solidFill>
-                <a:effectLst/>
-                <a:latin typeface="Consolas" panose="020B0609020204030204" pitchFamily="49" charset="0"/>
-                <a:ea typeface="Calibri" panose="020F0502020204030204" pitchFamily="34" charset="0"/>
-                <a:cs typeface="Times New Roman" panose="02020603050405020304" pitchFamily="18" charset="0"/>
-              </a:rPr>
-              <a:t> grafo[actual][i]</a:t>
-            </a:r>
-          </a:p>
-          <a:p>
-            <a:pPr>
-              <a:lnSpc>
-                <a:spcPct val="107000"/>
-              </a:lnSpc>
-              <a:spcAft>
-                <a:spcPts val="800"/>
-              </a:spcAft>
-            </a:pPr>
-            <a:r>
-              <a:rPr lang="es-MX" sz="1000" dirty="0">
-                <a:effectLst/>
-                <a:latin typeface="Consolas" panose="020B0609020204030204" pitchFamily="49" charset="0"/>
-                <a:ea typeface="Calibri" panose="020F0502020204030204" pitchFamily="34" charset="0"/>
-                <a:cs typeface="Times New Roman" panose="02020603050405020304" pitchFamily="18" charset="0"/>
-              </a:rPr>
-              <a:t>		</a:t>
-            </a:r>
-            <a:r>
-              <a:rPr lang="es-MX" sz="1000" dirty="0">
-                <a:solidFill>
-                  <a:srgbClr val="C586C0"/>
-                </a:solidFill>
-                <a:effectLst/>
-                <a:latin typeface="Consolas" panose="020B0609020204030204" pitchFamily="49" charset="0"/>
-                <a:ea typeface="Calibri" panose="020F0502020204030204" pitchFamily="34" charset="0"/>
-                <a:cs typeface="Times New Roman" panose="02020603050405020304" pitchFamily="18" charset="0"/>
-              </a:rPr>
-              <a:t>sino:</a:t>
-            </a:r>
-          </a:p>
-          <a:p>
-            <a:pPr>
-              <a:lnSpc>
-                <a:spcPct val="107000"/>
-              </a:lnSpc>
-              <a:spcAft>
-                <a:spcPts val="800"/>
-              </a:spcAft>
-            </a:pPr>
-            <a:r>
-              <a:rPr lang="es-MX" sz="1000" dirty="0">
-                <a:effectLst/>
-                <a:latin typeface="Consolas" panose="020B0609020204030204" pitchFamily="49" charset="0"/>
-                <a:ea typeface="Calibri" panose="020F0502020204030204" pitchFamily="34" charset="0"/>
-                <a:cs typeface="Times New Roman" panose="02020603050405020304" pitchFamily="18" charset="0"/>
-              </a:rPr>
-              <a:t>			</a:t>
-            </a:r>
-            <a:r>
-              <a:rPr lang="es-MX" sz="1000" dirty="0">
-                <a:solidFill>
-                  <a:srgbClr val="CF9178"/>
-                </a:solidFill>
-                <a:effectLst/>
-                <a:latin typeface="Consolas" panose="020B0609020204030204" pitchFamily="49" charset="0"/>
-                <a:ea typeface="Calibri" panose="020F0502020204030204" pitchFamily="34" charset="0"/>
-                <a:cs typeface="Times New Roman" panose="02020603050405020304" pitchFamily="18" charset="0"/>
-              </a:rPr>
-              <a:t>Mínimo</a:t>
-            </a:r>
-            <a:r>
-              <a:rPr lang="es-MX" sz="1000" dirty="0">
-                <a:effectLst/>
-                <a:latin typeface="Consolas" panose="020B0609020204030204" pitchFamily="49" charset="0"/>
-                <a:ea typeface="Calibri" panose="020F0502020204030204" pitchFamily="34" charset="0"/>
-                <a:cs typeface="Times New Roman" panose="02020603050405020304" pitchFamily="18" charset="0"/>
-              </a:rPr>
-              <a:t> = </a:t>
-            </a:r>
-            <a:r>
-              <a:rPr lang="es-MX" sz="1000" dirty="0">
-                <a:solidFill>
-                  <a:srgbClr val="CF9178"/>
-                </a:solidFill>
-                <a:effectLst/>
-                <a:latin typeface="Consolas" panose="020B0609020204030204" pitchFamily="49" charset="0"/>
-                <a:ea typeface="Calibri" panose="020F0502020204030204" pitchFamily="34" charset="0"/>
-                <a:cs typeface="Times New Roman" panose="02020603050405020304" pitchFamily="18" charset="0"/>
-              </a:rPr>
-              <a:t>grafo[</a:t>
-            </a:r>
-            <a:r>
-              <a:rPr lang="es-MX" sz="1000" dirty="0" err="1">
-                <a:solidFill>
-                  <a:srgbClr val="CF9178"/>
-                </a:solidFill>
-                <a:effectLst/>
-                <a:latin typeface="Consolas" panose="020B0609020204030204" pitchFamily="49" charset="0"/>
-                <a:ea typeface="Calibri" panose="020F0502020204030204" pitchFamily="34" charset="0"/>
-                <a:cs typeface="Times New Roman" panose="02020603050405020304" pitchFamily="18" charset="0"/>
-              </a:rPr>
-              <a:t>str</a:t>
-            </a:r>
-            <a:r>
-              <a:rPr lang="es-MX" sz="1000" dirty="0">
-                <a:solidFill>
-                  <a:srgbClr val="CF9178"/>
-                </a:solidFill>
-                <a:effectLst/>
-                <a:latin typeface="Consolas" panose="020B0609020204030204" pitchFamily="49" charset="0"/>
-                <a:ea typeface="Calibri" panose="020F0502020204030204" pitchFamily="34" charset="0"/>
-                <a:cs typeface="Times New Roman" panose="02020603050405020304" pitchFamily="18" charset="0"/>
-              </a:rPr>
-              <a:t>(“distancias.” + </a:t>
-            </a:r>
-            <a:r>
-              <a:rPr lang="es-MX" sz="1000" dirty="0" err="1">
-                <a:solidFill>
-                  <a:srgbClr val="CF9178"/>
-                </a:solidFill>
-                <a:effectLst/>
-                <a:latin typeface="Consolas" panose="020B0609020204030204" pitchFamily="49" charset="0"/>
-                <a:ea typeface="Calibri" panose="020F0502020204030204" pitchFamily="34" charset="0"/>
-                <a:cs typeface="Times New Roman" panose="02020603050405020304" pitchFamily="18" charset="0"/>
-              </a:rPr>
-              <a:t>str</a:t>
-            </a:r>
-            <a:r>
-              <a:rPr lang="es-MX" sz="1000" dirty="0">
-                <a:solidFill>
-                  <a:srgbClr val="CF9178"/>
-                </a:solidFill>
-                <a:effectLst/>
-                <a:latin typeface="Consolas" panose="020B0609020204030204" pitchFamily="49" charset="0"/>
-                <a:ea typeface="Calibri" panose="020F0502020204030204" pitchFamily="34" charset="0"/>
-                <a:cs typeface="Times New Roman" panose="02020603050405020304" pitchFamily="18" charset="0"/>
-              </a:rPr>
-              <a:t>(actual))][i]</a:t>
-            </a:r>
-          </a:p>
-          <a:p>
-            <a:pPr marL="899160" indent="449580">
-              <a:lnSpc>
-                <a:spcPct val="107000"/>
-              </a:lnSpc>
-              <a:spcAft>
-                <a:spcPts val="800"/>
-              </a:spcAft>
-            </a:pPr>
-            <a:r>
-              <a:rPr lang="es-MX" sz="1000" dirty="0" err="1">
-                <a:solidFill>
-                  <a:srgbClr val="CF9178"/>
-                </a:solidFill>
-                <a:effectLst/>
-                <a:latin typeface="Consolas" panose="020B0609020204030204" pitchFamily="49" charset="0"/>
-                <a:ea typeface="Calibri" panose="020F0502020204030204" pitchFamily="34" charset="0"/>
-                <a:cs typeface="Times New Roman" panose="02020603050405020304" pitchFamily="18" charset="0"/>
-              </a:rPr>
-              <a:t>indiceMinimo</a:t>
-            </a:r>
-            <a:r>
-              <a:rPr lang="es-MX" sz="1000" dirty="0">
-                <a:effectLst/>
-                <a:latin typeface="Consolas" panose="020B0609020204030204" pitchFamily="49" charset="0"/>
-                <a:ea typeface="Calibri" panose="020F0502020204030204" pitchFamily="34" charset="0"/>
-                <a:cs typeface="Times New Roman" panose="02020603050405020304" pitchFamily="18" charset="0"/>
-              </a:rPr>
-              <a:t> = </a:t>
-            </a:r>
-            <a:r>
-              <a:rPr lang="es-MX" sz="1000" dirty="0">
-                <a:solidFill>
-                  <a:srgbClr val="CF9178"/>
-                </a:solidFill>
-                <a:effectLst/>
-                <a:latin typeface="Consolas" panose="020B0609020204030204" pitchFamily="49" charset="0"/>
-                <a:ea typeface="Calibri" panose="020F0502020204030204" pitchFamily="34" charset="0"/>
-                <a:cs typeface="Times New Roman" panose="02020603050405020304" pitchFamily="18" charset="0"/>
-              </a:rPr>
-              <a:t>grafo[actual][i]</a:t>
-            </a:r>
-          </a:p>
-          <a:p>
-            <a:pPr marL="899160" indent="449580">
-              <a:lnSpc>
-                <a:spcPct val="107000"/>
-              </a:lnSpc>
-              <a:spcAft>
-                <a:spcPts val="800"/>
-              </a:spcAft>
-            </a:pPr>
-            <a:r>
-              <a:rPr lang="es-MX" sz="1000" dirty="0">
-                <a:solidFill>
-                  <a:srgbClr val="CF9178"/>
-                </a:solidFill>
-                <a:effectLst/>
-                <a:latin typeface="Consolas" panose="020B0609020204030204" pitchFamily="49" charset="0"/>
-                <a:ea typeface="Calibri" panose="020F0502020204030204" pitchFamily="34" charset="0"/>
-                <a:cs typeface="Times New Roman" panose="02020603050405020304" pitchFamily="18" charset="0"/>
-              </a:rPr>
-              <a:t>actual</a:t>
-            </a:r>
-            <a:r>
-              <a:rPr lang="es-MX" sz="1000" dirty="0">
-                <a:effectLst/>
-                <a:latin typeface="Consolas" panose="020B0609020204030204" pitchFamily="49" charset="0"/>
-                <a:ea typeface="Calibri" panose="020F0502020204030204" pitchFamily="34" charset="0"/>
-                <a:cs typeface="Times New Roman" panose="02020603050405020304" pitchFamily="18" charset="0"/>
-              </a:rPr>
-              <a:t> = </a:t>
-            </a:r>
-            <a:r>
-              <a:rPr lang="es-MX" sz="1000" dirty="0">
-                <a:solidFill>
-                  <a:srgbClr val="CF9178"/>
-                </a:solidFill>
-                <a:effectLst/>
-                <a:latin typeface="Consolas" panose="020B0609020204030204" pitchFamily="49" charset="0"/>
-                <a:ea typeface="Calibri" panose="020F0502020204030204" pitchFamily="34" charset="0"/>
-                <a:cs typeface="Times New Roman" panose="02020603050405020304" pitchFamily="18" charset="0"/>
-              </a:rPr>
-              <a:t>final</a:t>
-            </a:r>
-          </a:p>
-          <a:p>
-            <a:pPr marL="899160" indent="449580">
-              <a:lnSpc>
-                <a:spcPct val="107000"/>
-              </a:lnSpc>
-              <a:spcAft>
-                <a:spcPts val="800"/>
-              </a:spcAft>
-            </a:pPr>
-            <a:r>
-              <a:rPr lang="es-MX" sz="1000" dirty="0">
-                <a:effectLst/>
-                <a:latin typeface="Consolas" panose="020B0609020204030204" pitchFamily="49" charset="0"/>
-                <a:ea typeface="Calibri" panose="020F0502020204030204" pitchFamily="34" charset="0"/>
-                <a:cs typeface="Times New Roman" panose="02020603050405020304" pitchFamily="18" charset="0"/>
-              </a:rPr>
-              <a:t>romper	</a:t>
-            </a:r>
-          </a:p>
-          <a:p>
-            <a:pPr>
-              <a:lnSpc>
-                <a:spcPct val="107000"/>
-              </a:lnSpc>
-              <a:spcAft>
-                <a:spcPts val="800"/>
-              </a:spcAft>
-            </a:pPr>
-            <a:r>
-              <a:rPr lang="es-MX" sz="1000" dirty="0">
-                <a:effectLst/>
-                <a:latin typeface="Consolas" panose="020B0609020204030204" pitchFamily="49" charset="0"/>
-                <a:ea typeface="Calibri" panose="020F0502020204030204" pitchFamily="34" charset="0"/>
-                <a:cs typeface="Times New Roman" panose="02020603050405020304" pitchFamily="18" charset="0"/>
-              </a:rPr>
-              <a:t>	</a:t>
-            </a:r>
-            <a:r>
-              <a:rPr lang="es-MX" sz="1000" dirty="0">
-                <a:solidFill>
-                  <a:srgbClr val="6A9955"/>
-                </a:solidFill>
-                <a:effectLst/>
-                <a:latin typeface="Consolas" panose="020B0609020204030204" pitchFamily="49" charset="0"/>
-                <a:ea typeface="Calibri" panose="020F0502020204030204" pitchFamily="34" charset="0"/>
-                <a:cs typeface="Times New Roman" panose="02020603050405020304" pitchFamily="18" charset="0"/>
-              </a:rPr>
-              <a:t>// cada mejor nodo adyacente lo guardo</a:t>
-            </a:r>
-          </a:p>
-          <a:p>
-            <a:pPr>
-              <a:lnSpc>
-                <a:spcPct val="107000"/>
-              </a:lnSpc>
-              <a:spcAft>
-                <a:spcPts val="800"/>
-              </a:spcAft>
-            </a:pPr>
-            <a:r>
-              <a:rPr lang="es-MX" sz="1000" dirty="0">
-                <a:effectLst/>
-                <a:latin typeface="Consolas" panose="020B0609020204030204" pitchFamily="49" charset="0"/>
-                <a:ea typeface="Calibri" panose="020F0502020204030204" pitchFamily="34" charset="0"/>
-                <a:cs typeface="Times New Roman" panose="02020603050405020304" pitchFamily="18" charset="0"/>
-              </a:rPr>
-              <a:t>	</a:t>
-            </a:r>
-            <a:r>
-              <a:rPr lang="es-MX" sz="1000" dirty="0" err="1">
-                <a:solidFill>
-                  <a:srgbClr val="CF9178"/>
-                </a:solidFill>
-                <a:effectLst/>
-                <a:latin typeface="Consolas" panose="020B0609020204030204" pitchFamily="49" charset="0"/>
-                <a:ea typeface="Calibri" panose="020F0502020204030204" pitchFamily="34" charset="0"/>
-                <a:cs typeface="Times New Roman" panose="02020603050405020304" pitchFamily="18" charset="0"/>
-              </a:rPr>
-              <a:t>recorridos</a:t>
-            </a:r>
-            <a:r>
-              <a:rPr lang="es-MX" sz="1000" dirty="0" err="1">
-                <a:effectLst/>
-                <a:latin typeface="Consolas" panose="020B0609020204030204" pitchFamily="49" charset="0"/>
-                <a:ea typeface="Calibri" panose="020F0502020204030204" pitchFamily="34" charset="0"/>
-                <a:cs typeface="Times New Roman" panose="02020603050405020304" pitchFamily="18" charset="0"/>
-              </a:rPr>
-              <a:t>.agregar</a:t>
-            </a:r>
-            <a:r>
-              <a:rPr lang="es-MX" sz="1000" dirty="0">
-                <a:effectLst/>
-                <a:latin typeface="Consolas" panose="020B0609020204030204" pitchFamily="49" charset="0"/>
-                <a:ea typeface="Calibri" panose="020F0502020204030204" pitchFamily="34" charset="0"/>
-                <a:cs typeface="Times New Roman" panose="02020603050405020304" pitchFamily="18" charset="0"/>
-              </a:rPr>
-              <a:t>(</a:t>
-            </a:r>
-            <a:r>
-              <a:rPr lang="es-MX" sz="1000" dirty="0" err="1">
-                <a:solidFill>
-                  <a:srgbClr val="CF9178"/>
-                </a:solidFill>
-                <a:effectLst/>
-                <a:latin typeface="Consolas" panose="020B0609020204030204" pitchFamily="49" charset="0"/>
-                <a:ea typeface="Calibri" panose="020F0502020204030204" pitchFamily="34" charset="0"/>
-                <a:cs typeface="Times New Roman" panose="02020603050405020304" pitchFamily="18" charset="0"/>
-              </a:rPr>
-              <a:t>índiceMinimo</a:t>
-            </a:r>
-            <a:r>
-              <a:rPr lang="es-MX" sz="1000" dirty="0">
-                <a:effectLst/>
-                <a:latin typeface="Consolas" panose="020B0609020204030204" pitchFamily="49" charset="0"/>
-                <a:ea typeface="Calibri" panose="020F0502020204030204" pitchFamily="34" charset="0"/>
-                <a:cs typeface="Times New Roman" panose="02020603050405020304" pitchFamily="18" charset="0"/>
-              </a:rPr>
-              <a:t>)</a:t>
-            </a:r>
-          </a:p>
-          <a:p>
-            <a:pPr indent="449580">
-              <a:lnSpc>
-                <a:spcPct val="107000"/>
-              </a:lnSpc>
-              <a:spcAft>
-                <a:spcPts val="800"/>
-              </a:spcAft>
-            </a:pPr>
-            <a:r>
-              <a:rPr lang="es-MX" sz="1000" dirty="0">
-                <a:solidFill>
-                  <a:srgbClr val="CF9178"/>
-                </a:solidFill>
-                <a:effectLst/>
-                <a:latin typeface="Consolas" panose="020B0609020204030204" pitchFamily="49" charset="0"/>
-                <a:ea typeface="Calibri" panose="020F0502020204030204" pitchFamily="34" charset="0"/>
-                <a:cs typeface="Times New Roman" panose="02020603050405020304" pitchFamily="18" charset="0"/>
-              </a:rPr>
-              <a:t>actual</a:t>
-            </a:r>
-            <a:r>
-              <a:rPr lang="es-MX" sz="1000" dirty="0">
-                <a:effectLst/>
-                <a:latin typeface="Consolas" panose="020B0609020204030204" pitchFamily="49" charset="0"/>
-                <a:ea typeface="Calibri" panose="020F0502020204030204" pitchFamily="34" charset="0"/>
-                <a:cs typeface="Times New Roman" panose="02020603050405020304" pitchFamily="18" charset="0"/>
-              </a:rPr>
-              <a:t> = </a:t>
-            </a:r>
-            <a:r>
-              <a:rPr lang="es-MX" sz="1000" dirty="0" err="1">
-                <a:solidFill>
-                  <a:srgbClr val="CF9178"/>
-                </a:solidFill>
-                <a:effectLst/>
-                <a:latin typeface="Consolas" panose="020B0609020204030204" pitchFamily="49" charset="0"/>
-                <a:ea typeface="Calibri" panose="020F0502020204030204" pitchFamily="34" charset="0"/>
-                <a:cs typeface="Times New Roman" panose="02020603050405020304" pitchFamily="18" charset="0"/>
-              </a:rPr>
-              <a:t>índiceMinimo</a:t>
-            </a:r>
-            <a:endParaRPr lang="es-MX" sz="1200" dirty="0">
-              <a:solidFill>
-                <a:srgbClr val="CF9178"/>
-              </a:solidFill>
+            <a:endParaRPr lang="es-MX" sz="1800" dirty="0">
               <a:effectLst/>
-              <a:latin typeface="Consolas" panose="020B0609020204030204" pitchFamily="49" charset="0"/>
+              <a:latin typeface="Calibri" panose="020F0502020204030204" pitchFamily="34" charset="0"/>
               <a:ea typeface="Calibri" panose="020F0502020204030204" pitchFamily="34" charset="0"/>
               <a:cs typeface="Times New Roman" panose="02020603050405020304" pitchFamily="18" charset="0"/>
             </a:endParaRPr>

--- a/PIA/Resumen/ResumenReporte.pptx
+++ b/PIA/Resumen/ResumenReporte.pptx
@@ -17,36 +17,41 @@
     <p:sldId id="260" r:id="rId11"/>
     <p:sldId id="273" r:id="rId12"/>
     <p:sldId id="274" r:id="rId13"/>
-    <p:sldId id="275" r:id="rId14"/>
-    <p:sldId id="270" r:id="rId15"/>
-    <p:sldId id="261" r:id="rId16"/>
-    <p:sldId id="291" r:id="rId17"/>
-    <p:sldId id="285" r:id="rId18"/>
-    <p:sldId id="287" r:id="rId19"/>
-    <p:sldId id="292" r:id="rId20"/>
-    <p:sldId id="276" r:id="rId21"/>
-    <p:sldId id="277" r:id="rId22"/>
-    <p:sldId id="279" r:id="rId23"/>
-    <p:sldId id="293" r:id="rId24"/>
-    <p:sldId id="280" r:id="rId25"/>
-    <p:sldId id="281" r:id="rId26"/>
-    <p:sldId id="278" r:id="rId27"/>
-    <p:sldId id="294" r:id="rId28"/>
-    <p:sldId id="282" r:id="rId29"/>
-    <p:sldId id="283" r:id="rId30"/>
-    <p:sldId id="284" r:id="rId31"/>
-    <p:sldId id="262" r:id="rId32"/>
-    <p:sldId id="299" r:id="rId33"/>
-    <p:sldId id="295" r:id="rId34"/>
-    <p:sldId id="296" r:id="rId35"/>
-    <p:sldId id="297" r:id="rId36"/>
-    <p:sldId id="300" r:id="rId37"/>
-    <p:sldId id="298" r:id="rId38"/>
-    <p:sldId id="301" r:id="rId39"/>
-    <p:sldId id="303" r:id="rId40"/>
-    <p:sldId id="302" r:id="rId41"/>
-    <p:sldId id="305" r:id="rId42"/>
-    <p:sldId id="306" r:id="rId43"/>
+    <p:sldId id="307" r:id="rId14"/>
+    <p:sldId id="308" r:id="rId15"/>
+    <p:sldId id="309" r:id="rId16"/>
+    <p:sldId id="310" r:id="rId17"/>
+    <p:sldId id="311" r:id="rId18"/>
+    <p:sldId id="275" r:id="rId19"/>
+    <p:sldId id="270" r:id="rId20"/>
+    <p:sldId id="261" r:id="rId21"/>
+    <p:sldId id="291" r:id="rId22"/>
+    <p:sldId id="285" r:id="rId23"/>
+    <p:sldId id="287" r:id="rId24"/>
+    <p:sldId id="292" r:id="rId25"/>
+    <p:sldId id="276" r:id="rId26"/>
+    <p:sldId id="277" r:id="rId27"/>
+    <p:sldId id="279" r:id="rId28"/>
+    <p:sldId id="293" r:id="rId29"/>
+    <p:sldId id="280" r:id="rId30"/>
+    <p:sldId id="281" r:id="rId31"/>
+    <p:sldId id="278" r:id="rId32"/>
+    <p:sldId id="294" r:id="rId33"/>
+    <p:sldId id="282" r:id="rId34"/>
+    <p:sldId id="283" r:id="rId35"/>
+    <p:sldId id="284" r:id="rId36"/>
+    <p:sldId id="262" r:id="rId37"/>
+    <p:sldId id="299" r:id="rId38"/>
+    <p:sldId id="295" r:id="rId39"/>
+    <p:sldId id="296" r:id="rId40"/>
+    <p:sldId id="297" r:id="rId41"/>
+    <p:sldId id="300" r:id="rId42"/>
+    <p:sldId id="298" r:id="rId43"/>
+    <p:sldId id="301" r:id="rId44"/>
+    <p:sldId id="303" r:id="rId45"/>
+    <p:sldId id="302" r:id="rId46"/>
+    <p:sldId id="305" r:id="rId47"/>
+    <p:sldId id="306" r:id="rId48"/>
   </p:sldIdLst>
   <p:sldSz cx="12192000" cy="6858000"/>
   <p:notesSz cx="6858000" cy="9144000"/>
@@ -578,8 +583,8 @@
                   </a:defRPr>
                 </a:pPr>
                 <a:r>
-                  <a:rPr lang="es-MX"/>
-                  <a:t>Tiempo</a:t>
+                  <a:rPr lang="es-MX" dirty="0"/>
+                  <a:t>Tiempo (en segundos)</a:t>
                 </a:r>
               </a:p>
             </c:rich>
@@ -3375,8 +3380,16 @@
                   </a:defRPr>
                 </a:pPr>
                 <a:r>
-                  <a:rPr lang="es-MX"/>
-                  <a:t>Tiempo pormedio</a:t>
+                  <a:rPr lang="es-MX" dirty="0"/>
+                  <a:t>Tiempo </a:t>
+                </a:r>
+                <a:r>
+                  <a:rPr lang="es-MX" dirty="0" err="1"/>
+                  <a:t>pormedio</a:t>
+                </a:r>
+                <a:r>
+                  <a:rPr lang="es-MX" dirty="0"/>
+                  <a:t> (en segundos)</a:t>
                 </a:r>
               </a:p>
             </c:rich>
@@ -4894,8 +4907,8 @@
             <c:manualLayout>
               <c:xMode val="edge"/>
               <c:yMode val="edge"/>
-              <c:x val="2.4515829095226184E-2"/>
-              <c:y val="0.38164853611511151"/>
+              <c:x val="1.2268941792319117E-2"/>
+              <c:y val="0.37734534318006585"/>
             </c:manualLayout>
           </c:layout>
           <c:overlay val="0"/>
@@ -5457,9 +5470,16 @@
                   </a:defRPr>
                 </a:pPr>
                 <a:r>
-                  <a:rPr lang="es-MX"/>
-                  <a:t>Tiempo promedio</a:t>
+                  <a:rPr lang="es-MX" dirty="0"/>
+                  <a:t>Tiempo promedio </a:t>
                 </a:r>
+                <a:r>
+                  <a:rPr lang="es-MX" sz="900" b="0" i="0" u="none" strike="noStrike" baseline="0" dirty="0">
+                    <a:effectLst/>
+                  </a:rPr>
+                  <a:t>(en segundos)</a:t>
+                </a:r>
+                <a:endParaRPr lang="es-MX" dirty="0"/>
               </a:p>
             </c:rich>
           </c:tx>
@@ -6372,8 +6392,8 @@
             <c:manualLayout>
               <c:xMode val="edge"/>
               <c:yMode val="edge"/>
-              <c:x val="1.0842063880190199E-2"/>
-              <c:y val="0.39446664698401918"/>
+              <c:x val="1.1106807335013718E-3"/>
+              <c:y val="0.39654840900384541"/>
             </c:manualLayout>
           </c:layout>
           <c:overlay val="0"/>
@@ -7762,9 +7782,16 @@
                   </a:defRPr>
                 </a:pPr>
                 <a:r>
-                  <a:rPr lang="es-MX"/>
-                  <a:t>Tiempo promedio</a:t>
+                  <a:rPr lang="es-MX" dirty="0"/>
+                  <a:t>Tiempo promedio </a:t>
                 </a:r>
+                <a:r>
+                  <a:rPr lang="es-MX" sz="900" b="0" i="0" u="none" strike="noStrike" baseline="0" dirty="0">
+                    <a:effectLst/>
+                  </a:rPr>
+                  <a:t>(en segundos)</a:t>
+                </a:r>
+                <a:endParaRPr lang="es-MX" dirty="0"/>
               </a:p>
             </c:rich>
           </c:tx>
@@ -7772,8 +7799,8 @@
             <c:manualLayout>
               <c:xMode val="edge"/>
               <c:yMode val="edge"/>
-              <c:x val="5.6247107581576847E-2"/>
-              <c:y val="0.34290813247035873"/>
+              <c:x val="2.824133041274042E-2"/>
+              <c:y val="0.35909171276702501"/>
             </c:manualLayout>
           </c:layout>
           <c:overlay val="0"/>
@@ -14075,7 +14102,7 @@
           <a:p>
             <a:fld id="{E840ED76-C218-42D5-9C15-0538AB2C44DC}" type="datetimeFigureOut">
               <a:rPr lang="es-MX" smtClean="0"/>
-              <a:t>20/05/2022</a:t>
+              <a:t>21/05/2022</a:t>
             </a:fld>
             <a:endParaRPr lang="es-MX"/>
           </a:p>
@@ -14245,7 +14272,7 @@
           <a:p>
             <a:fld id="{E840ED76-C218-42D5-9C15-0538AB2C44DC}" type="datetimeFigureOut">
               <a:rPr lang="es-MX" smtClean="0"/>
-              <a:t>20/05/2022</a:t>
+              <a:t>21/05/2022</a:t>
             </a:fld>
             <a:endParaRPr lang="es-MX"/>
           </a:p>
@@ -14425,7 +14452,7 @@
           <a:p>
             <a:fld id="{E840ED76-C218-42D5-9C15-0538AB2C44DC}" type="datetimeFigureOut">
               <a:rPr lang="es-MX" smtClean="0"/>
-              <a:t>20/05/2022</a:t>
+              <a:t>21/05/2022</a:t>
             </a:fld>
             <a:endParaRPr lang="es-MX"/>
           </a:p>
@@ -14595,7 +14622,7 @@
           <a:p>
             <a:fld id="{E840ED76-C218-42D5-9C15-0538AB2C44DC}" type="datetimeFigureOut">
               <a:rPr lang="es-MX" smtClean="0"/>
-              <a:t>20/05/2022</a:t>
+              <a:t>21/05/2022</a:t>
             </a:fld>
             <a:endParaRPr lang="es-MX"/>
           </a:p>
@@ -14841,7 +14868,7 @@
           <a:p>
             <a:fld id="{E840ED76-C218-42D5-9C15-0538AB2C44DC}" type="datetimeFigureOut">
               <a:rPr lang="es-MX" smtClean="0"/>
-              <a:t>20/05/2022</a:t>
+              <a:t>21/05/2022</a:t>
             </a:fld>
             <a:endParaRPr lang="es-MX"/>
           </a:p>
@@ -15073,7 +15100,7 @@
           <a:p>
             <a:fld id="{E840ED76-C218-42D5-9C15-0538AB2C44DC}" type="datetimeFigureOut">
               <a:rPr lang="es-MX" smtClean="0"/>
-              <a:t>20/05/2022</a:t>
+              <a:t>21/05/2022</a:t>
             </a:fld>
             <a:endParaRPr lang="es-MX"/>
           </a:p>
@@ -15440,7 +15467,7 @@
           <a:p>
             <a:fld id="{E840ED76-C218-42D5-9C15-0538AB2C44DC}" type="datetimeFigureOut">
               <a:rPr lang="es-MX" smtClean="0"/>
-              <a:t>20/05/2022</a:t>
+              <a:t>21/05/2022</a:t>
             </a:fld>
             <a:endParaRPr lang="es-MX"/>
           </a:p>
@@ -15558,7 +15585,7 @@
           <a:p>
             <a:fld id="{E840ED76-C218-42D5-9C15-0538AB2C44DC}" type="datetimeFigureOut">
               <a:rPr lang="es-MX" smtClean="0"/>
-              <a:t>20/05/2022</a:t>
+              <a:t>21/05/2022</a:t>
             </a:fld>
             <a:endParaRPr lang="es-MX"/>
           </a:p>
@@ -15653,7 +15680,7 @@
           <a:p>
             <a:fld id="{E840ED76-C218-42D5-9C15-0538AB2C44DC}" type="datetimeFigureOut">
               <a:rPr lang="es-MX" smtClean="0"/>
-              <a:t>20/05/2022</a:t>
+              <a:t>21/05/2022</a:t>
             </a:fld>
             <a:endParaRPr lang="es-MX"/>
           </a:p>
@@ -15930,7 +15957,7 @@
           <a:p>
             <a:fld id="{E840ED76-C218-42D5-9C15-0538AB2C44DC}" type="datetimeFigureOut">
               <a:rPr lang="es-MX" smtClean="0"/>
-              <a:t>20/05/2022</a:t>
+              <a:t>21/05/2022</a:t>
             </a:fld>
             <a:endParaRPr lang="es-MX"/>
           </a:p>
@@ -16187,7 +16214,7 @@
           <a:p>
             <a:fld id="{E840ED76-C218-42D5-9C15-0538AB2C44DC}" type="datetimeFigureOut">
               <a:rPr lang="es-MX" smtClean="0"/>
-              <a:t>20/05/2022</a:t>
+              <a:t>21/05/2022</a:t>
             </a:fld>
             <a:endParaRPr lang="es-MX"/>
           </a:p>
@@ -16403,7 +16430,7 @@
           <a:p>
             <a:fld id="{E840ED76-C218-42D5-9C15-0538AB2C44DC}" type="datetimeFigureOut">
               <a:rPr lang="es-MX" smtClean="0"/>
-              <a:t>20/05/2022</a:t>
+              <a:t>21/05/2022</a:t>
             </a:fld>
             <a:endParaRPr lang="es-MX"/>
           </a:p>
@@ -17975,10 +18002,10 @@
       </p:sp>
       <p:pic>
         <p:nvPicPr>
-          <p:cNvPr id="5" name="Imagen 4">
+          <p:cNvPr id="4" name="Imagen 3">
             <a:extLst>
               <a:ext uri="{FF2B5EF4-FFF2-40B4-BE49-F238E27FC236}">
-                <a16:creationId xmlns:a16="http://schemas.microsoft.com/office/drawing/2014/main" id="{AABD2C5F-16A6-482F-605F-D2DEA2ED2E6A}"/>
+                <a16:creationId xmlns:a16="http://schemas.microsoft.com/office/drawing/2014/main" id="{982741B6-8180-8362-98CA-DB57997E2F8F}"/>
               </a:ext>
             </a:extLst>
           </p:cNvPr>
@@ -17995,8 +18022,8 @@
         </p:blipFill>
         <p:spPr>
           <a:xfrm>
-            <a:off x="399619" y="2928102"/>
-            <a:ext cx="3932774" cy="3062779"/>
+            <a:off x="188905" y="3165232"/>
+            <a:ext cx="5711483" cy="2835338"/>
           </a:xfrm>
           <a:prstGeom prst="rect">
             <a:avLst/>
@@ -18005,10 +18032,10 @@
       </p:pic>
       <p:pic>
         <p:nvPicPr>
-          <p:cNvPr id="7" name="Imagen 6">
+          <p:cNvPr id="8" name="Imagen 7">
             <a:extLst>
               <a:ext uri="{FF2B5EF4-FFF2-40B4-BE49-F238E27FC236}">
-                <a16:creationId xmlns:a16="http://schemas.microsoft.com/office/drawing/2014/main" id="{89495308-D0D2-5D82-9576-E01316C7373E}"/>
+                <a16:creationId xmlns:a16="http://schemas.microsoft.com/office/drawing/2014/main" id="{065EF971-36C1-40B6-D337-EC03C45D2E61}"/>
               </a:ext>
             </a:extLst>
           </p:cNvPr>
@@ -18025,38 +18052,8 @@
         </p:blipFill>
         <p:spPr>
           <a:xfrm>
-            <a:off x="4534905" y="2928102"/>
-            <a:ext cx="3568085" cy="3062779"/>
-          </a:xfrm>
-          <a:prstGeom prst="rect">
-            <a:avLst/>
-          </a:prstGeom>
-        </p:spPr>
-      </p:pic>
-      <p:pic>
-        <p:nvPicPr>
-          <p:cNvPr id="9" name="Imagen 8">
-            <a:extLst>
-              <a:ext uri="{FF2B5EF4-FFF2-40B4-BE49-F238E27FC236}">
-                <a16:creationId xmlns:a16="http://schemas.microsoft.com/office/drawing/2014/main" id="{5E219DBD-E37F-828A-86EE-AF3679E41EA1}"/>
-              </a:ext>
-            </a:extLst>
-          </p:cNvPr>
-          <p:cNvPicPr>
-            <a:picLocks noChangeAspect="1"/>
-          </p:cNvPicPr>
-          <p:nvPr/>
-        </p:nvPicPr>
-        <p:blipFill>
-          <a:blip r:embed="rId4"/>
-          <a:stretch>
-            <a:fillRect/>
-          </a:stretch>
-        </p:blipFill>
-        <p:spPr>
-          <a:xfrm>
-            <a:off x="8347706" y="2928103"/>
-            <a:ext cx="3568085" cy="3062778"/>
+            <a:off x="6291613" y="3165232"/>
+            <a:ext cx="5768830" cy="2835338"/>
           </a:xfrm>
           <a:prstGeom prst="rect">
             <a:avLst/>
@@ -18077,6 +18074,601 @@
 </file>
 
 <file path=ppt/slides/slide13.xml><?xml version="1.0" encoding="utf-8"?>
+<p:sld xmlns:a="http://schemas.openxmlformats.org/drawingml/2006/main" xmlns:r="http://schemas.openxmlformats.org/officeDocument/2006/relationships" xmlns:p="http://schemas.openxmlformats.org/presentationml/2006/main">
+  <p:cSld>
+    <p:spTree>
+      <p:nvGrpSpPr>
+        <p:cNvPr id="1" name=""/>
+        <p:cNvGrpSpPr/>
+        <p:nvPr/>
+      </p:nvGrpSpPr>
+      <p:grpSpPr>
+        <a:xfrm>
+          <a:off x="0" y="0"/>
+          <a:ext cx="0" cy="0"/>
+          <a:chOff x="0" y="0"/>
+          <a:chExt cx="0" cy="0"/>
+        </a:xfrm>
+      </p:grpSpPr>
+      <p:pic>
+        <p:nvPicPr>
+          <p:cNvPr id="3" name="Imagen 2">
+            <a:extLst>
+              <a:ext uri="{FF2B5EF4-FFF2-40B4-BE49-F238E27FC236}">
+                <a16:creationId xmlns:a16="http://schemas.microsoft.com/office/drawing/2014/main" id="{6311A7A9-7C7B-67DA-6E32-168B55C2C834}"/>
+              </a:ext>
+            </a:extLst>
+          </p:cNvPr>
+          <p:cNvPicPr>
+            <a:picLocks noChangeAspect="1"/>
+          </p:cNvPicPr>
+          <p:nvPr/>
+        </p:nvPicPr>
+        <p:blipFill>
+          <a:blip r:embed="rId2"/>
+          <a:stretch>
+            <a:fillRect/>
+          </a:stretch>
+        </p:blipFill>
+        <p:spPr>
+          <a:xfrm>
+            <a:off x="1932546" y="1485112"/>
+            <a:ext cx="8326908" cy="3887776"/>
+          </a:xfrm>
+          <a:prstGeom prst="rect">
+            <a:avLst/>
+          </a:prstGeom>
+        </p:spPr>
+      </p:pic>
+      <p:sp>
+        <p:nvSpPr>
+          <p:cNvPr id="5" name="CuadroTexto 4">
+            <a:extLst>
+              <a:ext uri="{FF2B5EF4-FFF2-40B4-BE49-F238E27FC236}">
+                <a16:creationId xmlns:a16="http://schemas.microsoft.com/office/drawing/2014/main" id="{332BF84F-58CD-355C-7F5F-272F98AAC44E}"/>
+              </a:ext>
+            </a:extLst>
+          </p:cNvPr>
+          <p:cNvSpPr txBox="1"/>
+          <p:nvPr/>
+        </p:nvSpPr>
+        <p:spPr>
+          <a:xfrm>
+            <a:off x="3046828" y="358799"/>
+            <a:ext cx="6098344" cy="374013"/>
+          </a:xfrm>
+          <a:prstGeom prst="rect">
+            <a:avLst/>
+          </a:prstGeom>
+          <a:noFill/>
+        </p:spPr>
+        <p:txBody>
+          <a:bodyPr wrap="square">
+            <a:spAutoFit/>
+          </a:bodyPr>
+          <a:lstStyle/>
+          <a:p>
+            <a:pPr algn="ctr">
+              <a:lnSpc>
+                <a:spcPct val="107000"/>
+              </a:lnSpc>
+              <a:spcAft>
+                <a:spcPts val="800"/>
+              </a:spcAft>
+            </a:pPr>
+            <a:r>
+              <a:rPr lang="es-MX" b="1" u="sng" dirty="0">
+                <a:solidFill>
+                  <a:srgbClr val="539DDA"/>
+                </a:solidFill>
+                <a:latin typeface="Consolas" panose="020B0609020204030204" pitchFamily="49" charset="0"/>
+                <a:ea typeface="Calibri" panose="020F0502020204030204" pitchFamily="34" charset="0"/>
+                <a:cs typeface="Times New Roman" panose="02020603050405020304" pitchFamily="18" charset="0"/>
+              </a:rPr>
+              <a:t>COMO SE CONSTRUYE UNA INSTANCIA</a:t>
+            </a:r>
+            <a:endParaRPr lang="es-MX" sz="1800" dirty="0">
+              <a:solidFill>
+                <a:srgbClr val="539DDA"/>
+              </a:solidFill>
+              <a:effectLst/>
+              <a:latin typeface="Consolas" panose="020B0609020204030204" pitchFamily="49" charset="0"/>
+              <a:ea typeface="Calibri" panose="020F0502020204030204" pitchFamily="34" charset="0"/>
+              <a:cs typeface="Times New Roman" panose="02020603050405020304" pitchFamily="18" charset="0"/>
+            </a:endParaRPr>
+          </a:p>
+        </p:txBody>
+      </p:sp>
+    </p:spTree>
+    <p:extLst>
+      <p:ext uri="{BB962C8B-B14F-4D97-AF65-F5344CB8AC3E}">
+        <p14:creationId xmlns:p14="http://schemas.microsoft.com/office/powerpoint/2010/main" val="2905126068"/>
+      </p:ext>
+    </p:extLst>
+  </p:cSld>
+  <p:clrMapOvr>
+    <a:masterClrMapping/>
+  </p:clrMapOvr>
+</p:sld>
+</file>
+
+<file path=ppt/slides/slide14.xml><?xml version="1.0" encoding="utf-8"?>
+<p:sld xmlns:a="http://schemas.openxmlformats.org/drawingml/2006/main" xmlns:r="http://schemas.openxmlformats.org/officeDocument/2006/relationships" xmlns:p="http://schemas.openxmlformats.org/presentationml/2006/main">
+  <p:cSld>
+    <p:spTree>
+      <p:nvGrpSpPr>
+        <p:cNvPr id="1" name=""/>
+        <p:cNvGrpSpPr/>
+        <p:nvPr/>
+      </p:nvGrpSpPr>
+      <p:grpSpPr>
+        <a:xfrm>
+          <a:off x="0" y="0"/>
+          <a:ext cx="0" cy="0"/>
+          <a:chOff x="0" y="0"/>
+          <a:chExt cx="0" cy="0"/>
+        </a:xfrm>
+      </p:grpSpPr>
+      <p:pic>
+        <p:nvPicPr>
+          <p:cNvPr id="3" name="Imagen 2">
+            <a:extLst>
+              <a:ext uri="{FF2B5EF4-FFF2-40B4-BE49-F238E27FC236}">
+                <a16:creationId xmlns:a16="http://schemas.microsoft.com/office/drawing/2014/main" id="{6B7D07DB-A5E6-A341-9656-FD7DFD4EF599}"/>
+              </a:ext>
+            </a:extLst>
+          </p:cNvPr>
+          <p:cNvPicPr>
+            <a:picLocks noChangeAspect="1"/>
+          </p:cNvPicPr>
+          <p:nvPr/>
+        </p:nvPicPr>
+        <p:blipFill>
+          <a:blip r:embed="rId2"/>
+          <a:stretch>
+            <a:fillRect/>
+          </a:stretch>
+        </p:blipFill>
+        <p:spPr>
+          <a:xfrm>
+            <a:off x="1693672" y="1477079"/>
+            <a:ext cx="8804655" cy="4290675"/>
+          </a:xfrm>
+          <a:prstGeom prst="rect">
+            <a:avLst/>
+          </a:prstGeom>
+        </p:spPr>
+      </p:pic>
+      <p:sp>
+        <p:nvSpPr>
+          <p:cNvPr id="4" name="CuadroTexto 3">
+            <a:extLst>
+              <a:ext uri="{FF2B5EF4-FFF2-40B4-BE49-F238E27FC236}">
+                <a16:creationId xmlns:a16="http://schemas.microsoft.com/office/drawing/2014/main" id="{CE825D29-9352-9781-69AF-C72E4210A188}"/>
+              </a:ext>
+            </a:extLst>
+          </p:cNvPr>
+          <p:cNvSpPr txBox="1"/>
+          <p:nvPr/>
+        </p:nvSpPr>
+        <p:spPr>
+          <a:xfrm>
+            <a:off x="3046828" y="358799"/>
+            <a:ext cx="6098344" cy="374013"/>
+          </a:xfrm>
+          <a:prstGeom prst="rect">
+            <a:avLst/>
+          </a:prstGeom>
+          <a:noFill/>
+        </p:spPr>
+        <p:txBody>
+          <a:bodyPr wrap="square">
+            <a:spAutoFit/>
+          </a:bodyPr>
+          <a:lstStyle/>
+          <a:p>
+            <a:pPr algn="ctr">
+              <a:lnSpc>
+                <a:spcPct val="107000"/>
+              </a:lnSpc>
+              <a:spcAft>
+                <a:spcPts val="800"/>
+              </a:spcAft>
+            </a:pPr>
+            <a:r>
+              <a:rPr lang="es-MX" b="1" u="sng" dirty="0">
+                <a:solidFill>
+                  <a:srgbClr val="539DDA"/>
+                </a:solidFill>
+                <a:latin typeface="Consolas" panose="020B0609020204030204" pitchFamily="49" charset="0"/>
+                <a:ea typeface="Calibri" panose="020F0502020204030204" pitchFamily="34" charset="0"/>
+                <a:cs typeface="Times New Roman" panose="02020603050405020304" pitchFamily="18" charset="0"/>
+              </a:rPr>
+              <a:t>COMO SE CONSTRUYE UNA INSTANCIA</a:t>
+            </a:r>
+            <a:endParaRPr lang="es-MX" sz="1800" dirty="0">
+              <a:solidFill>
+                <a:srgbClr val="539DDA"/>
+              </a:solidFill>
+              <a:effectLst/>
+              <a:latin typeface="Consolas" panose="020B0609020204030204" pitchFamily="49" charset="0"/>
+              <a:ea typeface="Calibri" panose="020F0502020204030204" pitchFamily="34" charset="0"/>
+              <a:cs typeface="Times New Roman" panose="02020603050405020304" pitchFamily="18" charset="0"/>
+            </a:endParaRPr>
+          </a:p>
+        </p:txBody>
+      </p:sp>
+    </p:spTree>
+    <p:extLst>
+      <p:ext uri="{BB962C8B-B14F-4D97-AF65-F5344CB8AC3E}">
+        <p14:creationId xmlns:p14="http://schemas.microsoft.com/office/powerpoint/2010/main" val="1615184160"/>
+      </p:ext>
+    </p:extLst>
+  </p:cSld>
+  <p:clrMapOvr>
+    <a:masterClrMapping/>
+  </p:clrMapOvr>
+</p:sld>
+</file>
+
+<file path=ppt/slides/slide15.xml><?xml version="1.0" encoding="utf-8"?>
+<p:sld xmlns:a="http://schemas.openxmlformats.org/drawingml/2006/main" xmlns:r="http://schemas.openxmlformats.org/officeDocument/2006/relationships" xmlns:p="http://schemas.openxmlformats.org/presentationml/2006/main">
+  <p:cSld>
+    <p:spTree>
+      <p:nvGrpSpPr>
+        <p:cNvPr id="1" name=""/>
+        <p:cNvGrpSpPr/>
+        <p:nvPr/>
+      </p:nvGrpSpPr>
+      <p:grpSpPr>
+        <a:xfrm>
+          <a:off x="0" y="0"/>
+          <a:ext cx="0" cy="0"/>
+          <a:chOff x="0" y="0"/>
+          <a:chExt cx="0" cy="0"/>
+        </a:xfrm>
+      </p:grpSpPr>
+      <p:pic>
+        <p:nvPicPr>
+          <p:cNvPr id="3" name="Imagen 2">
+            <a:extLst>
+              <a:ext uri="{FF2B5EF4-FFF2-40B4-BE49-F238E27FC236}">
+                <a16:creationId xmlns:a16="http://schemas.microsoft.com/office/drawing/2014/main" id="{8FAB0AF2-D65D-6DD2-AF04-30E7391E5D29}"/>
+              </a:ext>
+            </a:extLst>
+          </p:cNvPr>
+          <p:cNvPicPr>
+            <a:picLocks noChangeAspect="1"/>
+          </p:cNvPicPr>
+          <p:nvPr/>
+        </p:nvPicPr>
+        <p:blipFill>
+          <a:blip r:embed="rId2"/>
+          <a:stretch>
+            <a:fillRect/>
+          </a:stretch>
+        </p:blipFill>
+        <p:spPr>
+          <a:xfrm>
+            <a:off x="1159575" y="1030458"/>
+            <a:ext cx="9664198" cy="4797083"/>
+          </a:xfrm>
+          <a:prstGeom prst="rect">
+            <a:avLst/>
+          </a:prstGeom>
+        </p:spPr>
+      </p:pic>
+      <p:sp>
+        <p:nvSpPr>
+          <p:cNvPr id="4" name="CuadroTexto 3">
+            <a:extLst>
+              <a:ext uri="{FF2B5EF4-FFF2-40B4-BE49-F238E27FC236}">
+                <a16:creationId xmlns:a16="http://schemas.microsoft.com/office/drawing/2014/main" id="{58DBCBDB-1DB2-D068-225B-942EEDB93293}"/>
+              </a:ext>
+            </a:extLst>
+          </p:cNvPr>
+          <p:cNvSpPr txBox="1"/>
+          <p:nvPr/>
+        </p:nvSpPr>
+        <p:spPr>
+          <a:xfrm>
+            <a:off x="3046828" y="358799"/>
+            <a:ext cx="6098344" cy="374013"/>
+          </a:xfrm>
+          <a:prstGeom prst="rect">
+            <a:avLst/>
+          </a:prstGeom>
+          <a:noFill/>
+        </p:spPr>
+        <p:txBody>
+          <a:bodyPr wrap="square">
+            <a:spAutoFit/>
+          </a:bodyPr>
+          <a:lstStyle/>
+          <a:p>
+            <a:pPr algn="ctr">
+              <a:lnSpc>
+                <a:spcPct val="107000"/>
+              </a:lnSpc>
+              <a:spcAft>
+                <a:spcPts val="800"/>
+              </a:spcAft>
+            </a:pPr>
+            <a:r>
+              <a:rPr lang="es-MX" b="1" u="sng" dirty="0">
+                <a:solidFill>
+                  <a:srgbClr val="539DDA"/>
+                </a:solidFill>
+                <a:latin typeface="Consolas" panose="020B0609020204030204" pitchFamily="49" charset="0"/>
+                <a:ea typeface="Calibri" panose="020F0502020204030204" pitchFamily="34" charset="0"/>
+                <a:cs typeface="Times New Roman" panose="02020603050405020304" pitchFamily="18" charset="0"/>
+              </a:rPr>
+              <a:t>COMO SE CONSTRUYE UNA INSTANCIA</a:t>
+            </a:r>
+            <a:endParaRPr lang="es-MX" sz="1800" dirty="0">
+              <a:solidFill>
+                <a:srgbClr val="539DDA"/>
+              </a:solidFill>
+              <a:effectLst/>
+              <a:latin typeface="Consolas" panose="020B0609020204030204" pitchFamily="49" charset="0"/>
+              <a:ea typeface="Calibri" panose="020F0502020204030204" pitchFamily="34" charset="0"/>
+              <a:cs typeface="Times New Roman" panose="02020603050405020304" pitchFamily="18" charset="0"/>
+            </a:endParaRPr>
+          </a:p>
+        </p:txBody>
+      </p:sp>
+    </p:spTree>
+    <p:extLst>
+      <p:ext uri="{BB962C8B-B14F-4D97-AF65-F5344CB8AC3E}">
+        <p14:creationId xmlns:p14="http://schemas.microsoft.com/office/powerpoint/2010/main" val="3401927206"/>
+      </p:ext>
+    </p:extLst>
+  </p:cSld>
+  <p:clrMapOvr>
+    <a:masterClrMapping/>
+  </p:clrMapOvr>
+</p:sld>
+</file>
+
+<file path=ppt/slides/slide16.xml><?xml version="1.0" encoding="utf-8"?>
+<p:sld xmlns:a="http://schemas.openxmlformats.org/drawingml/2006/main" xmlns:r="http://schemas.openxmlformats.org/officeDocument/2006/relationships" xmlns:p="http://schemas.openxmlformats.org/presentationml/2006/main">
+  <p:cSld>
+    <p:spTree>
+      <p:nvGrpSpPr>
+        <p:cNvPr id="1" name=""/>
+        <p:cNvGrpSpPr/>
+        <p:nvPr/>
+      </p:nvGrpSpPr>
+      <p:grpSpPr>
+        <a:xfrm>
+          <a:off x="0" y="0"/>
+          <a:ext cx="0" cy="0"/>
+          <a:chOff x="0" y="0"/>
+          <a:chExt cx="0" cy="0"/>
+        </a:xfrm>
+      </p:grpSpPr>
+      <p:pic>
+        <p:nvPicPr>
+          <p:cNvPr id="3" name="Imagen 2">
+            <a:extLst>
+              <a:ext uri="{FF2B5EF4-FFF2-40B4-BE49-F238E27FC236}">
+                <a16:creationId xmlns:a16="http://schemas.microsoft.com/office/drawing/2014/main" id="{1A432428-4082-ED4D-C2D8-0CCFC7DEF072}"/>
+              </a:ext>
+            </a:extLst>
+          </p:cNvPr>
+          <p:cNvPicPr>
+            <a:picLocks noChangeAspect="1"/>
+          </p:cNvPicPr>
+          <p:nvPr/>
+        </p:nvPicPr>
+        <p:blipFill>
+          <a:blip r:embed="rId2"/>
+          <a:stretch>
+            <a:fillRect/>
+          </a:stretch>
+        </p:blipFill>
+        <p:spPr>
+          <a:xfrm>
+            <a:off x="1426474" y="1093075"/>
+            <a:ext cx="9291351" cy="4379257"/>
+          </a:xfrm>
+          <a:prstGeom prst="rect">
+            <a:avLst/>
+          </a:prstGeom>
+        </p:spPr>
+      </p:pic>
+      <p:sp>
+        <p:nvSpPr>
+          <p:cNvPr id="4" name="CuadroTexto 3">
+            <a:extLst>
+              <a:ext uri="{FF2B5EF4-FFF2-40B4-BE49-F238E27FC236}">
+                <a16:creationId xmlns:a16="http://schemas.microsoft.com/office/drawing/2014/main" id="{CD1D305C-67FC-7613-0A4C-5D46B16B1B0C}"/>
+              </a:ext>
+            </a:extLst>
+          </p:cNvPr>
+          <p:cNvSpPr txBox="1"/>
+          <p:nvPr/>
+        </p:nvSpPr>
+        <p:spPr>
+          <a:xfrm>
+            <a:off x="3046828" y="358799"/>
+            <a:ext cx="6098344" cy="374013"/>
+          </a:xfrm>
+          <a:prstGeom prst="rect">
+            <a:avLst/>
+          </a:prstGeom>
+          <a:noFill/>
+        </p:spPr>
+        <p:txBody>
+          <a:bodyPr wrap="square">
+            <a:spAutoFit/>
+          </a:bodyPr>
+          <a:lstStyle/>
+          <a:p>
+            <a:pPr algn="ctr">
+              <a:lnSpc>
+                <a:spcPct val="107000"/>
+              </a:lnSpc>
+              <a:spcAft>
+                <a:spcPts val="800"/>
+              </a:spcAft>
+            </a:pPr>
+            <a:r>
+              <a:rPr lang="es-MX" b="1" u="sng" dirty="0">
+                <a:solidFill>
+                  <a:srgbClr val="539DDA"/>
+                </a:solidFill>
+                <a:latin typeface="Consolas" panose="020B0609020204030204" pitchFamily="49" charset="0"/>
+                <a:ea typeface="Calibri" panose="020F0502020204030204" pitchFamily="34" charset="0"/>
+                <a:cs typeface="Times New Roman" panose="02020603050405020304" pitchFamily="18" charset="0"/>
+              </a:rPr>
+              <a:t>COMO SE CONSTRUYE UNA INSTANCIA</a:t>
+            </a:r>
+            <a:endParaRPr lang="es-MX" sz="1800" dirty="0">
+              <a:solidFill>
+                <a:srgbClr val="539DDA"/>
+              </a:solidFill>
+              <a:effectLst/>
+              <a:latin typeface="Consolas" panose="020B0609020204030204" pitchFamily="49" charset="0"/>
+              <a:ea typeface="Calibri" panose="020F0502020204030204" pitchFamily="34" charset="0"/>
+              <a:cs typeface="Times New Roman" panose="02020603050405020304" pitchFamily="18" charset="0"/>
+            </a:endParaRPr>
+          </a:p>
+        </p:txBody>
+      </p:sp>
+    </p:spTree>
+    <p:extLst>
+      <p:ext uri="{BB962C8B-B14F-4D97-AF65-F5344CB8AC3E}">
+        <p14:creationId xmlns:p14="http://schemas.microsoft.com/office/powerpoint/2010/main" val="4244480348"/>
+      </p:ext>
+    </p:extLst>
+  </p:cSld>
+  <p:clrMapOvr>
+    <a:masterClrMapping/>
+  </p:clrMapOvr>
+</p:sld>
+</file>
+
+<file path=ppt/slides/slide17.xml><?xml version="1.0" encoding="utf-8"?>
+<p:sld xmlns:a="http://schemas.openxmlformats.org/drawingml/2006/main" xmlns:r="http://schemas.openxmlformats.org/officeDocument/2006/relationships" xmlns:p="http://schemas.openxmlformats.org/presentationml/2006/main">
+  <p:cSld>
+    <p:spTree>
+      <p:nvGrpSpPr>
+        <p:cNvPr id="1" name=""/>
+        <p:cNvGrpSpPr/>
+        <p:nvPr/>
+      </p:nvGrpSpPr>
+      <p:grpSpPr>
+        <a:xfrm>
+          <a:off x="0" y="0"/>
+          <a:ext cx="0" cy="0"/>
+          <a:chOff x="0" y="0"/>
+          <a:chExt cx="0" cy="0"/>
+        </a:xfrm>
+      </p:grpSpPr>
+      <p:pic>
+        <p:nvPicPr>
+          <p:cNvPr id="4" name="Imagen 3">
+            <a:extLst>
+              <a:ext uri="{FF2B5EF4-FFF2-40B4-BE49-F238E27FC236}">
+                <a16:creationId xmlns:a16="http://schemas.microsoft.com/office/drawing/2014/main" id="{5DE5FF9E-20D2-5FAE-A31C-044DD0E005FE}"/>
+              </a:ext>
+            </a:extLst>
+          </p:cNvPr>
+          <p:cNvPicPr>
+            <a:picLocks noChangeAspect="1"/>
+          </p:cNvPicPr>
+          <p:nvPr/>
+        </p:nvPicPr>
+        <p:blipFill>
+          <a:blip r:embed="rId2"/>
+          <a:stretch>
+            <a:fillRect/>
+          </a:stretch>
+        </p:blipFill>
+        <p:spPr>
+          <a:xfrm>
+            <a:off x="1251567" y="1081774"/>
+            <a:ext cx="10057913" cy="5037672"/>
+          </a:xfrm>
+          <a:prstGeom prst="rect">
+            <a:avLst/>
+          </a:prstGeom>
+        </p:spPr>
+      </p:pic>
+      <p:sp>
+        <p:nvSpPr>
+          <p:cNvPr id="5" name="CuadroTexto 4">
+            <a:extLst>
+              <a:ext uri="{FF2B5EF4-FFF2-40B4-BE49-F238E27FC236}">
+                <a16:creationId xmlns:a16="http://schemas.microsoft.com/office/drawing/2014/main" id="{A0C79F83-6BFE-9D47-EC8A-AC781D0A12A4}"/>
+              </a:ext>
+            </a:extLst>
+          </p:cNvPr>
+          <p:cNvSpPr txBox="1"/>
+          <p:nvPr/>
+        </p:nvSpPr>
+        <p:spPr>
+          <a:xfrm>
+            <a:off x="3046828" y="358799"/>
+            <a:ext cx="6098344" cy="374013"/>
+          </a:xfrm>
+          <a:prstGeom prst="rect">
+            <a:avLst/>
+          </a:prstGeom>
+          <a:noFill/>
+        </p:spPr>
+        <p:txBody>
+          <a:bodyPr wrap="square">
+            <a:spAutoFit/>
+          </a:bodyPr>
+          <a:lstStyle/>
+          <a:p>
+            <a:pPr algn="ctr">
+              <a:lnSpc>
+                <a:spcPct val="107000"/>
+              </a:lnSpc>
+              <a:spcAft>
+                <a:spcPts val="800"/>
+              </a:spcAft>
+            </a:pPr>
+            <a:r>
+              <a:rPr lang="es-MX" b="1" u="sng" dirty="0">
+                <a:solidFill>
+                  <a:srgbClr val="539DDA"/>
+                </a:solidFill>
+                <a:latin typeface="Consolas" panose="020B0609020204030204" pitchFamily="49" charset="0"/>
+                <a:ea typeface="Calibri" panose="020F0502020204030204" pitchFamily="34" charset="0"/>
+                <a:cs typeface="Times New Roman" panose="02020603050405020304" pitchFamily="18" charset="0"/>
+              </a:rPr>
+              <a:t>COMO SE CONSTRUYE UNA INSTANCIA</a:t>
+            </a:r>
+            <a:endParaRPr lang="es-MX" sz="1800" dirty="0">
+              <a:solidFill>
+                <a:srgbClr val="539DDA"/>
+              </a:solidFill>
+              <a:effectLst/>
+              <a:latin typeface="Consolas" panose="020B0609020204030204" pitchFamily="49" charset="0"/>
+              <a:ea typeface="Calibri" panose="020F0502020204030204" pitchFamily="34" charset="0"/>
+              <a:cs typeface="Times New Roman" panose="02020603050405020304" pitchFamily="18" charset="0"/>
+            </a:endParaRPr>
+          </a:p>
+        </p:txBody>
+      </p:sp>
+    </p:spTree>
+    <p:extLst>
+      <p:ext uri="{BB962C8B-B14F-4D97-AF65-F5344CB8AC3E}">
+        <p14:creationId xmlns:p14="http://schemas.microsoft.com/office/powerpoint/2010/main" val="3248457334"/>
+      </p:ext>
+    </p:extLst>
+  </p:cSld>
+  <p:clrMapOvr>
+    <a:masterClrMapping/>
+  </p:clrMapOvr>
+</p:sld>
+</file>
+
+<file path=ppt/slides/slide18.xml><?xml version="1.0" encoding="utf-8"?>
 <p:sld xmlns:a="http://schemas.openxmlformats.org/drawingml/2006/main" xmlns:r="http://schemas.openxmlformats.org/officeDocument/2006/relationships" xmlns:p="http://schemas.openxmlformats.org/presentationml/2006/main">
   <p:cSld>
     <p:spTree>
@@ -18442,6 +19034,164 @@
           </a:p>
         </p:txBody>
       </p:sp>
+      <p:graphicFrame>
+        <p:nvGraphicFramePr>
+          <p:cNvPr id="2" name="Tabla 3">
+            <a:extLst>
+              <a:ext uri="{FF2B5EF4-FFF2-40B4-BE49-F238E27FC236}">
+                <a16:creationId xmlns:a16="http://schemas.microsoft.com/office/drawing/2014/main" id="{70024C42-97C4-E0F0-E585-933EED965EDB}"/>
+              </a:ext>
+            </a:extLst>
+          </p:cNvPr>
+          <p:cNvGraphicFramePr>
+            <a:graphicFrameLocks noGrp="1"/>
+          </p:cNvGraphicFramePr>
+          <p:nvPr>
+            <p:extLst>
+              <p:ext uri="{D42A27DB-BD31-4B8C-83A1-F6EECF244321}">
+                <p14:modId xmlns:p14="http://schemas.microsoft.com/office/powerpoint/2010/main" val="4116816882"/>
+              </p:ext>
+            </p:extLst>
+          </p:nvPr>
+        </p:nvGraphicFramePr>
+        <p:xfrm>
+          <a:off x="408680" y="800014"/>
+          <a:ext cx="761241" cy="4739275"/>
+        </p:xfrm>
+        <a:graphic>
+          <a:graphicData uri="http://schemas.openxmlformats.org/drawingml/2006/table">
+            <a:tbl>
+              <a:tblPr firstRow="1" bandRow="1">
+                <a:tableStyleId>{2D5ABB26-0587-4C30-8999-92F81FD0307C}</a:tableStyleId>
+              </a:tblPr>
+              <a:tblGrid>
+                <a:gridCol w="761241">
+                  <a:extLst>
+                    <a:ext uri="{9D8B030D-6E8A-4147-A177-3AD203B41FA5}">
+                      <a16:colId xmlns:a16="http://schemas.microsoft.com/office/drawing/2014/main" val="419405538"/>
+                    </a:ext>
+                  </a:extLst>
+                </a:gridCol>
+              </a:tblGrid>
+              <a:tr h="947855">
+                <a:tc>
+                  <a:txBody>
+                    <a:bodyPr/>
+                    <a:lstStyle/>
+                    <a:p>
+                      <a:pPr algn="ctr"/>
+                      <a:r>
+                        <a:rPr lang="es-MX" sz="2800" dirty="0">
+                          <a:latin typeface="Consolas" panose="020B0609020204030204" pitchFamily="49" charset="0"/>
+                        </a:rPr>
+                        <a:t>1</a:t>
+                      </a:r>
+                    </a:p>
+                  </a:txBody>
+                  <a:tcPr anchor="ctr"/>
+                </a:tc>
+                <a:extLst>
+                  <a:ext uri="{0D108BD9-81ED-4DB2-BD59-A6C34878D82A}">
+                    <a16:rowId xmlns:a16="http://schemas.microsoft.com/office/drawing/2014/main" val="342340701"/>
+                  </a:ext>
+                </a:extLst>
+              </a:tr>
+              <a:tr h="947855">
+                <a:tc>
+                  <a:txBody>
+                    <a:bodyPr/>
+                    <a:lstStyle/>
+                    <a:p>
+                      <a:pPr algn="ctr"/>
+                      <a:r>
+                        <a:rPr lang="es-MX" sz="2800" dirty="0">
+                          <a:latin typeface="Consolas" panose="020B0609020204030204" pitchFamily="49" charset="0"/>
+                        </a:rPr>
+                        <a:t>2</a:t>
+                      </a:r>
+                    </a:p>
+                  </a:txBody>
+                  <a:tcPr anchor="ctr"/>
+                </a:tc>
+                <a:extLst>
+                  <a:ext uri="{0D108BD9-81ED-4DB2-BD59-A6C34878D82A}">
+                    <a16:rowId xmlns:a16="http://schemas.microsoft.com/office/drawing/2014/main" val="4279872446"/>
+                  </a:ext>
+                </a:extLst>
+              </a:tr>
+              <a:tr h="947855">
+                <a:tc>
+                  <a:txBody>
+                    <a:bodyPr/>
+                    <a:lstStyle/>
+                    <a:p>
+                      <a:pPr algn="ctr"/>
+                      <a:r>
+                        <a:rPr lang="es-MX" sz="2800" dirty="0">
+                          <a:latin typeface="Consolas" panose="020B0609020204030204" pitchFamily="49" charset="0"/>
+                        </a:rPr>
+                        <a:t>3</a:t>
+                      </a:r>
+                    </a:p>
+                  </a:txBody>
+                  <a:tcPr anchor="ctr"/>
+                </a:tc>
+                <a:extLst>
+                  <a:ext uri="{0D108BD9-81ED-4DB2-BD59-A6C34878D82A}">
+                    <a16:rowId xmlns:a16="http://schemas.microsoft.com/office/drawing/2014/main" val="2008108846"/>
+                  </a:ext>
+                </a:extLst>
+              </a:tr>
+              <a:tr h="947855">
+                <a:tc>
+                  <a:txBody>
+                    <a:bodyPr/>
+                    <a:lstStyle/>
+                    <a:p>
+                      <a:pPr algn="ctr"/>
+                      <a:r>
+                        <a:rPr lang="es-MX" sz="2800" dirty="0">
+                          <a:latin typeface="Consolas" panose="020B0609020204030204" pitchFamily="49" charset="0"/>
+                        </a:rPr>
+                        <a:t>4</a:t>
+                      </a:r>
+                    </a:p>
+                  </a:txBody>
+                  <a:tcPr anchor="ctr"/>
+                </a:tc>
+                <a:extLst>
+                  <a:ext uri="{0D108BD9-81ED-4DB2-BD59-A6C34878D82A}">
+                    <a16:rowId xmlns:a16="http://schemas.microsoft.com/office/drawing/2014/main" val="2250649400"/>
+                  </a:ext>
+                </a:extLst>
+              </a:tr>
+              <a:tr h="947855">
+                <a:tc>
+                  <a:txBody>
+                    <a:bodyPr/>
+                    <a:lstStyle/>
+                    <a:p>
+                      <a:pPr algn="ctr"/>
+                      <a:r>
+                        <a:rPr lang="es-MX" sz="2800" dirty="0">
+                          <a:latin typeface="Consolas" panose="020B0609020204030204" pitchFamily="49" charset="0"/>
+                        </a:rPr>
+                        <a:t>5</a:t>
+                      </a:r>
+                    </a:p>
+                  </a:txBody>
+                  <a:tcPr anchor="ctr"/>
+                </a:tc>
+                <a:extLst>
+                  <a:ext uri="{0D108BD9-81ED-4DB2-BD59-A6C34878D82A}">
+                    <a16:rowId xmlns:a16="http://schemas.microsoft.com/office/drawing/2014/main" val="654146964"/>
+                  </a:ext>
+                </a:extLst>
+              </a:tr>
+            </a:tbl>
+          </a:graphicData>
+        </a:graphic>
+      </p:graphicFrame>
     </p:spTree>
     <p:extLst>
       <p:ext uri="{BB962C8B-B14F-4D97-AF65-F5344CB8AC3E}">
@@ -18455,7 +19205,7 @@
 </p:sld>
 </file>
 
-<file path=ppt/slides/slide14.xml><?xml version="1.0" encoding="utf-8"?>
+<file path=ppt/slides/slide19.xml><?xml version="1.0" encoding="utf-8"?>
 <p:sld xmlns:a="http://schemas.openxmlformats.org/drawingml/2006/main" xmlns:r="http://schemas.openxmlformats.org/officeDocument/2006/relationships" xmlns:p="http://schemas.openxmlformats.org/presentationml/2006/main">
   <p:cSld>
     <p:spTree>
@@ -18921,7 +19671,66 @@
 </p:sld>
 </file>
 
-<file path=ppt/slides/slide15.xml><?xml version="1.0" encoding="utf-8"?>
+<file path=ppt/slides/slide2.xml><?xml version="1.0" encoding="utf-8"?>
+<p:sld xmlns:a="http://schemas.openxmlformats.org/drawingml/2006/main" xmlns:r="http://schemas.openxmlformats.org/officeDocument/2006/relationships" xmlns:p="http://schemas.openxmlformats.org/presentationml/2006/main">
+  <p:cSld>
+    <p:spTree>
+      <p:nvGrpSpPr>
+        <p:cNvPr id="1" name=""/>
+        <p:cNvGrpSpPr/>
+        <p:nvPr/>
+      </p:nvGrpSpPr>
+      <p:grpSpPr>
+        <a:xfrm>
+          <a:off x="0" y="0"/>
+          <a:ext cx="0" cy="0"/>
+          <a:chOff x="0" y="0"/>
+          <a:chExt cx="0" cy="0"/>
+        </a:xfrm>
+      </p:grpSpPr>
+      <p:pic>
+        <p:nvPicPr>
+          <p:cNvPr id="3" name="Imagen 2">
+            <a:extLst>
+              <a:ext uri="{FF2B5EF4-FFF2-40B4-BE49-F238E27FC236}">
+                <a16:creationId xmlns:a16="http://schemas.microsoft.com/office/drawing/2014/main" id="{550E6B64-94DD-5621-3A95-9EEB828AC59D}"/>
+              </a:ext>
+            </a:extLst>
+          </p:cNvPr>
+          <p:cNvPicPr>
+            <a:picLocks noChangeAspect="1"/>
+          </p:cNvPicPr>
+          <p:nvPr/>
+        </p:nvPicPr>
+        <p:blipFill rotWithShape="1">
+          <a:blip r:embed="rId2"/>
+          <a:srcRect l="4733"/>
+          <a:stretch/>
+        </p:blipFill>
+        <p:spPr>
+          <a:xfrm>
+            <a:off x="803910" y="0"/>
+            <a:ext cx="10584179" cy="6858000"/>
+          </a:xfrm>
+          <a:prstGeom prst="rect">
+            <a:avLst/>
+          </a:prstGeom>
+        </p:spPr>
+      </p:pic>
+    </p:spTree>
+    <p:extLst>
+      <p:ext uri="{BB962C8B-B14F-4D97-AF65-F5344CB8AC3E}">
+        <p14:creationId xmlns:p14="http://schemas.microsoft.com/office/powerpoint/2010/main" val="3140872900"/>
+      </p:ext>
+    </p:extLst>
+  </p:cSld>
+  <p:clrMapOvr>
+    <a:masterClrMapping/>
+  </p:clrMapOvr>
+</p:sld>
+</file>
+
+<file path=ppt/slides/slide20.xml><?xml version="1.0" encoding="utf-8"?>
 <p:sld xmlns:a="http://schemas.openxmlformats.org/drawingml/2006/main" xmlns:r="http://schemas.openxmlformats.org/officeDocument/2006/relationships" xmlns:p="http://schemas.openxmlformats.org/presentationml/2006/main">
   <p:cSld>
     <p:spTree>
@@ -18981,7 +19790,7 @@
 </p:sld>
 </file>
 
-<file path=ppt/slides/slide16.xml><?xml version="1.0" encoding="utf-8"?>
+<file path=ppt/slides/slide21.xml><?xml version="1.0" encoding="utf-8"?>
 <p:sld xmlns:a="http://schemas.openxmlformats.org/drawingml/2006/main" xmlns:r="http://schemas.openxmlformats.org/officeDocument/2006/relationships" xmlns:p="http://schemas.openxmlformats.org/presentationml/2006/main">
   <p:cSld>
     <p:spTree>
@@ -19084,7 +19893,7 @@
 </p:sld>
 </file>
 
-<file path=ppt/slides/slide17.xml><?xml version="1.0" encoding="utf-8"?>
+<file path=ppt/slides/slide22.xml><?xml version="1.0" encoding="utf-8"?>
 <p:sld xmlns:a="http://schemas.openxmlformats.org/drawingml/2006/main" xmlns:r="http://schemas.openxmlformats.org/officeDocument/2006/relationships" xmlns:p="http://schemas.openxmlformats.org/presentationml/2006/main">
   <p:cSld>
     <p:spTree>
@@ -19116,7 +19925,7 @@
           <p:nvPr>
             <p:extLst>
               <p:ext uri="{D42A27DB-BD31-4B8C-83A1-F6EECF244321}">
-                <p14:modId xmlns:p14="http://schemas.microsoft.com/office/powerpoint/2010/main" val="1110443745"/>
+                <p14:modId xmlns:p14="http://schemas.microsoft.com/office/powerpoint/2010/main" val="1118256358"/>
               </p:ext>
             </p:extLst>
           </p:nvPr>
@@ -19144,7 +19953,7 @@
 </p:sld>
 </file>
 
-<file path=ppt/slides/slide18.xml><?xml version="1.0" encoding="utf-8"?>
+<file path=ppt/slides/slide23.xml><?xml version="1.0" encoding="utf-8"?>
 <p:sld xmlns:a="http://schemas.openxmlformats.org/drawingml/2006/main" xmlns:r="http://schemas.openxmlformats.org/officeDocument/2006/relationships" xmlns:p="http://schemas.openxmlformats.org/presentationml/2006/main">
   <p:cSld>
     <p:spTree>
@@ -19204,7 +20013,7 @@
 </p:sld>
 </file>
 
-<file path=ppt/slides/slide19.xml><?xml version="1.0" encoding="utf-8"?>
+<file path=ppt/slides/slide24.xml><?xml version="1.0" encoding="utf-8"?>
 <p:sld xmlns:a="http://schemas.openxmlformats.org/drawingml/2006/main" xmlns:r="http://schemas.openxmlformats.org/officeDocument/2006/relationships" xmlns:p="http://schemas.openxmlformats.org/presentationml/2006/main">
   <p:cSld>
     <p:spTree>
@@ -19307,66 +20116,7 @@
 </p:sld>
 </file>
 
-<file path=ppt/slides/slide2.xml><?xml version="1.0" encoding="utf-8"?>
-<p:sld xmlns:a="http://schemas.openxmlformats.org/drawingml/2006/main" xmlns:r="http://schemas.openxmlformats.org/officeDocument/2006/relationships" xmlns:p="http://schemas.openxmlformats.org/presentationml/2006/main">
-  <p:cSld>
-    <p:spTree>
-      <p:nvGrpSpPr>
-        <p:cNvPr id="1" name=""/>
-        <p:cNvGrpSpPr/>
-        <p:nvPr/>
-      </p:nvGrpSpPr>
-      <p:grpSpPr>
-        <a:xfrm>
-          <a:off x="0" y="0"/>
-          <a:ext cx="0" cy="0"/>
-          <a:chOff x="0" y="0"/>
-          <a:chExt cx="0" cy="0"/>
-        </a:xfrm>
-      </p:grpSpPr>
-      <p:pic>
-        <p:nvPicPr>
-          <p:cNvPr id="3" name="Imagen 2">
-            <a:extLst>
-              <a:ext uri="{FF2B5EF4-FFF2-40B4-BE49-F238E27FC236}">
-                <a16:creationId xmlns:a16="http://schemas.microsoft.com/office/drawing/2014/main" id="{550E6B64-94DD-5621-3A95-9EEB828AC59D}"/>
-              </a:ext>
-            </a:extLst>
-          </p:cNvPr>
-          <p:cNvPicPr>
-            <a:picLocks noChangeAspect="1"/>
-          </p:cNvPicPr>
-          <p:nvPr/>
-        </p:nvPicPr>
-        <p:blipFill rotWithShape="1">
-          <a:blip r:embed="rId2"/>
-          <a:srcRect l="4733"/>
-          <a:stretch/>
-        </p:blipFill>
-        <p:spPr>
-          <a:xfrm>
-            <a:off x="803910" y="0"/>
-            <a:ext cx="10584179" cy="6858000"/>
-          </a:xfrm>
-          <a:prstGeom prst="rect">
-            <a:avLst/>
-          </a:prstGeom>
-        </p:spPr>
-      </p:pic>
-    </p:spTree>
-    <p:extLst>
-      <p:ext uri="{BB962C8B-B14F-4D97-AF65-F5344CB8AC3E}">
-        <p14:creationId xmlns:p14="http://schemas.microsoft.com/office/powerpoint/2010/main" val="3140872900"/>
-      </p:ext>
-    </p:extLst>
-  </p:cSld>
-  <p:clrMapOvr>
-    <a:masterClrMapping/>
-  </p:clrMapOvr>
-</p:sld>
-</file>
-
-<file path=ppt/slides/slide20.xml><?xml version="1.0" encoding="utf-8"?>
+<file path=ppt/slides/slide25.xml><?xml version="1.0" encoding="utf-8"?>
 <p:sld xmlns:a="http://schemas.openxmlformats.org/drawingml/2006/main" xmlns:r="http://schemas.openxmlformats.org/officeDocument/2006/relationships" xmlns:p="http://schemas.openxmlformats.org/presentationml/2006/main">
   <p:cSld>
     <p:spTree>
@@ -19398,7 +20148,7 @@
           <p:nvPr>
             <p:extLst>
               <p:ext uri="{D42A27DB-BD31-4B8C-83A1-F6EECF244321}">
-                <p14:modId xmlns:p14="http://schemas.microsoft.com/office/powerpoint/2010/main" val="2485144790"/>
+                <p14:modId xmlns:p14="http://schemas.microsoft.com/office/powerpoint/2010/main" val="523618882"/>
               </p:ext>
             </p:extLst>
           </p:nvPr>
@@ -19426,7 +20176,7 @@
 </p:sld>
 </file>
 
-<file path=ppt/slides/slide21.xml><?xml version="1.0" encoding="utf-8"?>
+<file path=ppt/slides/slide26.xml><?xml version="1.0" encoding="utf-8"?>
 <p:sld xmlns:a="http://schemas.openxmlformats.org/drawingml/2006/main" xmlns:r="http://schemas.openxmlformats.org/officeDocument/2006/relationships" xmlns:p="http://schemas.openxmlformats.org/presentationml/2006/main">
   <p:cSld>
     <p:spTree>
@@ -19486,7 +20236,7 @@
 </p:sld>
 </file>
 
-<file path=ppt/slides/slide22.xml><?xml version="1.0" encoding="utf-8"?>
+<file path=ppt/slides/slide27.xml><?xml version="1.0" encoding="utf-8"?>
 <p:sld xmlns:a="http://schemas.openxmlformats.org/drawingml/2006/main" xmlns:r="http://schemas.openxmlformats.org/officeDocument/2006/relationships" xmlns:p="http://schemas.openxmlformats.org/presentationml/2006/main">
   <p:cSld>
     <p:spTree>
@@ -19518,7 +20268,7 @@
           <p:nvPr>
             <p:extLst>
               <p:ext uri="{D42A27DB-BD31-4B8C-83A1-F6EECF244321}">
-                <p14:modId xmlns:p14="http://schemas.microsoft.com/office/powerpoint/2010/main" val="1891358445"/>
+                <p14:modId xmlns:p14="http://schemas.microsoft.com/office/powerpoint/2010/main" val="575577709"/>
               </p:ext>
             </p:extLst>
           </p:nvPr>
@@ -19546,7 +20296,7 @@
 </p:sld>
 </file>
 
-<file path=ppt/slides/slide23.xml><?xml version="1.0" encoding="utf-8"?>
+<file path=ppt/slides/slide28.xml><?xml version="1.0" encoding="utf-8"?>
 <p:sld xmlns:a="http://schemas.openxmlformats.org/drawingml/2006/main" xmlns:r="http://schemas.openxmlformats.org/officeDocument/2006/relationships" xmlns:p="http://schemas.openxmlformats.org/presentationml/2006/main">
   <p:cSld>
     <p:spTree>
@@ -19649,7 +20399,7 @@
 </p:sld>
 </file>
 
-<file path=ppt/slides/slide24.xml><?xml version="1.0" encoding="utf-8"?>
+<file path=ppt/slides/slide29.xml><?xml version="1.0" encoding="utf-8"?>
 <p:sld xmlns:a="http://schemas.openxmlformats.org/drawingml/2006/main" xmlns:r="http://schemas.openxmlformats.org/officeDocument/2006/relationships" xmlns:p="http://schemas.openxmlformats.org/presentationml/2006/main">
   <p:cSld>
     <p:spTree>
@@ -19681,7 +20431,7 @@
           <p:nvPr>
             <p:extLst>
               <p:ext uri="{D42A27DB-BD31-4B8C-83A1-F6EECF244321}">
-                <p14:modId xmlns:p14="http://schemas.microsoft.com/office/powerpoint/2010/main" val="835115817"/>
+                <p14:modId xmlns:p14="http://schemas.microsoft.com/office/powerpoint/2010/main" val="480150112"/>
               </p:ext>
             </p:extLst>
           </p:nvPr>
@@ -19700,349 +20450,6 @@
     <p:extLst>
       <p:ext uri="{BB962C8B-B14F-4D97-AF65-F5344CB8AC3E}">
         <p14:creationId xmlns:p14="http://schemas.microsoft.com/office/powerpoint/2010/main" val="243355400"/>
-      </p:ext>
-    </p:extLst>
-  </p:cSld>
-  <p:clrMapOvr>
-    <a:masterClrMapping/>
-  </p:clrMapOvr>
-</p:sld>
-</file>
-
-<file path=ppt/slides/slide25.xml><?xml version="1.0" encoding="utf-8"?>
-<p:sld xmlns:a="http://schemas.openxmlformats.org/drawingml/2006/main" xmlns:r="http://schemas.openxmlformats.org/officeDocument/2006/relationships" xmlns:p="http://schemas.openxmlformats.org/presentationml/2006/main">
-  <p:cSld>
-    <p:spTree>
-      <p:nvGrpSpPr>
-        <p:cNvPr id="1" name=""/>
-        <p:cNvGrpSpPr/>
-        <p:nvPr/>
-      </p:nvGrpSpPr>
-      <p:grpSpPr>
-        <a:xfrm>
-          <a:off x="0" y="0"/>
-          <a:ext cx="0" cy="0"/>
-          <a:chOff x="0" y="0"/>
-          <a:chExt cx="0" cy="0"/>
-        </a:xfrm>
-      </p:grpSpPr>
-      <p:graphicFrame>
-        <p:nvGraphicFramePr>
-          <p:cNvPr id="3" name="Gráfico 2">
-            <a:extLst>
-              <a:ext uri="{FF2B5EF4-FFF2-40B4-BE49-F238E27FC236}">
-                <a16:creationId xmlns:a16="http://schemas.microsoft.com/office/drawing/2014/main" id="{6D9DA9EE-18AB-4F9B-BF88-78A06F1F896B}"/>
-              </a:ext>
-            </a:extLst>
-          </p:cNvPr>
-          <p:cNvGraphicFramePr>
-            <a:graphicFrameLocks/>
-          </p:cNvGraphicFramePr>
-          <p:nvPr>
-            <p:extLst>
-              <p:ext uri="{D42A27DB-BD31-4B8C-83A1-F6EECF244321}">
-                <p14:modId xmlns:p14="http://schemas.microsoft.com/office/powerpoint/2010/main" val="232536090"/>
-              </p:ext>
-            </p:extLst>
-          </p:nvPr>
-        </p:nvGraphicFramePr>
-        <p:xfrm>
-          <a:off x="1050971" y="272955"/>
-          <a:ext cx="10440444" cy="6100549"/>
-        </p:xfrm>
-        <a:graphic>
-          <a:graphicData uri="http://schemas.openxmlformats.org/drawingml/2006/chart">
-            <c:chart xmlns:c="http://schemas.openxmlformats.org/drawingml/2006/chart" xmlns:r="http://schemas.openxmlformats.org/officeDocument/2006/relationships" r:id="rId2"/>
-          </a:graphicData>
-        </a:graphic>
-      </p:graphicFrame>
-    </p:spTree>
-    <p:extLst>
-      <p:ext uri="{BB962C8B-B14F-4D97-AF65-F5344CB8AC3E}">
-        <p14:creationId xmlns:p14="http://schemas.microsoft.com/office/powerpoint/2010/main" val="621100627"/>
-      </p:ext>
-    </p:extLst>
-  </p:cSld>
-  <p:clrMapOvr>
-    <a:masterClrMapping/>
-  </p:clrMapOvr>
-</p:sld>
-</file>
-
-<file path=ppt/slides/slide26.xml><?xml version="1.0" encoding="utf-8"?>
-<p:sld xmlns:a="http://schemas.openxmlformats.org/drawingml/2006/main" xmlns:r="http://schemas.openxmlformats.org/officeDocument/2006/relationships" xmlns:p="http://schemas.openxmlformats.org/presentationml/2006/main">
-  <p:cSld>
-    <p:spTree>
-      <p:nvGrpSpPr>
-        <p:cNvPr id="1" name=""/>
-        <p:cNvGrpSpPr/>
-        <p:nvPr/>
-      </p:nvGrpSpPr>
-      <p:grpSpPr>
-        <a:xfrm>
-          <a:off x="0" y="0"/>
-          <a:ext cx="0" cy="0"/>
-          <a:chOff x="0" y="0"/>
-          <a:chExt cx="0" cy="0"/>
-        </a:xfrm>
-      </p:grpSpPr>
-      <p:graphicFrame>
-        <p:nvGraphicFramePr>
-          <p:cNvPr id="2" name="Gráfico 1">
-            <a:extLst>
-              <a:ext uri="{FF2B5EF4-FFF2-40B4-BE49-F238E27FC236}">
-                <a16:creationId xmlns:a16="http://schemas.microsoft.com/office/drawing/2014/main" id="{59532CD0-387A-4578-849C-21E8A2E31BDB}"/>
-              </a:ext>
-            </a:extLst>
-          </p:cNvPr>
-          <p:cNvGraphicFramePr>
-            <a:graphicFrameLocks/>
-          </p:cNvGraphicFramePr>
-          <p:nvPr>
-            <p:extLst>
-              <p:ext uri="{D42A27DB-BD31-4B8C-83A1-F6EECF244321}">
-                <p14:modId xmlns:p14="http://schemas.microsoft.com/office/powerpoint/2010/main" val="71406179"/>
-              </p:ext>
-            </p:extLst>
-          </p:nvPr>
-        </p:nvGraphicFramePr>
-        <p:xfrm>
-          <a:off x="1141862" y="651680"/>
-          <a:ext cx="9908275" cy="5554639"/>
-        </p:xfrm>
-        <a:graphic>
-          <a:graphicData uri="http://schemas.openxmlformats.org/drawingml/2006/chart">
-            <c:chart xmlns:c="http://schemas.openxmlformats.org/drawingml/2006/chart" xmlns:r="http://schemas.openxmlformats.org/officeDocument/2006/relationships" r:id="rId2"/>
-          </a:graphicData>
-        </a:graphic>
-      </p:graphicFrame>
-    </p:spTree>
-    <p:extLst>
-      <p:ext uri="{BB962C8B-B14F-4D97-AF65-F5344CB8AC3E}">
-        <p14:creationId xmlns:p14="http://schemas.microsoft.com/office/powerpoint/2010/main" val="3173247837"/>
-      </p:ext>
-    </p:extLst>
-  </p:cSld>
-  <p:clrMapOvr>
-    <a:masterClrMapping/>
-  </p:clrMapOvr>
-</p:sld>
-</file>
-
-<file path=ppt/slides/slide27.xml><?xml version="1.0" encoding="utf-8"?>
-<p:sld xmlns:a="http://schemas.openxmlformats.org/drawingml/2006/main" xmlns:r="http://schemas.openxmlformats.org/officeDocument/2006/relationships" xmlns:p="http://schemas.openxmlformats.org/presentationml/2006/main">
-  <p:cSld>
-    <p:spTree>
-      <p:nvGrpSpPr>
-        <p:cNvPr id="1" name=""/>
-        <p:cNvGrpSpPr/>
-        <p:nvPr/>
-      </p:nvGrpSpPr>
-      <p:grpSpPr>
-        <a:xfrm>
-          <a:off x="0" y="0"/>
-          <a:ext cx="0" cy="0"/>
-          <a:chOff x="0" y="0"/>
-          <a:chExt cx="0" cy="0"/>
-        </a:xfrm>
-      </p:grpSpPr>
-      <p:sp>
-        <p:nvSpPr>
-          <p:cNvPr id="2" name="CuadroTexto 1">
-            <a:extLst>
-              <a:ext uri="{FF2B5EF4-FFF2-40B4-BE49-F238E27FC236}">
-                <a16:creationId xmlns:a16="http://schemas.microsoft.com/office/drawing/2014/main" id="{EE4FE3E3-81D1-F6CC-24E5-0F56C1AC1037}"/>
-              </a:ext>
-            </a:extLst>
-          </p:cNvPr>
-          <p:cNvSpPr txBox="1"/>
-          <p:nvPr/>
-        </p:nvSpPr>
-        <p:spPr>
-          <a:xfrm>
-            <a:off x="2301922" y="2817679"/>
-            <a:ext cx="7588155" cy="1222642"/>
-          </a:xfrm>
-          <a:prstGeom prst="rect">
-            <a:avLst/>
-          </a:prstGeom>
-          <a:noFill/>
-        </p:spPr>
-        <p:txBody>
-          <a:bodyPr wrap="square">
-            <a:spAutoFit/>
-          </a:bodyPr>
-          <a:lstStyle/>
-          <a:p>
-            <a:pPr algn="ctr">
-              <a:lnSpc>
-                <a:spcPct val="107000"/>
-              </a:lnSpc>
-              <a:spcAft>
-                <a:spcPts val="800"/>
-              </a:spcAft>
-            </a:pPr>
-            <a:r>
-              <a:rPr lang="es-MX" sz="3200" b="1" dirty="0">
-                <a:solidFill>
-                  <a:srgbClr val="539DDA"/>
-                </a:solidFill>
-                <a:effectLst/>
-                <a:latin typeface="Consolas" panose="020B0609020204030204" pitchFamily="49" charset="0"/>
-                <a:ea typeface="Calibri" panose="020F0502020204030204" pitchFamily="34" charset="0"/>
-                <a:cs typeface="Times New Roman" panose="02020603050405020304" pitchFamily="18" charset="0"/>
-              </a:rPr>
-              <a:t>GRAFICAS </a:t>
-            </a:r>
-          </a:p>
-          <a:p>
-            <a:pPr algn="ctr">
-              <a:lnSpc>
-                <a:spcPct val="107000"/>
-              </a:lnSpc>
-              <a:spcAft>
-                <a:spcPts val="800"/>
-              </a:spcAft>
-            </a:pPr>
-            <a:r>
-              <a:rPr lang="es-MX" sz="3200" b="1" dirty="0">
-                <a:solidFill>
-                  <a:srgbClr val="539DDA"/>
-                </a:solidFill>
-                <a:effectLst/>
-                <a:latin typeface="Consolas" panose="020B0609020204030204" pitchFamily="49" charset="0"/>
-                <a:ea typeface="Calibri" panose="020F0502020204030204" pitchFamily="34" charset="0"/>
-                <a:cs typeface="Times New Roman" panose="02020603050405020304" pitchFamily="18" charset="0"/>
-              </a:rPr>
-              <a:t>DEL ALGORTMO RS</a:t>
-            </a:r>
-          </a:p>
-        </p:txBody>
-      </p:sp>
-    </p:spTree>
-    <p:extLst>
-      <p:ext uri="{BB962C8B-B14F-4D97-AF65-F5344CB8AC3E}">
-        <p14:creationId xmlns:p14="http://schemas.microsoft.com/office/powerpoint/2010/main" val="936321158"/>
-      </p:ext>
-    </p:extLst>
-  </p:cSld>
-  <p:clrMapOvr>
-    <a:masterClrMapping/>
-  </p:clrMapOvr>
-</p:sld>
-</file>
-
-<file path=ppt/slides/slide28.xml><?xml version="1.0" encoding="utf-8"?>
-<p:sld xmlns:a="http://schemas.openxmlformats.org/drawingml/2006/main" xmlns:r="http://schemas.openxmlformats.org/officeDocument/2006/relationships" xmlns:p="http://schemas.openxmlformats.org/presentationml/2006/main">
-  <p:cSld>
-    <p:spTree>
-      <p:nvGrpSpPr>
-        <p:cNvPr id="1" name=""/>
-        <p:cNvGrpSpPr/>
-        <p:nvPr/>
-      </p:nvGrpSpPr>
-      <p:grpSpPr>
-        <a:xfrm>
-          <a:off x="0" y="0"/>
-          <a:ext cx="0" cy="0"/>
-          <a:chOff x="0" y="0"/>
-          <a:chExt cx="0" cy="0"/>
-        </a:xfrm>
-      </p:grpSpPr>
-      <p:graphicFrame>
-        <p:nvGraphicFramePr>
-          <p:cNvPr id="2" name="Gráfico 1">
-            <a:extLst>
-              <a:ext uri="{FF2B5EF4-FFF2-40B4-BE49-F238E27FC236}">
-                <a16:creationId xmlns:a16="http://schemas.microsoft.com/office/drawing/2014/main" id="{EAB1778A-3BA1-46B9-A350-1F6D1EAD23CC}"/>
-              </a:ext>
-            </a:extLst>
-          </p:cNvPr>
-          <p:cNvGraphicFramePr>
-            <a:graphicFrameLocks/>
-          </p:cNvGraphicFramePr>
-          <p:nvPr>
-            <p:extLst>
-              <p:ext uri="{D42A27DB-BD31-4B8C-83A1-F6EECF244321}">
-                <p14:modId xmlns:p14="http://schemas.microsoft.com/office/powerpoint/2010/main" val="330357959"/>
-              </p:ext>
-            </p:extLst>
-          </p:nvPr>
-        </p:nvGraphicFramePr>
-        <p:xfrm>
-          <a:off x="1107743" y="290015"/>
-          <a:ext cx="9976513" cy="6277970"/>
-        </p:xfrm>
-        <a:graphic>
-          <a:graphicData uri="http://schemas.openxmlformats.org/drawingml/2006/chart">
-            <c:chart xmlns:c="http://schemas.openxmlformats.org/drawingml/2006/chart" xmlns:r="http://schemas.openxmlformats.org/officeDocument/2006/relationships" r:id="rId2"/>
-          </a:graphicData>
-        </a:graphic>
-      </p:graphicFrame>
-    </p:spTree>
-    <p:extLst>
-      <p:ext uri="{BB962C8B-B14F-4D97-AF65-F5344CB8AC3E}">
-        <p14:creationId xmlns:p14="http://schemas.microsoft.com/office/powerpoint/2010/main" val="3724168960"/>
-      </p:ext>
-    </p:extLst>
-  </p:cSld>
-  <p:clrMapOvr>
-    <a:masterClrMapping/>
-  </p:clrMapOvr>
-</p:sld>
-</file>
-
-<file path=ppt/slides/slide29.xml><?xml version="1.0" encoding="utf-8"?>
-<p:sld xmlns:a="http://schemas.openxmlformats.org/drawingml/2006/main" xmlns:r="http://schemas.openxmlformats.org/officeDocument/2006/relationships" xmlns:p="http://schemas.openxmlformats.org/presentationml/2006/main">
-  <p:cSld>
-    <p:spTree>
-      <p:nvGrpSpPr>
-        <p:cNvPr id="1" name=""/>
-        <p:cNvGrpSpPr/>
-        <p:nvPr/>
-      </p:nvGrpSpPr>
-      <p:grpSpPr>
-        <a:xfrm>
-          <a:off x="0" y="0"/>
-          <a:ext cx="0" cy="0"/>
-          <a:chOff x="0" y="0"/>
-          <a:chExt cx="0" cy="0"/>
-        </a:xfrm>
-      </p:grpSpPr>
-      <p:graphicFrame>
-        <p:nvGraphicFramePr>
-          <p:cNvPr id="2" name="Gráfico 1">
-            <a:extLst>
-              <a:ext uri="{FF2B5EF4-FFF2-40B4-BE49-F238E27FC236}">
-                <a16:creationId xmlns:a16="http://schemas.microsoft.com/office/drawing/2014/main" id="{3961723A-1DDD-4A67-B8B0-285AC360233C}"/>
-              </a:ext>
-            </a:extLst>
-          </p:cNvPr>
-          <p:cNvGraphicFramePr>
-            <a:graphicFrameLocks/>
-          </p:cNvGraphicFramePr>
-          <p:nvPr>
-            <p:extLst>
-              <p:ext uri="{D42A27DB-BD31-4B8C-83A1-F6EECF244321}">
-                <p14:modId xmlns:p14="http://schemas.microsoft.com/office/powerpoint/2010/main" val="3179546542"/>
-              </p:ext>
-            </p:extLst>
-          </p:nvPr>
-        </p:nvGraphicFramePr>
-        <p:xfrm>
-          <a:off x="1216925" y="617561"/>
-          <a:ext cx="9758149" cy="5622877"/>
-        </p:xfrm>
-        <a:graphic>
-          <a:graphicData uri="http://schemas.openxmlformats.org/drawingml/2006/chart">
-            <c:chart xmlns:c="http://schemas.openxmlformats.org/drawingml/2006/chart" xmlns:r="http://schemas.openxmlformats.org/officeDocument/2006/relationships" r:id="rId2"/>
-          </a:graphicData>
-        </a:graphic>
-      </p:graphicFrame>
-    </p:spTree>
-    <p:extLst>
-      <p:ext uri="{BB962C8B-B14F-4D97-AF65-F5344CB8AC3E}">
-        <p14:creationId xmlns:p14="http://schemas.microsoft.com/office/powerpoint/2010/main" val="3895379400"/>
       </p:ext>
     </p:extLst>
   </p:cSld>
@@ -20295,6 +20702,349 @@
       </p:grpSpPr>
       <p:graphicFrame>
         <p:nvGraphicFramePr>
+          <p:cNvPr id="3" name="Gráfico 2">
+            <a:extLst>
+              <a:ext uri="{FF2B5EF4-FFF2-40B4-BE49-F238E27FC236}">
+                <a16:creationId xmlns:a16="http://schemas.microsoft.com/office/drawing/2014/main" id="{6D9DA9EE-18AB-4F9B-BF88-78A06F1F896B}"/>
+              </a:ext>
+            </a:extLst>
+          </p:cNvPr>
+          <p:cNvGraphicFramePr>
+            <a:graphicFrameLocks/>
+          </p:cNvGraphicFramePr>
+          <p:nvPr>
+            <p:extLst>
+              <p:ext uri="{D42A27DB-BD31-4B8C-83A1-F6EECF244321}">
+                <p14:modId xmlns:p14="http://schemas.microsoft.com/office/powerpoint/2010/main" val="2431813179"/>
+              </p:ext>
+            </p:extLst>
+          </p:nvPr>
+        </p:nvGraphicFramePr>
+        <p:xfrm>
+          <a:off x="1050971" y="272955"/>
+          <a:ext cx="10440444" cy="6100549"/>
+        </p:xfrm>
+        <a:graphic>
+          <a:graphicData uri="http://schemas.openxmlformats.org/drawingml/2006/chart">
+            <c:chart xmlns:c="http://schemas.openxmlformats.org/drawingml/2006/chart" xmlns:r="http://schemas.openxmlformats.org/officeDocument/2006/relationships" r:id="rId2"/>
+          </a:graphicData>
+        </a:graphic>
+      </p:graphicFrame>
+    </p:spTree>
+    <p:extLst>
+      <p:ext uri="{BB962C8B-B14F-4D97-AF65-F5344CB8AC3E}">
+        <p14:creationId xmlns:p14="http://schemas.microsoft.com/office/powerpoint/2010/main" val="621100627"/>
+      </p:ext>
+    </p:extLst>
+  </p:cSld>
+  <p:clrMapOvr>
+    <a:masterClrMapping/>
+  </p:clrMapOvr>
+</p:sld>
+</file>
+
+<file path=ppt/slides/slide31.xml><?xml version="1.0" encoding="utf-8"?>
+<p:sld xmlns:a="http://schemas.openxmlformats.org/drawingml/2006/main" xmlns:r="http://schemas.openxmlformats.org/officeDocument/2006/relationships" xmlns:p="http://schemas.openxmlformats.org/presentationml/2006/main">
+  <p:cSld>
+    <p:spTree>
+      <p:nvGrpSpPr>
+        <p:cNvPr id="1" name=""/>
+        <p:cNvGrpSpPr/>
+        <p:nvPr/>
+      </p:nvGrpSpPr>
+      <p:grpSpPr>
+        <a:xfrm>
+          <a:off x="0" y="0"/>
+          <a:ext cx="0" cy="0"/>
+          <a:chOff x="0" y="0"/>
+          <a:chExt cx="0" cy="0"/>
+        </a:xfrm>
+      </p:grpSpPr>
+      <p:graphicFrame>
+        <p:nvGraphicFramePr>
+          <p:cNvPr id="2" name="Gráfico 1">
+            <a:extLst>
+              <a:ext uri="{FF2B5EF4-FFF2-40B4-BE49-F238E27FC236}">
+                <a16:creationId xmlns:a16="http://schemas.microsoft.com/office/drawing/2014/main" id="{59532CD0-387A-4578-849C-21E8A2E31BDB}"/>
+              </a:ext>
+            </a:extLst>
+          </p:cNvPr>
+          <p:cNvGraphicFramePr>
+            <a:graphicFrameLocks/>
+          </p:cNvGraphicFramePr>
+          <p:nvPr>
+            <p:extLst>
+              <p:ext uri="{D42A27DB-BD31-4B8C-83A1-F6EECF244321}">
+                <p14:modId xmlns:p14="http://schemas.microsoft.com/office/powerpoint/2010/main" val="71406179"/>
+              </p:ext>
+            </p:extLst>
+          </p:nvPr>
+        </p:nvGraphicFramePr>
+        <p:xfrm>
+          <a:off x="1141862" y="651680"/>
+          <a:ext cx="9908275" cy="5554639"/>
+        </p:xfrm>
+        <a:graphic>
+          <a:graphicData uri="http://schemas.openxmlformats.org/drawingml/2006/chart">
+            <c:chart xmlns:c="http://schemas.openxmlformats.org/drawingml/2006/chart" xmlns:r="http://schemas.openxmlformats.org/officeDocument/2006/relationships" r:id="rId2"/>
+          </a:graphicData>
+        </a:graphic>
+      </p:graphicFrame>
+    </p:spTree>
+    <p:extLst>
+      <p:ext uri="{BB962C8B-B14F-4D97-AF65-F5344CB8AC3E}">
+        <p14:creationId xmlns:p14="http://schemas.microsoft.com/office/powerpoint/2010/main" val="3173247837"/>
+      </p:ext>
+    </p:extLst>
+  </p:cSld>
+  <p:clrMapOvr>
+    <a:masterClrMapping/>
+  </p:clrMapOvr>
+</p:sld>
+</file>
+
+<file path=ppt/slides/slide32.xml><?xml version="1.0" encoding="utf-8"?>
+<p:sld xmlns:a="http://schemas.openxmlformats.org/drawingml/2006/main" xmlns:r="http://schemas.openxmlformats.org/officeDocument/2006/relationships" xmlns:p="http://schemas.openxmlformats.org/presentationml/2006/main">
+  <p:cSld>
+    <p:spTree>
+      <p:nvGrpSpPr>
+        <p:cNvPr id="1" name=""/>
+        <p:cNvGrpSpPr/>
+        <p:nvPr/>
+      </p:nvGrpSpPr>
+      <p:grpSpPr>
+        <a:xfrm>
+          <a:off x="0" y="0"/>
+          <a:ext cx="0" cy="0"/>
+          <a:chOff x="0" y="0"/>
+          <a:chExt cx="0" cy="0"/>
+        </a:xfrm>
+      </p:grpSpPr>
+      <p:sp>
+        <p:nvSpPr>
+          <p:cNvPr id="2" name="CuadroTexto 1">
+            <a:extLst>
+              <a:ext uri="{FF2B5EF4-FFF2-40B4-BE49-F238E27FC236}">
+                <a16:creationId xmlns:a16="http://schemas.microsoft.com/office/drawing/2014/main" id="{EE4FE3E3-81D1-F6CC-24E5-0F56C1AC1037}"/>
+              </a:ext>
+            </a:extLst>
+          </p:cNvPr>
+          <p:cNvSpPr txBox="1"/>
+          <p:nvPr/>
+        </p:nvSpPr>
+        <p:spPr>
+          <a:xfrm>
+            <a:off x="2301922" y="2817679"/>
+            <a:ext cx="7588155" cy="1222642"/>
+          </a:xfrm>
+          <a:prstGeom prst="rect">
+            <a:avLst/>
+          </a:prstGeom>
+          <a:noFill/>
+        </p:spPr>
+        <p:txBody>
+          <a:bodyPr wrap="square">
+            <a:spAutoFit/>
+          </a:bodyPr>
+          <a:lstStyle/>
+          <a:p>
+            <a:pPr algn="ctr">
+              <a:lnSpc>
+                <a:spcPct val="107000"/>
+              </a:lnSpc>
+              <a:spcAft>
+                <a:spcPts val="800"/>
+              </a:spcAft>
+            </a:pPr>
+            <a:r>
+              <a:rPr lang="es-MX" sz="3200" b="1" dirty="0">
+                <a:solidFill>
+                  <a:srgbClr val="539DDA"/>
+                </a:solidFill>
+                <a:effectLst/>
+                <a:latin typeface="Consolas" panose="020B0609020204030204" pitchFamily="49" charset="0"/>
+                <a:ea typeface="Calibri" panose="020F0502020204030204" pitchFamily="34" charset="0"/>
+                <a:cs typeface="Times New Roman" panose="02020603050405020304" pitchFamily="18" charset="0"/>
+              </a:rPr>
+              <a:t>GRAFICAS </a:t>
+            </a:r>
+          </a:p>
+          <a:p>
+            <a:pPr algn="ctr">
+              <a:lnSpc>
+                <a:spcPct val="107000"/>
+              </a:lnSpc>
+              <a:spcAft>
+                <a:spcPts val="800"/>
+              </a:spcAft>
+            </a:pPr>
+            <a:r>
+              <a:rPr lang="es-MX" sz="3200" b="1" dirty="0">
+                <a:solidFill>
+                  <a:srgbClr val="539DDA"/>
+                </a:solidFill>
+                <a:effectLst/>
+                <a:latin typeface="Consolas" panose="020B0609020204030204" pitchFamily="49" charset="0"/>
+                <a:ea typeface="Calibri" panose="020F0502020204030204" pitchFamily="34" charset="0"/>
+                <a:cs typeface="Times New Roman" panose="02020603050405020304" pitchFamily="18" charset="0"/>
+              </a:rPr>
+              <a:t>DEL ALGORTMO RS</a:t>
+            </a:r>
+          </a:p>
+        </p:txBody>
+      </p:sp>
+    </p:spTree>
+    <p:extLst>
+      <p:ext uri="{BB962C8B-B14F-4D97-AF65-F5344CB8AC3E}">
+        <p14:creationId xmlns:p14="http://schemas.microsoft.com/office/powerpoint/2010/main" val="936321158"/>
+      </p:ext>
+    </p:extLst>
+  </p:cSld>
+  <p:clrMapOvr>
+    <a:masterClrMapping/>
+  </p:clrMapOvr>
+</p:sld>
+</file>
+
+<file path=ppt/slides/slide33.xml><?xml version="1.0" encoding="utf-8"?>
+<p:sld xmlns:a="http://schemas.openxmlformats.org/drawingml/2006/main" xmlns:r="http://schemas.openxmlformats.org/officeDocument/2006/relationships" xmlns:p="http://schemas.openxmlformats.org/presentationml/2006/main">
+  <p:cSld>
+    <p:spTree>
+      <p:nvGrpSpPr>
+        <p:cNvPr id="1" name=""/>
+        <p:cNvGrpSpPr/>
+        <p:nvPr/>
+      </p:nvGrpSpPr>
+      <p:grpSpPr>
+        <a:xfrm>
+          <a:off x="0" y="0"/>
+          <a:ext cx="0" cy="0"/>
+          <a:chOff x="0" y="0"/>
+          <a:chExt cx="0" cy="0"/>
+        </a:xfrm>
+      </p:grpSpPr>
+      <p:graphicFrame>
+        <p:nvGraphicFramePr>
+          <p:cNvPr id="2" name="Gráfico 1">
+            <a:extLst>
+              <a:ext uri="{FF2B5EF4-FFF2-40B4-BE49-F238E27FC236}">
+                <a16:creationId xmlns:a16="http://schemas.microsoft.com/office/drawing/2014/main" id="{EAB1778A-3BA1-46B9-A350-1F6D1EAD23CC}"/>
+              </a:ext>
+            </a:extLst>
+          </p:cNvPr>
+          <p:cNvGraphicFramePr>
+            <a:graphicFrameLocks/>
+          </p:cNvGraphicFramePr>
+          <p:nvPr>
+            <p:extLst>
+              <p:ext uri="{D42A27DB-BD31-4B8C-83A1-F6EECF244321}">
+                <p14:modId xmlns:p14="http://schemas.microsoft.com/office/powerpoint/2010/main" val="3903265155"/>
+              </p:ext>
+            </p:extLst>
+          </p:nvPr>
+        </p:nvGraphicFramePr>
+        <p:xfrm>
+          <a:off x="1107743" y="290015"/>
+          <a:ext cx="9976513" cy="6277970"/>
+        </p:xfrm>
+        <a:graphic>
+          <a:graphicData uri="http://schemas.openxmlformats.org/drawingml/2006/chart">
+            <c:chart xmlns:c="http://schemas.openxmlformats.org/drawingml/2006/chart" xmlns:r="http://schemas.openxmlformats.org/officeDocument/2006/relationships" r:id="rId2"/>
+          </a:graphicData>
+        </a:graphic>
+      </p:graphicFrame>
+    </p:spTree>
+    <p:extLst>
+      <p:ext uri="{BB962C8B-B14F-4D97-AF65-F5344CB8AC3E}">
+        <p14:creationId xmlns:p14="http://schemas.microsoft.com/office/powerpoint/2010/main" val="3724168960"/>
+      </p:ext>
+    </p:extLst>
+  </p:cSld>
+  <p:clrMapOvr>
+    <a:masterClrMapping/>
+  </p:clrMapOvr>
+</p:sld>
+</file>
+
+<file path=ppt/slides/slide34.xml><?xml version="1.0" encoding="utf-8"?>
+<p:sld xmlns:a="http://schemas.openxmlformats.org/drawingml/2006/main" xmlns:r="http://schemas.openxmlformats.org/officeDocument/2006/relationships" xmlns:p="http://schemas.openxmlformats.org/presentationml/2006/main">
+  <p:cSld>
+    <p:spTree>
+      <p:nvGrpSpPr>
+        <p:cNvPr id="1" name=""/>
+        <p:cNvGrpSpPr/>
+        <p:nvPr/>
+      </p:nvGrpSpPr>
+      <p:grpSpPr>
+        <a:xfrm>
+          <a:off x="0" y="0"/>
+          <a:ext cx="0" cy="0"/>
+          <a:chOff x="0" y="0"/>
+          <a:chExt cx="0" cy="0"/>
+        </a:xfrm>
+      </p:grpSpPr>
+      <p:graphicFrame>
+        <p:nvGraphicFramePr>
+          <p:cNvPr id="2" name="Gráfico 1">
+            <a:extLst>
+              <a:ext uri="{FF2B5EF4-FFF2-40B4-BE49-F238E27FC236}">
+                <a16:creationId xmlns:a16="http://schemas.microsoft.com/office/drawing/2014/main" id="{3961723A-1DDD-4A67-B8B0-285AC360233C}"/>
+              </a:ext>
+            </a:extLst>
+          </p:cNvPr>
+          <p:cNvGraphicFramePr>
+            <a:graphicFrameLocks/>
+          </p:cNvGraphicFramePr>
+          <p:nvPr>
+            <p:extLst>
+              <p:ext uri="{D42A27DB-BD31-4B8C-83A1-F6EECF244321}">
+                <p14:modId xmlns:p14="http://schemas.microsoft.com/office/powerpoint/2010/main" val="3179546542"/>
+              </p:ext>
+            </p:extLst>
+          </p:nvPr>
+        </p:nvGraphicFramePr>
+        <p:xfrm>
+          <a:off x="1216925" y="617561"/>
+          <a:ext cx="9758149" cy="5622877"/>
+        </p:xfrm>
+        <a:graphic>
+          <a:graphicData uri="http://schemas.openxmlformats.org/drawingml/2006/chart">
+            <c:chart xmlns:c="http://schemas.openxmlformats.org/drawingml/2006/chart" xmlns:r="http://schemas.openxmlformats.org/officeDocument/2006/relationships" r:id="rId2"/>
+          </a:graphicData>
+        </a:graphic>
+      </p:graphicFrame>
+    </p:spTree>
+    <p:extLst>
+      <p:ext uri="{BB962C8B-B14F-4D97-AF65-F5344CB8AC3E}">
+        <p14:creationId xmlns:p14="http://schemas.microsoft.com/office/powerpoint/2010/main" val="3895379400"/>
+      </p:ext>
+    </p:extLst>
+  </p:cSld>
+  <p:clrMapOvr>
+    <a:masterClrMapping/>
+  </p:clrMapOvr>
+</p:sld>
+</file>
+
+<file path=ppt/slides/slide35.xml><?xml version="1.0" encoding="utf-8"?>
+<p:sld xmlns:a="http://schemas.openxmlformats.org/drawingml/2006/main" xmlns:r="http://schemas.openxmlformats.org/officeDocument/2006/relationships" xmlns:p="http://schemas.openxmlformats.org/presentationml/2006/main">
+  <p:cSld>
+    <p:spTree>
+      <p:nvGrpSpPr>
+        <p:cNvPr id="1" name=""/>
+        <p:cNvGrpSpPr/>
+        <p:nvPr/>
+      </p:nvGrpSpPr>
+      <p:grpSpPr>
+        <a:xfrm>
+          <a:off x="0" y="0"/>
+          <a:ext cx="0" cy="0"/>
+          <a:chOff x="0" y="0"/>
+          <a:chExt cx="0" cy="0"/>
+        </a:xfrm>
+      </p:grpSpPr>
+      <p:graphicFrame>
+        <p:nvGraphicFramePr>
           <p:cNvPr id="2" name="Gráfico 1">
             <a:extLst>
               <a:ext uri="{FF2B5EF4-FFF2-40B4-BE49-F238E27FC236}">
@@ -20336,7 +21086,7 @@
 </p:sld>
 </file>
 
-<file path=ppt/slides/slide31.xml><?xml version="1.0" encoding="utf-8"?>
+<file path=ppt/slides/slide36.xml><?xml version="1.0" encoding="utf-8"?>
 <p:sld xmlns:a="http://schemas.openxmlformats.org/drawingml/2006/main" xmlns:r="http://schemas.openxmlformats.org/officeDocument/2006/relationships" xmlns:p="http://schemas.openxmlformats.org/presentationml/2006/main">
   <p:cSld>
     <p:spTree>
@@ -20396,7 +21146,7 @@
 </p:sld>
 </file>
 
-<file path=ppt/slides/slide32.xml><?xml version="1.0" encoding="utf-8"?>
+<file path=ppt/slides/slide37.xml><?xml version="1.0" encoding="utf-8"?>
 <p:sld xmlns:a="http://schemas.openxmlformats.org/drawingml/2006/main" xmlns:r="http://schemas.openxmlformats.org/officeDocument/2006/relationships" xmlns:p="http://schemas.openxmlformats.org/presentationml/2006/main">
   <p:cSld>
     <p:spTree>
@@ -20477,7 +21227,7 @@
 </p:sld>
 </file>
 
-<file path=ppt/slides/slide33.xml><?xml version="1.0" encoding="utf-8"?>
+<file path=ppt/slides/slide38.xml><?xml version="1.0" encoding="utf-8"?>
 <p:sld xmlns:a="http://schemas.openxmlformats.org/drawingml/2006/main" xmlns:r="http://schemas.openxmlformats.org/officeDocument/2006/relationships" xmlns:p="http://schemas.openxmlformats.org/presentationml/2006/main">
   <p:cSld>
     <p:spTree>
@@ -21975,7 +22725,7 @@
 </p:sld>
 </file>
 
-<file path=ppt/slides/slide34.xml><?xml version="1.0" encoding="utf-8"?>
+<file path=ppt/slides/slide39.xml><?xml version="1.0" encoding="utf-8"?>
 <p:sld xmlns:a="http://schemas.openxmlformats.org/drawingml/2006/main" xmlns:r="http://schemas.openxmlformats.org/officeDocument/2006/relationships" xmlns:p="http://schemas.openxmlformats.org/presentationml/2006/main">
   <p:cSld>
     <p:spTree>
@@ -23345,7 +24095,336 @@
 </p:sld>
 </file>
 
-<file path=ppt/slides/slide35.xml><?xml version="1.0" encoding="utf-8"?>
+<file path=ppt/slides/slide4.xml><?xml version="1.0" encoding="utf-8"?>
+<p:sld xmlns:a="http://schemas.openxmlformats.org/drawingml/2006/main" xmlns:r="http://schemas.openxmlformats.org/officeDocument/2006/relationships" xmlns:p="http://schemas.openxmlformats.org/presentationml/2006/main">
+  <p:cSld>
+    <p:spTree>
+      <p:nvGrpSpPr>
+        <p:cNvPr id="1" name=""/>
+        <p:cNvGrpSpPr/>
+        <p:nvPr/>
+      </p:nvGrpSpPr>
+      <p:grpSpPr>
+        <a:xfrm>
+          <a:off x="0" y="0"/>
+          <a:ext cx="0" cy="0"/>
+          <a:chOff x="0" y="0"/>
+          <a:chExt cx="0" cy="0"/>
+        </a:xfrm>
+      </p:grpSpPr>
+      <p:sp>
+        <p:nvSpPr>
+          <p:cNvPr id="7" name="CuadroTexto 6">
+            <a:extLst>
+              <a:ext uri="{FF2B5EF4-FFF2-40B4-BE49-F238E27FC236}">
+                <a16:creationId xmlns:a16="http://schemas.microsoft.com/office/drawing/2014/main" id="{54AE4B89-B26E-CD1E-2E4F-2E53D78DDE39}"/>
+              </a:ext>
+            </a:extLst>
+          </p:cNvPr>
+          <p:cNvSpPr txBox="1"/>
+          <p:nvPr/>
+        </p:nvSpPr>
+        <p:spPr>
+          <a:xfrm>
+            <a:off x="1498315" y="659767"/>
+            <a:ext cx="9051308" cy="3155287"/>
+          </a:xfrm>
+          <a:prstGeom prst="rect">
+            <a:avLst/>
+          </a:prstGeom>
+          <a:noFill/>
+        </p:spPr>
+        <p:txBody>
+          <a:bodyPr wrap="square">
+            <a:spAutoFit/>
+          </a:bodyPr>
+          <a:lstStyle/>
+          <a:p>
+            <a:pPr algn="ctr">
+              <a:lnSpc>
+                <a:spcPct val="107000"/>
+              </a:lnSpc>
+              <a:spcAft>
+                <a:spcPts val="800"/>
+              </a:spcAft>
+            </a:pPr>
+            <a:r>
+              <a:rPr lang="es-MX" sz="1800" b="1" u="sng" dirty="0">
+                <a:solidFill>
+                  <a:srgbClr val="539DDA"/>
+                </a:solidFill>
+                <a:effectLst/>
+                <a:latin typeface="Consolas" panose="020B0609020204030204" pitchFamily="49" charset="0"/>
+                <a:ea typeface="Calibri" panose="020F0502020204030204" pitchFamily="34" charset="0"/>
+                <a:cs typeface="Times New Roman" panose="02020603050405020304" pitchFamily="18" charset="0"/>
+              </a:rPr>
+              <a:t>POSIBLES ACCIONES QUE SE PUEDEN HACER PARA RESOLVER EL PROBLEMA</a:t>
+            </a:r>
+            <a:endParaRPr lang="es-MX" sz="1800" b="1" dirty="0">
+              <a:effectLst/>
+              <a:latin typeface="Consolas" panose="020B0609020204030204" pitchFamily="49" charset="0"/>
+              <a:ea typeface="Calibri" panose="020F0502020204030204" pitchFamily="34" charset="0"/>
+              <a:cs typeface="Times New Roman" panose="02020603050405020304" pitchFamily="18" charset="0"/>
+            </a:endParaRPr>
+          </a:p>
+          <a:p>
+            <a:pPr>
+              <a:lnSpc>
+                <a:spcPct val="107000"/>
+              </a:lnSpc>
+              <a:spcAft>
+                <a:spcPts val="800"/>
+              </a:spcAft>
+            </a:pPr>
+            <a:r>
+              <a:rPr lang="es-MX" sz="1800" dirty="0">
+                <a:solidFill>
+                  <a:srgbClr val="DCDCAA"/>
+                </a:solidFill>
+                <a:effectLst/>
+                <a:latin typeface="Consolas" panose="020B0609020204030204" pitchFamily="49" charset="0"/>
+                <a:ea typeface="Calibri" panose="020F0502020204030204" pitchFamily="34" charset="0"/>
+                <a:cs typeface="Times New Roman" panose="02020603050405020304" pitchFamily="18" charset="0"/>
+              </a:rPr>
+              <a:t>Permitidas</a:t>
+            </a:r>
+          </a:p>
+          <a:p>
+            <a:pPr marL="342900" lvl="0" indent="-342900">
+              <a:lnSpc>
+                <a:spcPct val="107000"/>
+              </a:lnSpc>
+              <a:spcAft>
+                <a:spcPts val="800"/>
+              </a:spcAft>
+              <a:buFont typeface="Wingdings" panose="05000000000000000000" pitchFamily="2" charset="2"/>
+              <a:buChar char=""/>
+            </a:pPr>
+            <a:r>
+              <a:rPr lang="es-MX" sz="1800" dirty="0">
+                <a:solidFill>
+                  <a:srgbClr val="DCDCAA"/>
+                </a:solidFill>
+                <a:effectLst/>
+                <a:latin typeface="Consolas" panose="020B0609020204030204" pitchFamily="49" charset="0"/>
+                <a:ea typeface="Calibri" panose="020F0502020204030204" pitchFamily="34" charset="0"/>
+                <a:cs typeface="Times New Roman" panose="02020603050405020304" pitchFamily="18" charset="0"/>
+              </a:rPr>
+              <a:t>Poder moverte de nodo a un nodo adyacente.</a:t>
+            </a:r>
+          </a:p>
+          <a:p>
+            <a:pPr>
+              <a:lnSpc>
+                <a:spcPct val="107000"/>
+              </a:lnSpc>
+              <a:spcAft>
+                <a:spcPts val="800"/>
+              </a:spcAft>
+            </a:pPr>
+            <a:r>
+              <a:rPr lang="es-MX" sz="1800" dirty="0">
+                <a:solidFill>
+                  <a:srgbClr val="DCDCAA"/>
+                </a:solidFill>
+                <a:effectLst/>
+                <a:latin typeface="Consolas" panose="020B0609020204030204" pitchFamily="49" charset="0"/>
+                <a:ea typeface="Calibri" panose="020F0502020204030204" pitchFamily="34" charset="0"/>
+                <a:cs typeface="Times New Roman" panose="02020603050405020304" pitchFamily="18" charset="0"/>
+              </a:rPr>
+              <a:t>Prohibidas</a:t>
+            </a:r>
+          </a:p>
+          <a:p>
+            <a:pPr marL="342900" lvl="0" indent="-342900">
+              <a:lnSpc>
+                <a:spcPct val="107000"/>
+              </a:lnSpc>
+              <a:buFont typeface="Wingdings" panose="05000000000000000000" pitchFamily="2" charset="2"/>
+              <a:buChar char=""/>
+            </a:pPr>
+            <a:r>
+              <a:rPr lang="es-MX" sz="1800" dirty="0">
+                <a:solidFill>
+                  <a:srgbClr val="DCDCAA"/>
+                </a:solidFill>
+                <a:effectLst/>
+                <a:latin typeface="Consolas" panose="020B0609020204030204" pitchFamily="49" charset="0"/>
+                <a:ea typeface="Calibri" panose="020F0502020204030204" pitchFamily="34" charset="0"/>
+                <a:cs typeface="Times New Roman" panose="02020603050405020304" pitchFamily="18" charset="0"/>
+              </a:rPr>
+              <a:t>Moverse a un nodo que no es adyacente al nodo actual (teletransportarse)</a:t>
+            </a:r>
+          </a:p>
+          <a:p>
+            <a:pPr marL="342900" lvl="0" indent="-342900">
+              <a:lnSpc>
+                <a:spcPct val="107000"/>
+              </a:lnSpc>
+              <a:buFont typeface="Wingdings" panose="05000000000000000000" pitchFamily="2" charset="2"/>
+              <a:buChar char=""/>
+            </a:pPr>
+            <a:r>
+              <a:rPr lang="es-MX" sz="1800" dirty="0">
+                <a:solidFill>
+                  <a:srgbClr val="DCDCAA"/>
+                </a:solidFill>
+                <a:effectLst/>
+                <a:latin typeface="Consolas" panose="020B0609020204030204" pitchFamily="49" charset="0"/>
+                <a:ea typeface="Calibri" panose="020F0502020204030204" pitchFamily="34" charset="0"/>
+                <a:cs typeface="Times New Roman" panose="02020603050405020304" pitchFamily="18" charset="0"/>
+              </a:rPr>
+              <a:t>Visitar un nodo ya recorrido</a:t>
+            </a:r>
+          </a:p>
+          <a:p>
+            <a:pPr marL="342900" lvl="0" indent="-342900">
+              <a:lnSpc>
+                <a:spcPct val="107000"/>
+              </a:lnSpc>
+              <a:buFont typeface="Wingdings" panose="05000000000000000000" pitchFamily="2" charset="2"/>
+              <a:buChar char=""/>
+            </a:pPr>
+            <a:r>
+              <a:rPr lang="es-MX" sz="1800" dirty="0">
+                <a:solidFill>
+                  <a:srgbClr val="DCDCAA"/>
+                </a:solidFill>
+                <a:effectLst/>
+                <a:latin typeface="Consolas" panose="020B0609020204030204" pitchFamily="49" charset="0"/>
+                <a:ea typeface="Calibri" panose="020F0502020204030204" pitchFamily="34" charset="0"/>
+                <a:cs typeface="Times New Roman" panose="02020603050405020304" pitchFamily="18" charset="0"/>
+              </a:rPr>
+              <a:t>Quedarse quieto</a:t>
+            </a:r>
+          </a:p>
+          <a:p>
+            <a:pPr marL="342900" lvl="0" indent="-342900">
+              <a:lnSpc>
+                <a:spcPct val="107000"/>
+              </a:lnSpc>
+              <a:buFont typeface="Wingdings" panose="05000000000000000000" pitchFamily="2" charset="2"/>
+              <a:buChar char=""/>
+            </a:pPr>
+            <a:r>
+              <a:rPr lang="es-MX" dirty="0">
+                <a:solidFill>
+                  <a:srgbClr val="DCDCAA"/>
+                </a:solidFill>
+                <a:latin typeface="Consolas" panose="020B0609020204030204" pitchFamily="49" charset="0"/>
+                <a:ea typeface="Calibri" panose="020F0502020204030204" pitchFamily="34" charset="0"/>
+                <a:cs typeface="Times New Roman" panose="02020603050405020304" pitchFamily="18" charset="0"/>
+              </a:rPr>
+              <a:t>Terminar antes de haber encontrado el nodo final</a:t>
+            </a:r>
+            <a:endParaRPr lang="es-MX" sz="1800" dirty="0">
+              <a:solidFill>
+                <a:srgbClr val="DCDCAA"/>
+              </a:solidFill>
+              <a:effectLst/>
+              <a:latin typeface="Consolas" panose="020B0609020204030204" pitchFamily="49" charset="0"/>
+              <a:ea typeface="Calibri" panose="020F0502020204030204" pitchFamily="34" charset="0"/>
+              <a:cs typeface="Times New Roman" panose="02020603050405020304" pitchFamily="18" charset="0"/>
+            </a:endParaRPr>
+          </a:p>
+        </p:txBody>
+      </p:sp>
+      <p:sp>
+        <p:nvSpPr>
+          <p:cNvPr id="9" name="CuadroTexto 8">
+            <a:extLst>
+              <a:ext uri="{FF2B5EF4-FFF2-40B4-BE49-F238E27FC236}">
+                <a16:creationId xmlns:a16="http://schemas.microsoft.com/office/drawing/2014/main" id="{C30CD791-78A1-AEE8-8911-BF92AE1924EF}"/>
+              </a:ext>
+            </a:extLst>
+          </p:cNvPr>
+          <p:cNvSpPr txBox="1"/>
+          <p:nvPr/>
+        </p:nvSpPr>
+        <p:spPr>
+          <a:xfrm>
+            <a:off x="1498315" y="4120959"/>
+            <a:ext cx="9195370" cy="1365695"/>
+          </a:xfrm>
+          <a:prstGeom prst="rect">
+            <a:avLst/>
+          </a:prstGeom>
+          <a:noFill/>
+        </p:spPr>
+        <p:txBody>
+          <a:bodyPr wrap="square">
+            <a:spAutoFit/>
+          </a:bodyPr>
+          <a:lstStyle/>
+          <a:p>
+            <a:pPr>
+              <a:lnSpc>
+                <a:spcPct val="107000"/>
+              </a:lnSpc>
+              <a:spcAft>
+                <a:spcPts val="800"/>
+              </a:spcAft>
+            </a:pPr>
+            <a:r>
+              <a:rPr lang="es-MX" sz="1800" b="1" u="sng" dirty="0">
+                <a:solidFill>
+                  <a:srgbClr val="539DDA"/>
+                </a:solidFill>
+                <a:effectLst/>
+                <a:latin typeface="Consolas" panose="020B0609020204030204" pitchFamily="49" charset="0"/>
+                <a:ea typeface="Calibri" panose="020F0502020204030204" pitchFamily="34" charset="0"/>
+                <a:cs typeface="Times New Roman" panose="02020603050405020304" pitchFamily="18" charset="0"/>
+              </a:rPr>
+              <a:t>AMBIENTE DEL PROBLEMA</a:t>
+            </a:r>
+            <a:endParaRPr lang="es-MX" sz="1800" b="1" dirty="0">
+              <a:solidFill>
+                <a:srgbClr val="539DDA"/>
+              </a:solidFill>
+              <a:effectLst/>
+              <a:latin typeface="Consolas" panose="020B0609020204030204" pitchFamily="49" charset="0"/>
+              <a:ea typeface="Calibri" panose="020F0502020204030204" pitchFamily="34" charset="0"/>
+              <a:cs typeface="Times New Roman" panose="02020603050405020304" pitchFamily="18" charset="0"/>
+            </a:endParaRPr>
+          </a:p>
+          <a:p>
+            <a:pPr algn="just">
+              <a:lnSpc>
+                <a:spcPct val="107000"/>
+              </a:lnSpc>
+              <a:spcAft>
+                <a:spcPts val="800"/>
+              </a:spcAft>
+            </a:pPr>
+            <a:r>
+              <a:rPr lang="es-MX" sz="1800" dirty="0">
+                <a:solidFill>
+                  <a:srgbClr val="DCDCAA"/>
+                </a:solidFill>
+                <a:effectLst/>
+                <a:latin typeface="Consolas" panose="020B0609020204030204" pitchFamily="49" charset="0"/>
+                <a:ea typeface="Calibri" panose="020F0502020204030204" pitchFamily="34" charset="0"/>
+                <a:cs typeface="Times New Roman" panose="02020603050405020304" pitchFamily="18" charset="0"/>
+              </a:rPr>
+              <a:t>El grafo es conexo, no dirigido y con distancias, la cantidad de nodos mínima es de 200 y la máxima es de 1000, la cantidad de nodos adyacentes es variable.</a:t>
+            </a:r>
+          </a:p>
+        </p:txBody>
+      </p:sp>
+    </p:spTree>
+    <p:extLst>
+      <p:ext uri="{BB962C8B-B14F-4D97-AF65-F5344CB8AC3E}">
+        <p14:creationId xmlns:p14="http://schemas.microsoft.com/office/powerpoint/2010/main" val="158234964"/>
+      </p:ext>
+    </p:extLst>
+  </p:cSld>
+  <p:clrMapOvr>
+    <a:masterClrMapping/>
+  </p:clrMapOvr>
+</p:sld>
+</file>
+
+<file path=ppt/slides/slide40.xml><?xml version="1.0" encoding="utf-8"?>
 <p:sld xmlns:a="http://schemas.openxmlformats.org/drawingml/2006/main" xmlns:r="http://schemas.openxmlformats.org/officeDocument/2006/relationships" xmlns:p="http://schemas.openxmlformats.org/presentationml/2006/main">
   <p:cSld>
     <p:spTree>
@@ -24715,7 +25794,7 @@
 </p:sld>
 </file>
 
-<file path=ppt/slides/slide36.xml><?xml version="1.0" encoding="utf-8"?>
+<file path=ppt/slides/slide41.xml><?xml version="1.0" encoding="utf-8"?>
 <p:sld xmlns:a="http://schemas.openxmlformats.org/drawingml/2006/main" xmlns:r="http://schemas.openxmlformats.org/officeDocument/2006/relationships" xmlns:p="http://schemas.openxmlformats.org/presentationml/2006/main">
   <p:cSld>
     <p:spTree>
@@ -24796,7 +25875,7 @@
 </p:sld>
 </file>
 
-<file path=ppt/slides/slide37.xml><?xml version="1.0" encoding="utf-8"?>
+<file path=ppt/slides/slide42.xml><?xml version="1.0" encoding="utf-8"?>
 <p:sld xmlns:a="http://schemas.openxmlformats.org/drawingml/2006/main" xmlns:r="http://schemas.openxmlformats.org/officeDocument/2006/relationships" xmlns:p="http://schemas.openxmlformats.org/presentationml/2006/main">
   <p:cSld>
     <p:spTree>
@@ -24828,7 +25907,7 @@
           <p:nvPr>
             <p:extLst>
               <p:ext uri="{D42A27DB-BD31-4B8C-83A1-F6EECF244321}">
-                <p14:modId xmlns:p14="http://schemas.microsoft.com/office/powerpoint/2010/main" val="3110843260"/>
+                <p14:modId xmlns:p14="http://schemas.microsoft.com/office/powerpoint/2010/main" val="2817976295"/>
               </p:ext>
             </p:extLst>
           </p:nvPr>
@@ -25297,11 +26376,11 @@
                         </a:spcAft>
                       </a:pPr>
                       <a:r>
-                        <a:rPr lang="es-MX" sz="2400" dirty="0">
+                        <a:rPr lang="es-MX" sz="2400">
                           <a:effectLst/>
                           <a:latin typeface="Consolas" panose="020B0609020204030204" pitchFamily="49" charset="0"/>
                         </a:rPr>
-                        <a:t>40</a:t>
+                        <a:t>40.333</a:t>
                       </a:r>
                       <a:endParaRPr lang="es-MX" sz="2400" dirty="0">
                         <a:effectLst/>
@@ -26134,7 +27213,7 @@
 </p:sld>
 </file>
 
-<file path=ppt/slides/slide38.xml><?xml version="1.0" encoding="utf-8"?>
+<file path=ppt/slides/slide43.xml><?xml version="1.0" encoding="utf-8"?>
 <p:sld xmlns:a="http://schemas.openxmlformats.org/drawingml/2006/main" xmlns:r="http://schemas.openxmlformats.org/officeDocument/2006/relationships" xmlns:p="http://schemas.openxmlformats.org/presentationml/2006/main">
   <p:cSld>
     <p:spTree>
@@ -26215,7 +27294,7 @@
 </p:sld>
 </file>
 
-<file path=ppt/slides/slide39.xml><?xml version="1.0" encoding="utf-8"?>
+<file path=ppt/slides/slide44.xml><?xml version="1.0" encoding="utf-8"?>
 <p:sld xmlns:a="http://schemas.openxmlformats.org/drawingml/2006/main" xmlns:r="http://schemas.openxmlformats.org/officeDocument/2006/relationships" xmlns:p="http://schemas.openxmlformats.org/presentationml/2006/main">
   <p:cSld>
     <p:spTree>
@@ -26880,336 +27959,7 @@
 </p:sld>
 </file>
 
-<file path=ppt/slides/slide4.xml><?xml version="1.0" encoding="utf-8"?>
-<p:sld xmlns:a="http://schemas.openxmlformats.org/drawingml/2006/main" xmlns:r="http://schemas.openxmlformats.org/officeDocument/2006/relationships" xmlns:p="http://schemas.openxmlformats.org/presentationml/2006/main">
-  <p:cSld>
-    <p:spTree>
-      <p:nvGrpSpPr>
-        <p:cNvPr id="1" name=""/>
-        <p:cNvGrpSpPr/>
-        <p:nvPr/>
-      </p:nvGrpSpPr>
-      <p:grpSpPr>
-        <a:xfrm>
-          <a:off x="0" y="0"/>
-          <a:ext cx="0" cy="0"/>
-          <a:chOff x="0" y="0"/>
-          <a:chExt cx="0" cy="0"/>
-        </a:xfrm>
-      </p:grpSpPr>
-      <p:sp>
-        <p:nvSpPr>
-          <p:cNvPr id="7" name="CuadroTexto 6">
-            <a:extLst>
-              <a:ext uri="{FF2B5EF4-FFF2-40B4-BE49-F238E27FC236}">
-                <a16:creationId xmlns:a16="http://schemas.microsoft.com/office/drawing/2014/main" id="{54AE4B89-B26E-CD1E-2E4F-2E53D78DDE39}"/>
-              </a:ext>
-            </a:extLst>
-          </p:cNvPr>
-          <p:cNvSpPr txBox="1"/>
-          <p:nvPr/>
-        </p:nvSpPr>
-        <p:spPr>
-          <a:xfrm>
-            <a:off x="1498315" y="659767"/>
-            <a:ext cx="9051308" cy="3155287"/>
-          </a:xfrm>
-          <a:prstGeom prst="rect">
-            <a:avLst/>
-          </a:prstGeom>
-          <a:noFill/>
-        </p:spPr>
-        <p:txBody>
-          <a:bodyPr wrap="square">
-            <a:spAutoFit/>
-          </a:bodyPr>
-          <a:lstStyle/>
-          <a:p>
-            <a:pPr algn="ctr">
-              <a:lnSpc>
-                <a:spcPct val="107000"/>
-              </a:lnSpc>
-              <a:spcAft>
-                <a:spcPts val="800"/>
-              </a:spcAft>
-            </a:pPr>
-            <a:r>
-              <a:rPr lang="es-MX" sz="1800" b="1" u="sng" dirty="0">
-                <a:solidFill>
-                  <a:srgbClr val="539DDA"/>
-                </a:solidFill>
-                <a:effectLst/>
-                <a:latin typeface="Consolas" panose="020B0609020204030204" pitchFamily="49" charset="0"/>
-                <a:ea typeface="Calibri" panose="020F0502020204030204" pitchFamily="34" charset="0"/>
-                <a:cs typeface="Times New Roman" panose="02020603050405020304" pitchFamily="18" charset="0"/>
-              </a:rPr>
-              <a:t>POSIBLES ACCIONES QUE SE PUEDEN HACER PARA RESOLVER EL PROBLEMA</a:t>
-            </a:r>
-            <a:endParaRPr lang="es-MX" sz="1800" b="1" dirty="0">
-              <a:effectLst/>
-              <a:latin typeface="Consolas" panose="020B0609020204030204" pitchFamily="49" charset="0"/>
-              <a:ea typeface="Calibri" panose="020F0502020204030204" pitchFamily="34" charset="0"/>
-              <a:cs typeface="Times New Roman" panose="02020603050405020304" pitchFamily="18" charset="0"/>
-            </a:endParaRPr>
-          </a:p>
-          <a:p>
-            <a:pPr>
-              <a:lnSpc>
-                <a:spcPct val="107000"/>
-              </a:lnSpc>
-              <a:spcAft>
-                <a:spcPts val="800"/>
-              </a:spcAft>
-            </a:pPr>
-            <a:r>
-              <a:rPr lang="es-MX" sz="1800" dirty="0">
-                <a:solidFill>
-                  <a:srgbClr val="DCDCAA"/>
-                </a:solidFill>
-                <a:effectLst/>
-                <a:latin typeface="Consolas" panose="020B0609020204030204" pitchFamily="49" charset="0"/>
-                <a:ea typeface="Calibri" panose="020F0502020204030204" pitchFamily="34" charset="0"/>
-                <a:cs typeface="Times New Roman" panose="02020603050405020304" pitchFamily="18" charset="0"/>
-              </a:rPr>
-              <a:t>Permitidas</a:t>
-            </a:r>
-          </a:p>
-          <a:p>
-            <a:pPr marL="342900" lvl="0" indent="-342900">
-              <a:lnSpc>
-                <a:spcPct val="107000"/>
-              </a:lnSpc>
-              <a:spcAft>
-                <a:spcPts val="800"/>
-              </a:spcAft>
-              <a:buFont typeface="Wingdings" panose="05000000000000000000" pitchFamily="2" charset="2"/>
-              <a:buChar char=""/>
-            </a:pPr>
-            <a:r>
-              <a:rPr lang="es-MX" sz="1800" dirty="0">
-                <a:solidFill>
-                  <a:srgbClr val="DCDCAA"/>
-                </a:solidFill>
-                <a:effectLst/>
-                <a:latin typeface="Consolas" panose="020B0609020204030204" pitchFamily="49" charset="0"/>
-                <a:ea typeface="Calibri" panose="020F0502020204030204" pitchFamily="34" charset="0"/>
-                <a:cs typeface="Times New Roman" panose="02020603050405020304" pitchFamily="18" charset="0"/>
-              </a:rPr>
-              <a:t>Poder moverte de nodo a un nodo adyacente.</a:t>
-            </a:r>
-          </a:p>
-          <a:p>
-            <a:pPr>
-              <a:lnSpc>
-                <a:spcPct val="107000"/>
-              </a:lnSpc>
-              <a:spcAft>
-                <a:spcPts val="800"/>
-              </a:spcAft>
-            </a:pPr>
-            <a:r>
-              <a:rPr lang="es-MX" sz="1800" dirty="0">
-                <a:solidFill>
-                  <a:srgbClr val="DCDCAA"/>
-                </a:solidFill>
-                <a:effectLst/>
-                <a:latin typeface="Consolas" panose="020B0609020204030204" pitchFamily="49" charset="0"/>
-                <a:ea typeface="Calibri" panose="020F0502020204030204" pitchFamily="34" charset="0"/>
-                <a:cs typeface="Times New Roman" panose="02020603050405020304" pitchFamily="18" charset="0"/>
-              </a:rPr>
-              <a:t>Prohibidas</a:t>
-            </a:r>
-          </a:p>
-          <a:p>
-            <a:pPr marL="342900" lvl="0" indent="-342900">
-              <a:lnSpc>
-                <a:spcPct val="107000"/>
-              </a:lnSpc>
-              <a:buFont typeface="Wingdings" panose="05000000000000000000" pitchFamily="2" charset="2"/>
-              <a:buChar char=""/>
-            </a:pPr>
-            <a:r>
-              <a:rPr lang="es-MX" sz="1800" dirty="0">
-                <a:solidFill>
-                  <a:srgbClr val="DCDCAA"/>
-                </a:solidFill>
-                <a:effectLst/>
-                <a:latin typeface="Consolas" panose="020B0609020204030204" pitchFamily="49" charset="0"/>
-                <a:ea typeface="Calibri" panose="020F0502020204030204" pitchFamily="34" charset="0"/>
-                <a:cs typeface="Times New Roman" panose="02020603050405020304" pitchFamily="18" charset="0"/>
-              </a:rPr>
-              <a:t>Moverse a un nodo que no es adyacente al nodo actual (teletransportarse)</a:t>
-            </a:r>
-          </a:p>
-          <a:p>
-            <a:pPr marL="342900" lvl="0" indent="-342900">
-              <a:lnSpc>
-                <a:spcPct val="107000"/>
-              </a:lnSpc>
-              <a:buFont typeface="Wingdings" panose="05000000000000000000" pitchFamily="2" charset="2"/>
-              <a:buChar char=""/>
-            </a:pPr>
-            <a:r>
-              <a:rPr lang="es-MX" sz="1800" dirty="0">
-                <a:solidFill>
-                  <a:srgbClr val="DCDCAA"/>
-                </a:solidFill>
-                <a:effectLst/>
-                <a:latin typeface="Consolas" panose="020B0609020204030204" pitchFamily="49" charset="0"/>
-                <a:ea typeface="Calibri" panose="020F0502020204030204" pitchFamily="34" charset="0"/>
-                <a:cs typeface="Times New Roman" panose="02020603050405020304" pitchFamily="18" charset="0"/>
-              </a:rPr>
-              <a:t>Visitar un nodo ya recorrido</a:t>
-            </a:r>
-          </a:p>
-          <a:p>
-            <a:pPr marL="342900" lvl="0" indent="-342900">
-              <a:lnSpc>
-                <a:spcPct val="107000"/>
-              </a:lnSpc>
-              <a:buFont typeface="Wingdings" panose="05000000000000000000" pitchFamily="2" charset="2"/>
-              <a:buChar char=""/>
-            </a:pPr>
-            <a:r>
-              <a:rPr lang="es-MX" sz="1800" dirty="0">
-                <a:solidFill>
-                  <a:srgbClr val="DCDCAA"/>
-                </a:solidFill>
-                <a:effectLst/>
-                <a:latin typeface="Consolas" panose="020B0609020204030204" pitchFamily="49" charset="0"/>
-                <a:ea typeface="Calibri" panose="020F0502020204030204" pitchFamily="34" charset="0"/>
-                <a:cs typeface="Times New Roman" panose="02020603050405020304" pitchFamily="18" charset="0"/>
-              </a:rPr>
-              <a:t>Quedarse quieto</a:t>
-            </a:r>
-          </a:p>
-          <a:p>
-            <a:pPr marL="342900" lvl="0" indent="-342900">
-              <a:lnSpc>
-                <a:spcPct val="107000"/>
-              </a:lnSpc>
-              <a:buFont typeface="Wingdings" panose="05000000000000000000" pitchFamily="2" charset="2"/>
-              <a:buChar char=""/>
-            </a:pPr>
-            <a:r>
-              <a:rPr lang="es-MX" dirty="0">
-                <a:solidFill>
-                  <a:srgbClr val="DCDCAA"/>
-                </a:solidFill>
-                <a:latin typeface="Consolas" panose="020B0609020204030204" pitchFamily="49" charset="0"/>
-                <a:ea typeface="Calibri" panose="020F0502020204030204" pitchFamily="34" charset="0"/>
-                <a:cs typeface="Times New Roman" panose="02020603050405020304" pitchFamily="18" charset="0"/>
-              </a:rPr>
-              <a:t>Terminar antes de haber encontrado el nodo final</a:t>
-            </a:r>
-            <a:endParaRPr lang="es-MX" sz="1800" dirty="0">
-              <a:solidFill>
-                <a:srgbClr val="DCDCAA"/>
-              </a:solidFill>
-              <a:effectLst/>
-              <a:latin typeface="Consolas" panose="020B0609020204030204" pitchFamily="49" charset="0"/>
-              <a:ea typeface="Calibri" panose="020F0502020204030204" pitchFamily="34" charset="0"/>
-              <a:cs typeface="Times New Roman" panose="02020603050405020304" pitchFamily="18" charset="0"/>
-            </a:endParaRPr>
-          </a:p>
-        </p:txBody>
-      </p:sp>
-      <p:sp>
-        <p:nvSpPr>
-          <p:cNvPr id="9" name="CuadroTexto 8">
-            <a:extLst>
-              <a:ext uri="{FF2B5EF4-FFF2-40B4-BE49-F238E27FC236}">
-                <a16:creationId xmlns:a16="http://schemas.microsoft.com/office/drawing/2014/main" id="{C30CD791-78A1-AEE8-8911-BF92AE1924EF}"/>
-              </a:ext>
-            </a:extLst>
-          </p:cNvPr>
-          <p:cNvSpPr txBox="1"/>
-          <p:nvPr/>
-        </p:nvSpPr>
-        <p:spPr>
-          <a:xfrm>
-            <a:off x="1498315" y="4120959"/>
-            <a:ext cx="9195370" cy="1365695"/>
-          </a:xfrm>
-          <a:prstGeom prst="rect">
-            <a:avLst/>
-          </a:prstGeom>
-          <a:noFill/>
-        </p:spPr>
-        <p:txBody>
-          <a:bodyPr wrap="square">
-            <a:spAutoFit/>
-          </a:bodyPr>
-          <a:lstStyle/>
-          <a:p>
-            <a:pPr>
-              <a:lnSpc>
-                <a:spcPct val="107000"/>
-              </a:lnSpc>
-              <a:spcAft>
-                <a:spcPts val="800"/>
-              </a:spcAft>
-            </a:pPr>
-            <a:r>
-              <a:rPr lang="es-MX" sz="1800" b="1" u="sng" dirty="0">
-                <a:solidFill>
-                  <a:srgbClr val="539DDA"/>
-                </a:solidFill>
-                <a:effectLst/>
-                <a:latin typeface="Consolas" panose="020B0609020204030204" pitchFamily="49" charset="0"/>
-                <a:ea typeface="Calibri" panose="020F0502020204030204" pitchFamily="34" charset="0"/>
-                <a:cs typeface="Times New Roman" panose="02020603050405020304" pitchFamily="18" charset="0"/>
-              </a:rPr>
-              <a:t>AMBIENTE DEL PROBLEMA</a:t>
-            </a:r>
-            <a:endParaRPr lang="es-MX" sz="1800" b="1" dirty="0">
-              <a:solidFill>
-                <a:srgbClr val="539DDA"/>
-              </a:solidFill>
-              <a:effectLst/>
-              <a:latin typeface="Consolas" panose="020B0609020204030204" pitchFamily="49" charset="0"/>
-              <a:ea typeface="Calibri" panose="020F0502020204030204" pitchFamily="34" charset="0"/>
-              <a:cs typeface="Times New Roman" panose="02020603050405020304" pitchFamily="18" charset="0"/>
-            </a:endParaRPr>
-          </a:p>
-          <a:p>
-            <a:pPr algn="just">
-              <a:lnSpc>
-                <a:spcPct val="107000"/>
-              </a:lnSpc>
-              <a:spcAft>
-                <a:spcPts val="800"/>
-              </a:spcAft>
-            </a:pPr>
-            <a:r>
-              <a:rPr lang="es-MX" sz="1800" dirty="0">
-                <a:solidFill>
-                  <a:srgbClr val="DCDCAA"/>
-                </a:solidFill>
-                <a:effectLst/>
-                <a:latin typeface="Consolas" panose="020B0609020204030204" pitchFamily="49" charset="0"/>
-                <a:ea typeface="Calibri" panose="020F0502020204030204" pitchFamily="34" charset="0"/>
-                <a:cs typeface="Times New Roman" panose="02020603050405020304" pitchFamily="18" charset="0"/>
-              </a:rPr>
-              <a:t>El grafo es conexo, no dirigido y con distancias, la cantidad de nodos mínima es de 200 y la máxima es de 1000, la cantidad de nodos adyacentes es variable.</a:t>
-            </a:r>
-          </a:p>
-        </p:txBody>
-      </p:sp>
-    </p:spTree>
-    <p:extLst>
-      <p:ext uri="{BB962C8B-B14F-4D97-AF65-F5344CB8AC3E}">
-        <p14:creationId xmlns:p14="http://schemas.microsoft.com/office/powerpoint/2010/main" val="158234964"/>
-      </p:ext>
-    </p:extLst>
-  </p:cSld>
-  <p:clrMapOvr>
-    <a:masterClrMapping/>
-  </p:clrMapOvr>
-</p:sld>
-</file>
-
-<file path=ppt/slides/slide40.xml><?xml version="1.0" encoding="utf-8"?>
+<file path=ppt/slides/slide45.xml><?xml version="1.0" encoding="utf-8"?>
 <p:sld xmlns:a="http://schemas.openxmlformats.org/drawingml/2006/main" xmlns:r="http://schemas.openxmlformats.org/officeDocument/2006/relationships" xmlns:p="http://schemas.openxmlformats.org/presentationml/2006/main">
   <p:cSld>
     <p:spTree>
@@ -27290,7 +28040,7 @@
 </p:sld>
 </file>
 
-<file path=ppt/slides/slide41.xml><?xml version="1.0" encoding="utf-8"?>
+<file path=ppt/slides/slide46.xml><?xml version="1.0" encoding="utf-8"?>
 <p:sld xmlns:a="http://schemas.openxmlformats.org/drawingml/2006/main" xmlns:r="http://schemas.openxmlformats.org/officeDocument/2006/relationships" xmlns:p="http://schemas.openxmlformats.org/presentationml/2006/main">
   <p:cSld>
     <p:spTree>
@@ -28085,7 +28835,7 @@
 </p:sld>
 </file>
 
-<file path=ppt/slides/slide42.xml><?xml version="1.0" encoding="utf-8"?>
+<file path=ppt/slides/slide47.xml><?xml version="1.0" encoding="utf-8"?>
 <p:sld xmlns:a="http://schemas.openxmlformats.org/drawingml/2006/main" xmlns:r="http://schemas.openxmlformats.org/officeDocument/2006/relationships" xmlns:p="http://schemas.openxmlformats.org/presentationml/2006/main">
   <p:cSld>
     <p:spTree>
